--- a/jsp/project_201644008.pptx
+++ b/jsp/project_201644008.pptx
@@ -10,21 +10,25 @@
     <p:sldId id="268" r:id="rId4"/>
     <p:sldId id="269" r:id="rId5"/>
     <p:sldId id="270" r:id="rId6"/>
-    <p:sldId id="272" r:id="rId7"/>
-    <p:sldId id="271" r:id="rId8"/>
-    <p:sldId id="266" r:id="rId9"/>
+    <p:sldId id="281" r:id="rId7"/>
+    <p:sldId id="280" r:id="rId8"/>
+    <p:sldId id="282" r:id="rId9"/>
+    <p:sldId id="283" r:id="rId10"/>
+    <p:sldId id="272" r:id="rId11"/>
+    <p:sldId id="279" r:id="rId12"/>
+    <p:sldId id="266" r:id="rId13"/>
   </p:sldIdLst>
   <p:sldSz cx="12192000" cy="6858000"/>
   <p:notesSz cx="6858000" cy="9144000"/>
   <p:embeddedFontLst>
     <p:embeddedFont>
       <p:font typeface="Malgun Gothic Semilight" panose="020B0502040204020203" pitchFamily="50" charset="-127"/>
-      <p:regular r:id="rId10"/>
+      <p:regular r:id="rId14"/>
     </p:embeddedFont>
     <p:embeddedFont>
       <p:font typeface="맑은 고딕" panose="020B0503020000020004" pitchFamily="50" charset="-127"/>
-      <p:regular r:id="rId11"/>
-      <p:bold r:id="rId12"/>
+      <p:regular r:id="rId15"/>
+      <p:bold r:id="rId16"/>
     </p:embeddedFont>
   </p:embeddedFontLst>
   <p:defaultTextStyle>
@@ -270,7 +274,7 @@
           <a:p>
             <a:fld id="{C7026D9F-9FA5-4D1B-B5BB-88A607D242D1}" type="datetimeFigureOut">
               <a:rPr lang="ko-KR" altLang="en-US" smtClean="0"/>
-              <a:t>2019-11-20</a:t>
+              <a:t>2019-12-17</a:t>
             </a:fld>
             <a:endParaRPr lang="ko-KR" altLang="en-US"/>
           </a:p>
@@ -438,7 +442,7 @@
           <a:p>
             <a:fld id="{C7026D9F-9FA5-4D1B-B5BB-88A607D242D1}" type="datetimeFigureOut">
               <a:rPr lang="ko-KR" altLang="en-US" smtClean="0"/>
-              <a:t>2019-11-20</a:t>
+              <a:t>2019-12-17</a:t>
             </a:fld>
             <a:endParaRPr lang="ko-KR" altLang="en-US"/>
           </a:p>
@@ -616,7 +620,7 @@
           <a:p>
             <a:fld id="{C7026D9F-9FA5-4D1B-B5BB-88A607D242D1}" type="datetimeFigureOut">
               <a:rPr lang="ko-KR" altLang="en-US" smtClean="0"/>
-              <a:t>2019-11-20</a:t>
+              <a:t>2019-12-17</a:t>
             </a:fld>
             <a:endParaRPr lang="ko-KR" altLang="en-US"/>
           </a:p>
@@ -784,7 +788,7 @@
           <a:p>
             <a:fld id="{C7026D9F-9FA5-4D1B-B5BB-88A607D242D1}" type="datetimeFigureOut">
               <a:rPr lang="ko-KR" altLang="en-US" smtClean="0"/>
-              <a:t>2019-11-20</a:t>
+              <a:t>2019-12-17</a:t>
             </a:fld>
             <a:endParaRPr lang="ko-KR" altLang="en-US"/>
           </a:p>
@@ -1029,7 +1033,7 @@
           <a:p>
             <a:fld id="{C7026D9F-9FA5-4D1B-B5BB-88A607D242D1}" type="datetimeFigureOut">
               <a:rPr lang="ko-KR" altLang="en-US" smtClean="0"/>
-              <a:t>2019-11-20</a:t>
+              <a:t>2019-12-17</a:t>
             </a:fld>
             <a:endParaRPr lang="ko-KR" altLang="en-US"/>
           </a:p>
@@ -1258,7 +1262,7 @@
           <a:p>
             <a:fld id="{C7026D9F-9FA5-4D1B-B5BB-88A607D242D1}" type="datetimeFigureOut">
               <a:rPr lang="ko-KR" altLang="en-US" smtClean="0"/>
-              <a:t>2019-11-20</a:t>
+              <a:t>2019-12-17</a:t>
             </a:fld>
             <a:endParaRPr lang="ko-KR" altLang="en-US"/>
           </a:p>
@@ -1622,7 +1626,7 @@
           <a:p>
             <a:fld id="{C7026D9F-9FA5-4D1B-B5BB-88A607D242D1}" type="datetimeFigureOut">
               <a:rPr lang="ko-KR" altLang="en-US" smtClean="0"/>
-              <a:t>2019-11-20</a:t>
+              <a:t>2019-12-17</a:t>
             </a:fld>
             <a:endParaRPr lang="ko-KR" altLang="en-US"/>
           </a:p>
@@ -1739,7 +1743,7 @@
           <a:p>
             <a:fld id="{C7026D9F-9FA5-4D1B-B5BB-88A607D242D1}" type="datetimeFigureOut">
               <a:rPr lang="ko-KR" altLang="en-US" smtClean="0"/>
-              <a:t>2019-11-20</a:t>
+              <a:t>2019-12-17</a:t>
             </a:fld>
             <a:endParaRPr lang="ko-KR" altLang="en-US"/>
           </a:p>
@@ -1834,7 +1838,7 @@
           <a:p>
             <a:fld id="{C7026D9F-9FA5-4D1B-B5BB-88A607D242D1}" type="datetimeFigureOut">
               <a:rPr lang="ko-KR" altLang="en-US" smtClean="0"/>
-              <a:t>2019-11-20</a:t>
+              <a:t>2019-12-17</a:t>
             </a:fld>
             <a:endParaRPr lang="ko-KR" altLang="en-US"/>
           </a:p>
@@ -2109,7 +2113,7 @@
           <a:p>
             <a:fld id="{C7026D9F-9FA5-4D1B-B5BB-88A607D242D1}" type="datetimeFigureOut">
               <a:rPr lang="ko-KR" altLang="en-US" smtClean="0"/>
-              <a:t>2019-11-20</a:t>
+              <a:t>2019-12-17</a:t>
             </a:fld>
             <a:endParaRPr lang="ko-KR" altLang="en-US"/>
           </a:p>
@@ -2361,7 +2365,7 @@
           <a:p>
             <a:fld id="{C7026D9F-9FA5-4D1B-B5BB-88A607D242D1}" type="datetimeFigureOut">
               <a:rPr lang="ko-KR" altLang="en-US" smtClean="0"/>
-              <a:t>2019-11-20</a:t>
+              <a:t>2019-12-17</a:t>
             </a:fld>
             <a:endParaRPr lang="ko-KR" altLang="en-US"/>
           </a:p>
@@ -2575,7 +2579,7 @@
           <a:p>
             <a:fld id="{C7026D9F-9FA5-4D1B-B5BB-88A607D242D1}" type="datetimeFigureOut">
               <a:rPr lang="ko-KR" altLang="en-US" smtClean="0"/>
-              <a:t>2019-11-20</a:t>
+              <a:t>2019-12-17</a:t>
             </a:fld>
             <a:endParaRPr lang="ko-KR" altLang="en-US"/>
           </a:p>
@@ -3281,6 +3285,663 @@
 </p:sld>
 </file>
 
+<file path=ppt/slides/slide10.xml><?xml version="1.0" encoding="utf-8"?>
+<p:sld xmlns:a="http://schemas.openxmlformats.org/drawingml/2006/main" xmlns:r="http://schemas.openxmlformats.org/officeDocument/2006/relationships" xmlns:p="http://schemas.openxmlformats.org/presentationml/2006/main">
+  <p:cSld>
+    <p:bg>
+      <p:bgPr>
+        <a:solidFill>
+          <a:schemeClr val="bg1"/>
+        </a:solidFill>
+        <a:effectLst/>
+      </p:bgPr>
+    </p:bg>
+    <p:spTree>
+      <p:nvGrpSpPr>
+        <p:cNvPr id="1" name=""/>
+        <p:cNvGrpSpPr/>
+        <p:nvPr/>
+      </p:nvGrpSpPr>
+      <p:grpSpPr>
+        <a:xfrm>
+          <a:off x="0" y="0"/>
+          <a:ext cx="0" cy="0"/>
+          <a:chOff x="0" y="0"/>
+          <a:chExt cx="0" cy="0"/>
+        </a:xfrm>
+      </p:grpSpPr>
+      <p:sp>
+        <p:nvSpPr>
+          <p:cNvPr id="12" name="TextBox 11">
+            <a:extLst>
+              <a:ext uri="{FF2B5EF4-FFF2-40B4-BE49-F238E27FC236}">
+                <a16:creationId xmlns:a16="http://schemas.microsoft.com/office/drawing/2014/main" id="{72C1CBAC-EF92-40FE-A9AB-F06B1C7F436D}"/>
+              </a:ext>
+            </a:extLst>
+          </p:cNvPr>
+          <p:cNvSpPr txBox="1"/>
+          <p:nvPr/>
+        </p:nvSpPr>
+        <p:spPr>
+          <a:xfrm>
+            <a:off x="435427" y="360737"/>
+            <a:ext cx="1842664" cy="655372"/>
+          </a:xfrm>
+          <a:prstGeom prst="rect">
+            <a:avLst/>
+          </a:prstGeom>
+          <a:noFill/>
+        </p:spPr>
+        <p:txBody>
+          <a:bodyPr wrap="square" rtlCol="0">
+            <a:spAutoFit/>
+          </a:bodyPr>
+          <a:lstStyle/>
+          <a:p>
+            <a:pPr marL="0" marR="0" lvl="0" indent="0" algn="ctr" defTabSz="914400" rtl="0" eaLnBrk="1" fontAlgn="auto" latinLnBrk="1" hangingPunct="1">
+              <a:lnSpc>
+                <a:spcPct val="150000"/>
+              </a:lnSpc>
+              <a:spcBef>
+                <a:spcPts val="0"/>
+              </a:spcBef>
+              <a:spcAft>
+                <a:spcPts val="0"/>
+              </a:spcAft>
+              <a:buClrTx/>
+              <a:buSzTx/>
+              <a:buFontTx/>
+              <a:buNone/>
+              <a:tabLst/>
+              <a:defRPr/>
+            </a:pPr>
+            <a:r>
+              <a:rPr kumimoji="0" lang="en-US" altLang="ko-KR" sz="2800" b="1" i="0" u="none" strike="noStrike" kern="1200" cap="none" spc="-150" normalizeH="0" baseline="0" noProof="0" dirty="0">
+                <a:ln>
+                  <a:noFill/>
+                </a:ln>
+                <a:gradFill>
+                  <a:gsLst>
+                    <a:gs pos="83000">
+                      <a:prstClr val="black">
+                        <a:lumMod val="75000"/>
+                        <a:lumOff val="25000"/>
+                      </a:prstClr>
+                    </a:gs>
+                    <a:gs pos="100000">
+                      <a:prstClr val="black">
+                        <a:lumMod val="75000"/>
+                        <a:lumOff val="25000"/>
+                      </a:prstClr>
+                    </a:gs>
+                  </a:gsLst>
+                  <a:lin ang="5400000" scaled="1"/>
+                </a:gradFill>
+                <a:effectLst/>
+                <a:uLnTx/>
+                <a:uFillTx/>
+                <a:latin typeface="Malgun Gothic Semilight" panose="020B0502040204020203" pitchFamily="50" charset="-127"/>
+                <a:ea typeface="Malgun Gothic Semilight" panose="020B0502040204020203" pitchFamily="50" charset="-127"/>
+                <a:cs typeface="Malgun Gothic Semilight" panose="020B0502040204020203" pitchFamily="50" charset="-127"/>
+              </a:rPr>
+              <a:t>JSP</a:t>
+            </a:r>
+            <a:r>
+              <a:rPr kumimoji="0" lang="ko-KR" altLang="en-US" sz="2800" b="1" i="0" u="none" strike="noStrike" kern="1200" cap="none" spc="-150" normalizeH="0" baseline="0" noProof="0" dirty="0">
+                <a:ln>
+                  <a:noFill/>
+                </a:ln>
+                <a:gradFill>
+                  <a:gsLst>
+                    <a:gs pos="83000">
+                      <a:prstClr val="black">
+                        <a:lumMod val="75000"/>
+                        <a:lumOff val="25000"/>
+                      </a:prstClr>
+                    </a:gs>
+                    <a:gs pos="100000">
+                      <a:prstClr val="black">
+                        <a:lumMod val="75000"/>
+                        <a:lumOff val="25000"/>
+                      </a:prstClr>
+                    </a:gs>
+                  </a:gsLst>
+                  <a:lin ang="5400000" scaled="1"/>
+                </a:gradFill>
+                <a:effectLst/>
+                <a:uLnTx/>
+                <a:uFillTx/>
+                <a:latin typeface="Malgun Gothic Semilight" panose="020B0502040204020203" pitchFamily="50" charset="-127"/>
+                <a:ea typeface="Malgun Gothic Semilight" panose="020B0502040204020203" pitchFamily="50" charset="-127"/>
+                <a:cs typeface="Malgun Gothic Semilight" panose="020B0502040204020203" pitchFamily="50" charset="-127"/>
+              </a:rPr>
+              <a:t> </a:t>
+            </a:r>
+            <a:r>
+              <a:rPr kumimoji="0" lang="en-US" altLang="ko-KR" sz="2800" b="1" i="0" u="none" strike="noStrike" kern="1200" cap="none" spc="-150" normalizeH="0" baseline="0" noProof="0" dirty="0">
+                <a:ln>
+                  <a:noFill/>
+                </a:ln>
+                <a:gradFill>
+                  <a:gsLst>
+                    <a:gs pos="83000">
+                      <a:prstClr val="black">
+                        <a:lumMod val="75000"/>
+                        <a:lumOff val="25000"/>
+                      </a:prstClr>
+                    </a:gs>
+                    <a:gs pos="100000">
+                      <a:prstClr val="black">
+                        <a:lumMod val="75000"/>
+                        <a:lumOff val="25000"/>
+                      </a:prstClr>
+                    </a:gs>
+                  </a:gsLst>
+                  <a:lin ang="5400000" scaled="1"/>
+                </a:gradFill>
+                <a:effectLst/>
+                <a:uLnTx/>
+                <a:uFillTx/>
+                <a:latin typeface="Malgun Gothic Semilight" panose="020B0502040204020203" pitchFamily="50" charset="-127"/>
+                <a:ea typeface="Malgun Gothic Semilight" panose="020B0502040204020203" pitchFamily="50" charset="-127"/>
+                <a:cs typeface="Malgun Gothic Semilight" panose="020B0502040204020203" pitchFamily="50" charset="-127"/>
+              </a:rPr>
+              <a:t>Project</a:t>
+            </a:r>
+          </a:p>
+        </p:txBody>
+      </p:sp>
+      <p:sp>
+        <p:nvSpPr>
+          <p:cNvPr id="13" name="TextBox 12">
+            <a:extLst>
+              <a:ext uri="{FF2B5EF4-FFF2-40B4-BE49-F238E27FC236}">
+                <a16:creationId xmlns:a16="http://schemas.microsoft.com/office/drawing/2014/main" id="{4EC86F03-8472-4595-A2F7-14C357D690FD}"/>
+              </a:ext>
+            </a:extLst>
+          </p:cNvPr>
+          <p:cNvSpPr txBox="1"/>
+          <p:nvPr/>
+        </p:nvSpPr>
+        <p:spPr>
+          <a:xfrm>
+            <a:off x="3931118" y="441176"/>
+            <a:ext cx="4329763" cy="494494"/>
+          </a:xfrm>
+          <a:prstGeom prst="rect">
+            <a:avLst/>
+          </a:prstGeom>
+          <a:noFill/>
+        </p:spPr>
+        <p:txBody>
+          <a:bodyPr wrap="square" rtlCol="0">
+            <a:spAutoFit/>
+          </a:bodyPr>
+          <a:lstStyle/>
+          <a:p>
+            <a:pPr marL="0" marR="0" lvl="0" indent="0" algn="ctr" defTabSz="914400" rtl="0" eaLnBrk="1" fontAlgn="auto" latinLnBrk="1" hangingPunct="1">
+              <a:lnSpc>
+                <a:spcPct val="150000"/>
+              </a:lnSpc>
+              <a:spcBef>
+                <a:spcPts val="0"/>
+              </a:spcBef>
+              <a:spcAft>
+                <a:spcPts val="0"/>
+              </a:spcAft>
+              <a:buClrTx/>
+              <a:buSzTx/>
+              <a:buFontTx/>
+              <a:buNone/>
+              <a:tabLst/>
+              <a:defRPr/>
+            </a:pPr>
+            <a:r>
+              <a:rPr kumimoji="0" lang="en-US" altLang="ko-KR" sz="2000" b="0" i="0" u="none" strike="noStrike" kern="1200" cap="none" spc="-150" normalizeH="0" baseline="0" noProof="0" dirty="0">
+                <a:ln>
+                  <a:noFill/>
+                </a:ln>
+                <a:gradFill>
+                  <a:gsLst>
+                    <a:gs pos="83000">
+                      <a:prstClr val="black">
+                        <a:lumMod val="75000"/>
+                        <a:lumOff val="25000"/>
+                      </a:prstClr>
+                    </a:gs>
+                    <a:gs pos="100000">
+                      <a:prstClr val="black">
+                        <a:lumMod val="75000"/>
+                        <a:lumOff val="25000"/>
+                      </a:prstClr>
+                    </a:gs>
+                  </a:gsLst>
+                  <a:lin ang="5400000" scaled="1"/>
+                </a:gradFill>
+                <a:effectLst/>
+                <a:uLnTx/>
+                <a:uFillTx/>
+                <a:latin typeface="Malgun Gothic Semilight" panose="020B0502040204020203" pitchFamily="50" charset="-127"/>
+                <a:ea typeface="Malgun Gothic Semilight" panose="020B0502040204020203" pitchFamily="50" charset="-127"/>
+                <a:cs typeface="Malgun Gothic Semilight" panose="020B0502040204020203" pitchFamily="50" charset="-127"/>
+              </a:rPr>
+              <a:t>Design</a:t>
+            </a:r>
+          </a:p>
+        </p:txBody>
+      </p:sp>
+      <p:pic>
+        <p:nvPicPr>
+          <p:cNvPr id="3" name="그림 2">
+            <a:extLst>
+              <a:ext uri="{FF2B5EF4-FFF2-40B4-BE49-F238E27FC236}">
+                <a16:creationId xmlns:a16="http://schemas.microsoft.com/office/drawing/2014/main" id="{614321BA-F0B5-4405-9FE8-30219FB9B8BE}"/>
+              </a:ext>
+            </a:extLst>
+          </p:cNvPr>
+          <p:cNvPicPr>
+            <a:picLocks noChangeAspect="1"/>
+          </p:cNvPicPr>
+          <p:nvPr/>
+        </p:nvPicPr>
+        <p:blipFill>
+          <a:blip r:embed="rId2"/>
+          <a:stretch>
+            <a:fillRect/>
+          </a:stretch>
+        </p:blipFill>
+        <p:spPr>
+          <a:xfrm>
+            <a:off x="1504572" y="1122726"/>
+            <a:ext cx="9182854" cy="5374537"/>
+          </a:xfrm>
+          <a:prstGeom prst="rect">
+            <a:avLst/>
+          </a:prstGeom>
+        </p:spPr>
+      </p:pic>
+    </p:spTree>
+    <p:extLst>
+      <p:ext uri="{BB962C8B-B14F-4D97-AF65-F5344CB8AC3E}">
+        <p14:creationId xmlns:p14="http://schemas.microsoft.com/office/powerpoint/2010/main" val="393052294"/>
+      </p:ext>
+    </p:extLst>
+  </p:cSld>
+  <p:clrMapOvr>
+    <a:masterClrMapping/>
+  </p:clrMapOvr>
+</p:sld>
+</file>
+
+<file path=ppt/slides/slide11.xml><?xml version="1.0" encoding="utf-8"?>
+<p:sld xmlns:a="http://schemas.openxmlformats.org/drawingml/2006/main" xmlns:r="http://schemas.openxmlformats.org/officeDocument/2006/relationships" xmlns:p="http://schemas.openxmlformats.org/presentationml/2006/main">
+  <p:cSld>
+    <p:bg>
+      <p:bgPr>
+        <a:solidFill>
+          <a:schemeClr val="bg1"/>
+        </a:solidFill>
+        <a:effectLst/>
+      </p:bgPr>
+    </p:bg>
+    <p:spTree>
+      <p:nvGrpSpPr>
+        <p:cNvPr id="1" name=""/>
+        <p:cNvGrpSpPr/>
+        <p:nvPr/>
+      </p:nvGrpSpPr>
+      <p:grpSpPr>
+        <a:xfrm>
+          <a:off x="0" y="0"/>
+          <a:ext cx="0" cy="0"/>
+          <a:chOff x="0" y="0"/>
+          <a:chExt cx="0" cy="0"/>
+        </a:xfrm>
+      </p:grpSpPr>
+      <p:sp>
+        <p:nvSpPr>
+          <p:cNvPr id="12" name="TextBox 11">
+            <a:extLst>
+              <a:ext uri="{FF2B5EF4-FFF2-40B4-BE49-F238E27FC236}">
+                <a16:creationId xmlns:a16="http://schemas.microsoft.com/office/drawing/2014/main" id="{72C1CBAC-EF92-40FE-A9AB-F06B1C7F436D}"/>
+              </a:ext>
+            </a:extLst>
+          </p:cNvPr>
+          <p:cNvSpPr txBox="1"/>
+          <p:nvPr/>
+        </p:nvSpPr>
+        <p:spPr>
+          <a:xfrm>
+            <a:off x="435427" y="360737"/>
+            <a:ext cx="1842664" cy="655372"/>
+          </a:xfrm>
+          <a:prstGeom prst="rect">
+            <a:avLst/>
+          </a:prstGeom>
+          <a:noFill/>
+        </p:spPr>
+        <p:txBody>
+          <a:bodyPr wrap="square" rtlCol="0">
+            <a:spAutoFit/>
+          </a:bodyPr>
+          <a:lstStyle/>
+          <a:p>
+            <a:pPr marL="0" marR="0" lvl="0" indent="0" algn="ctr" defTabSz="914400" rtl="0" eaLnBrk="1" fontAlgn="auto" latinLnBrk="1" hangingPunct="1">
+              <a:lnSpc>
+                <a:spcPct val="150000"/>
+              </a:lnSpc>
+              <a:spcBef>
+                <a:spcPts val="0"/>
+              </a:spcBef>
+              <a:spcAft>
+                <a:spcPts val="0"/>
+              </a:spcAft>
+              <a:buClrTx/>
+              <a:buSzTx/>
+              <a:buFontTx/>
+              <a:buNone/>
+              <a:tabLst/>
+              <a:defRPr/>
+            </a:pPr>
+            <a:r>
+              <a:rPr kumimoji="0" lang="en-US" altLang="ko-KR" sz="2800" b="1" i="0" u="none" strike="noStrike" kern="1200" cap="none" spc="-150" normalizeH="0" baseline="0" noProof="0" dirty="0">
+                <a:ln>
+                  <a:noFill/>
+                </a:ln>
+                <a:gradFill>
+                  <a:gsLst>
+                    <a:gs pos="83000">
+                      <a:prstClr val="black">
+                        <a:lumMod val="75000"/>
+                        <a:lumOff val="25000"/>
+                      </a:prstClr>
+                    </a:gs>
+                    <a:gs pos="100000">
+                      <a:prstClr val="black">
+                        <a:lumMod val="75000"/>
+                        <a:lumOff val="25000"/>
+                      </a:prstClr>
+                    </a:gs>
+                  </a:gsLst>
+                  <a:lin ang="5400000" scaled="1"/>
+                </a:gradFill>
+                <a:effectLst/>
+                <a:uLnTx/>
+                <a:uFillTx/>
+                <a:latin typeface="Malgun Gothic Semilight" panose="020B0502040204020203" pitchFamily="50" charset="-127"/>
+                <a:ea typeface="Malgun Gothic Semilight" panose="020B0502040204020203" pitchFamily="50" charset="-127"/>
+                <a:cs typeface="Malgun Gothic Semilight" panose="020B0502040204020203" pitchFamily="50" charset="-127"/>
+              </a:rPr>
+              <a:t>JSP</a:t>
+            </a:r>
+            <a:r>
+              <a:rPr kumimoji="0" lang="ko-KR" altLang="en-US" sz="2800" b="1" i="0" u="none" strike="noStrike" kern="1200" cap="none" spc="-150" normalizeH="0" baseline="0" noProof="0" dirty="0">
+                <a:ln>
+                  <a:noFill/>
+                </a:ln>
+                <a:gradFill>
+                  <a:gsLst>
+                    <a:gs pos="83000">
+                      <a:prstClr val="black">
+                        <a:lumMod val="75000"/>
+                        <a:lumOff val="25000"/>
+                      </a:prstClr>
+                    </a:gs>
+                    <a:gs pos="100000">
+                      <a:prstClr val="black">
+                        <a:lumMod val="75000"/>
+                        <a:lumOff val="25000"/>
+                      </a:prstClr>
+                    </a:gs>
+                  </a:gsLst>
+                  <a:lin ang="5400000" scaled="1"/>
+                </a:gradFill>
+                <a:effectLst/>
+                <a:uLnTx/>
+                <a:uFillTx/>
+                <a:latin typeface="Malgun Gothic Semilight" panose="020B0502040204020203" pitchFamily="50" charset="-127"/>
+                <a:ea typeface="Malgun Gothic Semilight" panose="020B0502040204020203" pitchFamily="50" charset="-127"/>
+                <a:cs typeface="Malgun Gothic Semilight" panose="020B0502040204020203" pitchFamily="50" charset="-127"/>
+              </a:rPr>
+              <a:t> </a:t>
+            </a:r>
+            <a:r>
+              <a:rPr kumimoji="0" lang="en-US" altLang="ko-KR" sz="2800" b="1" i="0" u="none" strike="noStrike" kern="1200" cap="none" spc="-150" normalizeH="0" baseline="0" noProof="0" dirty="0">
+                <a:ln>
+                  <a:noFill/>
+                </a:ln>
+                <a:gradFill>
+                  <a:gsLst>
+                    <a:gs pos="83000">
+                      <a:prstClr val="black">
+                        <a:lumMod val="75000"/>
+                        <a:lumOff val="25000"/>
+                      </a:prstClr>
+                    </a:gs>
+                    <a:gs pos="100000">
+                      <a:prstClr val="black">
+                        <a:lumMod val="75000"/>
+                        <a:lumOff val="25000"/>
+                      </a:prstClr>
+                    </a:gs>
+                  </a:gsLst>
+                  <a:lin ang="5400000" scaled="1"/>
+                </a:gradFill>
+                <a:effectLst/>
+                <a:uLnTx/>
+                <a:uFillTx/>
+                <a:latin typeface="Malgun Gothic Semilight" panose="020B0502040204020203" pitchFamily="50" charset="-127"/>
+                <a:ea typeface="Malgun Gothic Semilight" panose="020B0502040204020203" pitchFamily="50" charset="-127"/>
+                <a:cs typeface="Malgun Gothic Semilight" panose="020B0502040204020203" pitchFamily="50" charset="-127"/>
+              </a:rPr>
+              <a:t>Project</a:t>
+            </a:r>
+          </a:p>
+        </p:txBody>
+      </p:sp>
+      <p:sp>
+        <p:nvSpPr>
+          <p:cNvPr id="13" name="TextBox 12">
+            <a:extLst>
+              <a:ext uri="{FF2B5EF4-FFF2-40B4-BE49-F238E27FC236}">
+                <a16:creationId xmlns:a16="http://schemas.microsoft.com/office/drawing/2014/main" id="{4EC86F03-8472-4595-A2F7-14C357D690FD}"/>
+              </a:ext>
+            </a:extLst>
+          </p:cNvPr>
+          <p:cNvSpPr txBox="1"/>
+          <p:nvPr/>
+        </p:nvSpPr>
+        <p:spPr>
+          <a:xfrm>
+            <a:off x="3931118" y="441176"/>
+            <a:ext cx="4329763" cy="494494"/>
+          </a:xfrm>
+          <a:prstGeom prst="rect">
+            <a:avLst/>
+          </a:prstGeom>
+          <a:noFill/>
+        </p:spPr>
+        <p:txBody>
+          <a:bodyPr wrap="square" rtlCol="0">
+            <a:spAutoFit/>
+          </a:bodyPr>
+          <a:lstStyle/>
+          <a:p>
+            <a:pPr marL="0" marR="0" lvl="0" indent="0" algn="ctr" defTabSz="914400" rtl="0" eaLnBrk="1" fontAlgn="auto" latinLnBrk="1" hangingPunct="1">
+              <a:lnSpc>
+                <a:spcPct val="150000"/>
+              </a:lnSpc>
+              <a:spcBef>
+                <a:spcPts val="0"/>
+              </a:spcBef>
+              <a:spcAft>
+                <a:spcPts val="0"/>
+              </a:spcAft>
+              <a:buClrTx/>
+              <a:buSzTx/>
+              <a:buFontTx/>
+              <a:buNone/>
+              <a:tabLst/>
+              <a:defRPr/>
+            </a:pPr>
+            <a:r>
+              <a:rPr kumimoji="0" lang="en-US" altLang="ko-KR" sz="2000" b="0" i="0" u="none" strike="noStrike" kern="1200" cap="none" spc="-150" normalizeH="0" baseline="0" noProof="0" dirty="0">
+                <a:ln>
+                  <a:noFill/>
+                </a:ln>
+                <a:gradFill>
+                  <a:gsLst>
+                    <a:gs pos="83000">
+                      <a:prstClr val="black">
+                        <a:lumMod val="75000"/>
+                        <a:lumOff val="25000"/>
+                      </a:prstClr>
+                    </a:gs>
+                    <a:gs pos="100000">
+                      <a:prstClr val="black">
+                        <a:lumMod val="75000"/>
+                        <a:lumOff val="25000"/>
+                      </a:prstClr>
+                    </a:gs>
+                  </a:gsLst>
+                  <a:lin ang="5400000" scaled="1"/>
+                </a:gradFill>
+                <a:effectLst/>
+                <a:uLnTx/>
+                <a:uFillTx/>
+                <a:latin typeface="Malgun Gothic Semilight" panose="020B0502040204020203" pitchFamily="50" charset="-127"/>
+                <a:ea typeface="Malgun Gothic Semilight" panose="020B0502040204020203" pitchFamily="50" charset="-127"/>
+                <a:cs typeface="Malgun Gothic Semilight" panose="020B0502040204020203" pitchFamily="50" charset="-127"/>
+              </a:rPr>
+              <a:t>Design</a:t>
+            </a:r>
+          </a:p>
+        </p:txBody>
+      </p:sp>
+      <p:pic>
+        <p:nvPicPr>
+          <p:cNvPr id="3" name="그림 2">
+            <a:extLst>
+              <a:ext uri="{FF2B5EF4-FFF2-40B4-BE49-F238E27FC236}">
+                <a16:creationId xmlns:a16="http://schemas.microsoft.com/office/drawing/2014/main" id="{6B112AC8-9419-46A6-9450-92843F6A7D9C}"/>
+              </a:ext>
+            </a:extLst>
+          </p:cNvPr>
+          <p:cNvPicPr>
+            <a:picLocks noChangeAspect="1"/>
+          </p:cNvPicPr>
+          <p:nvPr/>
+        </p:nvPicPr>
+        <p:blipFill>
+          <a:blip r:embed="rId2"/>
+          <a:stretch>
+            <a:fillRect/>
+          </a:stretch>
+        </p:blipFill>
+        <p:spPr>
+          <a:xfrm>
+            <a:off x="1929471" y="1180432"/>
+            <a:ext cx="8333055" cy="5236392"/>
+          </a:xfrm>
+          <a:prstGeom prst="rect">
+            <a:avLst/>
+          </a:prstGeom>
+        </p:spPr>
+      </p:pic>
+    </p:spTree>
+    <p:extLst>
+      <p:ext uri="{BB962C8B-B14F-4D97-AF65-F5344CB8AC3E}">
+        <p14:creationId xmlns:p14="http://schemas.microsoft.com/office/powerpoint/2010/main" val="984387015"/>
+      </p:ext>
+    </p:extLst>
+  </p:cSld>
+  <p:clrMapOvr>
+    <a:masterClrMapping/>
+  </p:clrMapOvr>
+</p:sld>
+</file>
+
+<file path=ppt/slides/slide12.xml><?xml version="1.0" encoding="utf-8"?>
+<p:sld xmlns:a="http://schemas.openxmlformats.org/drawingml/2006/main" xmlns:r="http://schemas.openxmlformats.org/officeDocument/2006/relationships" xmlns:p="http://schemas.openxmlformats.org/presentationml/2006/main">
+  <p:cSld>
+    <p:spTree>
+      <p:nvGrpSpPr>
+        <p:cNvPr id="1" name=""/>
+        <p:cNvGrpSpPr/>
+        <p:nvPr/>
+      </p:nvGrpSpPr>
+      <p:grpSpPr>
+        <a:xfrm>
+          <a:off x="0" y="0"/>
+          <a:ext cx="0" cy="0"/>
+          <a:chOff x="0" y="0"/>
+          <a:chExt cx="0" cy="0"/>
+        </a:xfrm>
+      </p:grpSpPr>
+      <p:sp>
+        <p:nvSpPr>
+          <p:cNvPr id="3" name="TextBox 2"/>
+          <p:cNvSpPr txBox="1"/>
+          <p:nvPr/>
+        </p:nvSpPr>
+        <p:spPr>
+          <a:xfrm>
+            <a:off x="4424414" y="2367171"/>
+            <a:ext cx="3343170" cy="2123658"/>
+          </a:xfrm>
+          <a:prstGeom prst="rect">
+            <a:avLst/>
+          </a:prstGeom>
+          <a:noFill/>
+        </p:spPr>
+        <p:txBody>
+          <a:bodyPr wrap="square" rtlCol="0">
+            <a:spAutoFit/>
+          </a:bodyPr>
+          <a:lstStyle/>
+          <a:p>
+            <a:pPr algn="dist"/>
+            <a:r>
+              <a:rPr lang="en-US" altLang="ko-KR" sz="6600" dirty="0">
+                <a:gradFill>
+                  <a:gsLst>
+                    <a:gs pos="83000">
+                      <a:schemeClr val="tx1">
+                        <a:lumMod val="75000"/>
+                        <a:lumOff val="25000"/>
+                      </a:schemeClr>
+                    </a:gs>
+                    <a:gs pos="100000">
+                      <a:schemeClr val="tx1">
+                        <a:lumMod val="75000"/>
+                        <a:lumOff val="25000"/>
+                      </a:schemeClr>
+                    </a:gs>
+                  </a:gsLst>
+                  <a:lin ang="5400000" scaled="1"/>
+                </a:gradFill>
+                <a:latin typeface="+mj-lt"/>
+                <a:ea typeface="Malgun Gothic Semilight" panose="020B0502040204020203" pitchFamily="50" charset="-127"/>
+                <a:cs typeface="Malgun Gothic Semilight" panose="020B0502040204020203" pitchFamily="50" charset="-127"/>
+              </a:rPr>
+              <a:t>THANK YOU</a:t>
+            </a:r>
+          </a:p>
+        </p:txBody>
+      </p:sp>
+    </p:spTree>
+    <p:extLst>
+      <p:ext uri="{BB962C8B-B14F-4D97-AF65-F5344CB8AC3E}">
+        <p14:creationId xmlns:p14="http://schemas.microsoft.com/office/powerpoint/2010/main" val="2216989599"/>
+      </p:ext>
+    </p:extLst>
+  </p:cSld>
+  <p:clrMapOvr>
+    <a:masterClrMapping/>
+  </p:clrMapOvr>
+</p:sld>
+</file>
+
 <file path=ppt/slides/slide2.xml><?xml version="1.0" encoding="utf-8"?>
 <p:sld xmlns:a="http://schemas.openxmlformats.org/drawingml/2006/main" xmlns:r="http://schemas.openxmlformats.org/officeDocument/2006/relationships" xmlns:p="http://schemas.openxmlformats.org/presentationml/2006/main">
   <p:cSld>
@@ -3914,7 +4575,7 @@
         </p:nvSpPr>
         <p:spPr>
           <a:xfrm>
-            <a:off x="4357037" y="1549511"/>
+            <a:off x="4357038" y="441176"/>
             <a:ext cx="3477924" cy="494494"/>
           </a:xfrm>
           <a:prstGeom prst="rect">
@@ -3956,7 +4617,7 @@
                 <a:ea typeface="Malgun Gothic Semilight" panose="020B0502040204020203" pitchFamily="50" charset="-127"/>
                 <a:cs typeface="Malgun Gothic Semilight" panose="020B0502040204020203" pitchFamily="50" charset="-127"/>
               </a:rPr>
-              <a:t>주요 기능 및 개발 환경</a:t>
+              <a:t>개발 환경</a:t>
             </a:r>
             <a:endParaRPr lang="en-US" altLang="ko-KR" sz="2000" spc="-150" dirty="0">
               <a:gradFill>
@@ -3983,536 +4644,471 @@
           </a:p>
         </p:txBody>
       </p:sp>
-      <p:sp>
-        <p:nvSpPr>
-          <p:cNvPr id="14" name="TextBox 13">
+      <p:graphicFrame>
+        <p:nvGraphicFramePr>
+          <p:cNvPr id="5" name="표 3">
             <a:extLst>
               <a:ext uri="{FF2B5EF4-FFF2-40B4-BE49-F238E27FC236}">
-                <a16:creationId xmlns:a16="http://schemas.microsoft.com/office/drawing/2014/main" id="{21B9D5D6-849F-4195-B8D6-2932DE5477F7}"/>
+                <a16:creationId xmlns:a16="http://schemas.microsoft.com/office/drawing/2014/main" id="{4EADCE3C-AECA-4E9A-9C5A-974B4407CA5F}"/>
               </a:ext>
             </a:extLst>
           </p:cNvPr>
-          <p:cNvSpPr txBox="1"/>
-          <p:nvPr/>
-        </p:nvSpPr>
-        <p:spPr>
-          <a:xfrm>
-            <a:off x="1492030" y="3429000"/>
-            <a:ext cx="9207939" cy="2341154"/>
-          </a:xfrm>
-          <a:prstGeom prst="rect">
-            <a:avLst/>
-          </a:prstGeom>
-          <a:noFill/>
-        </p:spPr>
-        <p:txBody>
-          <a:bodyPr wrap="square" rtlCol="0">
-            <a:spAutoFit/>
-          </a:bodyPr>
-          <a:lstStyle/>
-          <a:p>
-            <a:pPr algn="ctr">
-              <a:lnSpc>
-                <a:spcPct val="150000"/>
-              </a:lnSpc>
-            </a:pPr>
-            <a:r>
-              <a:rPr lang="en-US" altLang="ko-KR" sz="2000" spc="-150" dirty="0">
-                <a:gradFill>
-                  <a:gsLst>
-                    <a:gs pos="83000">
-                      <a:schemeClr val="tx1">
-                        <a:lumMod val="75000"/>
-                        <a:lumOff val="25000"/>
+          <p:cNvGraphicFramePr>
+            <a:graphicFrameLocks noGrp="1"/>
+          </p:cNvGraphicFramePr>
+          <p:nvPr>
+            <p:extLst>
+              <p:ext uri="{D42A27DB-BD31-4B8C-83A1-F6EECF244321}">
+                <p14:modId xmlns:p14="http://schemas.microsoft.com/office/powerpoint/2010/main" val="1018212165"/>
+              </p:ext>
+            </p:extLst>
+          </p:nvPr>
+        </p:nvGraphicFramePr>
+        <p:xfrm>
+          <a:off x="1388716" y="1739347"/>
+          <a:ext cx="9414566" cy="4141690"/>
+        </p:xfrm>
+        <a:graphic>
+          <a:graphicData uri="http://schemas.openxmlformats.org/drawingml/2006/table">
+            <a:tbl>
+              <a:tblPr firstRow="1" bandRow="1">
+                <a:tableStyleId>{F5AB1C69-6EDB-4FF4-983F-18BD219EF322}</a:tableStyleId>
+              </a:tblPr>
+              <a:tblGrid>
+                <a:gridCol w="2447788">
+                  <a:extLst>
+                    <a:ext uri="{9D8B030D-6E8A-4147-A177-3AD203B41FA5}">
+                      <a16:colId xmlns:a16="http://schemas.microsoft.com/office/drawing/2014/main" val="3846069145"/>
+                    </a:ext>
+                  </a:extLst>
+                </a:gridCol>
+                <a:gridCol w="6966778">
+                  <a:extLst>
+                    <a:ext uri="{9D8B030D-6E8A-4147-A177-3AD203B41FA5}">
+                      <a16:colId xmlns:a16="http://schemas.microsoft.com/office/drawing/2014/main" val="2137786686"/>
+                    </a:ext>
+                  </a:extLst>
+                </a:gridCol>
+              </a:tblGrid>
+              <a:tr h="591670">
+                <a:tc>
+                  <a:txBody>
+                    <a:bodyPr/>
+                    <a:lstStyle/>
+                    <a:p>
+                      <a:pPr algn="ctr" latinLnBrk="1"/>
+                      <a:r>
+                        <a:rPr lang="en-US" altLang="ko-KR" sz="1800" dirty="0">
+                          <a:solidFill>
+                            <a:schemeClr val="tx1"/>
+                          </a:solidFill>
+                        </a:rPr>
+                        <a:t>OS</a:t>
+                      </a:r>
+                    </a:p>
+                  </a:txBody>
+                  <a:tcPr anchor="ctr">
+                    <a:solidFill>
+                      <a:schemeClr val="bg2">
+                        <a:lumMod val="75000"/>
                       </a:schemeClr>
-                    </a:gs>
-                    <a:gs pos="100000">
-                      <a:schemeClr val="tx1">
-                        <a:lumMod val="75000"/>
-                        <a:lumOff val="25000"/>
+                    </a:solidFill>
+                  </a:tcPr>
+                </a:tc>
+                <a:tc>
+                  <a:txBody>
+                    <a:bodyPr/>
+                    <a:lstStyle/>
+                    <a:p>
+                      <a:pPr algn="ctr" latinLnBrk="1"/>
+                      <a:r>
+                        <a:rPr lang="en-US" altLang="ko-KR" b="0" dirty="0">
+                          <a:solidFill>
+                            <a:schemeClr val="tx1"/>
+                          </a:solidFill>
+                        </a:rPr>
+                        <a:t>Windows 10 Pro 64Bit</a:t>
+                      </a:r>
+                      <a:endParaRPr lang="ko-KR" altLang="en-US" b="0" dirty="0">
+                        <a:solidFill>
+                          <a:schemeClr val="tx1"/>
+                        </a:solidFill>
+                      </a:endParaRPr>
+                    </a:p>
+                  </a:txBody>
+                  <a:tcPr anchor="ctr">
+                    <a:solidFill>
+                      <a:srgbClr val="F0F0F0"/>
+                    </a:solidFill>
+                  </a:tcPr>
+                </a:tc>
+                <a:extLst>
+                  <a:ext uri="{0D108BD9-81ED-4DB2-BD59-A6C34878D82A}">
+                    <a16:rowId xmlns:a16="http://schemas.microsoft.com/office/drawing/2014/main" val="3744302550"/>
+                  </a:ext>
+                </a:extLst>
+              </a:tr>
+              <a:tr h="591670">
+                <a:tc>
+                  <a:txBody>
+                    <a:bodyPr/>
+                    <a:lstStyle/>
+                    <a:p>
+                      <a:pPr algn="ctr" latinLnBrk="1"/>
+                      <a:r>
+                        <a:rPr lang="en-US" altLang="ko-KR" b="1" dirty="0">
+                          <a:solidFill>
+                            <a:schemeClr val="tx1"/>
+                          </a:solidFill>
+                        </a:rPr>
+                        <a:t>IDE</a:t>
+                      </a:r>
+                      <a:endParaRPr lang="ko-KR" altLang="en-US" b="1" dirty="0">
+                        <a:solidFill>
+                          <a:schemeClr val="tx1"/>
+                        </a:solidFill>
+                      </a:endParaRPr>
+                    </a:p>
+                  </a:txBody>
+                  <a:tcPr anchor="ctr">
+                    <a:solidFill>
+                      <a:schemeClr val="bg2">
+                        <a:lumMod val="75000"/>
                       </a:schemeClr>
-                    </a:gs>
-                  </a:gsLst>
-                  <a:lin ang="5400000" scaled="1"/>
-                </a:gradFill>
-                <a:latin typeface="Malgun Gothic Semilight" panose="020B0502040204020203" pitchFamily="50" charset="-127"/>
-                <a:ea typeface="Malgun Gothic Semilight" panose="020B0502040204020203" pitchFamily="50" charset="-127"/>
-                <a:cs typeface="Malgun Gothic Semilight" panose="020B0502040204020203" pitchFamily="50" charset="-127"/>
-              </a:rPr>
-              <a:t>Board + Notepad</a:t>
-            </a:r>
-            <a:r>
-              <a:rPr lang="ko-KR" altLang="en-US" sz="2000" spc="-150" dirty="0">
-                <a:gradFill>
-                  <a:gsLst>
-                    <a:gs pos="83000">
-                      <a:schemeClr val="tx1">
-                        <a:lumMod val="75000"/>
-                        <a:lumOff val="25000"/>
+                    </a:solidFill>
+                  </a:tcPr>
+                </a:tc>
+                <a:tc>
+                  <a:txBody>
+                    <a:bodyPr/>
+                    <a:lstStyle/>
+                    <a:p>
+                      <a:pPr algn="ctr" latinLnBrk="1"/>
+                      <a:r>
+                        <a:rPr lang="en-US" altLang="ko-KR" sz="1800" kern="1200" dirty="0">
+                          <a:solidFill>
+                            <a:schemeClr val="dk1"/>
+                          </a:solidFill>
+                          <a:latin typeface="+mn-lt"/>
+                          <a:ea typeface="+mn-ea"/>
+                          <a:cs typeface="+mn-cs"/>
+                        </a:rPr>
+                        <a:t>Eclipse IDE for Enterprise Java Developers</a:t>
+                      </a:r>
+                      <a:endParaRPr lang="ko-KR" altLang="en-US" b="0" dirty="0">
+                        <a:solidFill>
+                          <a:schemeClr val="tx1"/>
+                        </a:solidFill>
+                      </a:endParaRPr>
+                    </a:p>
+                  </a:txBody>
+                  <a:tcPr anchor="ctr"/>
+                </a:tc>
+                <a:extLst>
+                  <a:ext uri="{0D108BD9-81ED-4DB2-BD59-A6C34878D82A}">
+                    <a16:rowId xmlns:a16="http://schemas.microsoft.com/office/drawing/2014/main" val="387040229"/>
+                  </a:ext>
+                </a:extLst>
+              </a:tr>
+              <a:tr h="591670">
+                <a:tc>
+                  <a:txBody>
+                    <a:bodyPr/>
+                    <a:lstStyle/>
+                    <a:p>
+                      <a:pPr algn="ctr" latinLnBrk="1"/>
+                      <a:r>
+                        <a:rPr lang="en-US" altLang="ko-KR" b="1" dirty="0">
+                          <a:solidFill>
+                            <a:schemeClr val="tx1"/>
+                          </a:solidFill>
+                        </a:rPr>
+                        <a:t>Language</a:t>
+                      </a:r>
+                      <a:endParaRPr lang="ko-KR" altLang="en-US" b="1" dirty="0">
+                        <a:solidFill>
+                          <a:schemeClr val="tx1"/>
+                        </a:solidFill>
+                      </a:endParaRPr>
+                    </a:p>
+                  </a:txBody>
+                  <a:tcPr anchor="ctr">
+                    <a:solidFill>
+                      <a:schemeClr val="bg2">
+                        <a:lumMod val="75000"/>
                       </a:schemeClr>
-                    </a:gs>
-                    <a:gs pos="100000">
-                      <a:schemeClr val="tx1">
-                        <a:lumMod val="75000"/>
-                        <a:lumOff val="25000"/>
+                    </a:solidFill>
+                  </a:tcPr>
+                </a:tc>
+                <a:tc>
+                  <a:txBody>
+                    <a:bodyPr/>
+                    <a:lstStyle/>
+                    <a:p>
+                      <a:pPr algn="ctr" latinLnBrk="1"/>
+                      <a:r>
+                        <a:rPr lang="en-US" altLang="ko-KR" b="0" dirty="0">
+                          <a:solidFill>
+                            <a:schemeClr val="tx1"/>
+                          </a:solidFill>
+                        </a:rPr>
+                        <a:t>JSP, JAVA</a:t>
+                      </a:r>
+                      <a:endParaRPr lang="ko-KR" altLang="en-US" b="0" dirty="0">
+                        <a:solidFill>
+                          <a:schemeClr val="tx1"/>
+                        </a:solidFill>
+                      </a:endParaRPr>
+                    </a:p>
+                  </a:txBody>
+                  <a:tcPr anchor="ctr"/>
+                </a:tc>
+                <a:extLst>
+                  <a:ext uri="{0D108BD9-81ED-4DB2-BD59-A6C34878D82A}">
+                    <a16:rowId xmlns:a16="http://schemas.microsoft.com/office/drawing/2014/main" val="661167661"/>
+                  </a:ext>
+                </a:extLst>
+              </a:tr>
+              <a:tr h="591670">
+                <a:tc>
+                  <a:txBody>
+                    <a:bodyPr/>
+                    <a:lstStyle/>
+                    <a:p>
+                      <a:pPr algn="ctr" latinLnBrk="1"/>
+                      <a:r>
+                        <a:rPr lang="en-US" altLang="ko-KR" b="1" dirty="0">
+                          <a:solidFill>
+                            <a:schemeClr val="tx1"/>
+                          </a:solidFill>
+                        </a:rPr>
+                        <a:t>WAS</a:t>
+                      </a:r>
+                      <a:endParaRPr lang="ko-KR" altLang="en-US" b="1" dirty="0">
+                        <a:solidFill>
+                          <a:schemeClr val="tx1"/>
+                        </a:solidFill>
+                      </a:endParaRPr>
+                    </a:p>
+                  </a:txBody>
+                  <a:tcPr anchor="ctr">
+                    <a:solidFill>
+                      <a:schemeClr val="bg2">
+                        <a:lumMod val="75000"/>
                       </a:schemeClr>
-                    </a:gs>
-                  </a:gsLst>
-                  <a:lin ang="5400000" scaled="1"/>
-                </a:gradFill>
-                <a:latin typeface="Malgun Gothic Semilight" panose="020B0502040204020203" pitchFamily="50" charset="-127"/>
-                <a:ea typeface="Malgun Gothic Semilight" panose="020B0502040204020203" pitchFamily="50" charset="-127"/>
-                <a:cs typeface="Malgun Gothic Semilight" panose="020B0502040204020203" pitchFamily="50" charset="-127"/>
-              </a:rPr>
-              <a:t> </a:t>
-            </a:r>
-            <a:r>
-              <a:rPr lang="en-US" altLang="ko-KR" sz="2000" spc="-150" dirty="0">
-                <a:gradFill>
-                  <a:gsLst>
-                    <a:gs pos="83000">
-                      <a:schemeClr val="tx1">
-                        <a:lumMod val="75000"/>
-                        <a:lumOff val="25000"/>
+                    </a:solidFill>
+                  </a:tcPr>
+                </a:tc>
+                <a:tc>
+                  <a:txBody>
+                    <a:bodyPr/>
+                    <a:lstStyle/>
+                    <a:p>
+                      <a:pPr algn="ctr" latinLnBrk="1"/>
+                      <a:r>
+                        <a:rPr lang="en-US" altLang="ko-KR" b="0" dirty="0">
+                          <a:solidFill>
+                            <a:schemeClr val="tx1"/>
+                          </a:solidFill>
+                        </a:rPr>
+                        <a:t>Apache Tomcat 9.0</a:t>
+                      </a:r>
+                      <a:endParaRPr lang="ko-KR" altLang="en-US" b="0" dirty="0">
+                        <a:solidFill>
+                          <a:schemeClr val="tx1"/>
+                        </a:solidFill>
+                      </a:endParaRPr>
+                    </a:p>
+                  </a:txBody>
+                  <a:tcPr anchor="ctr"/>
+                </a:tc>
+                <a:extLst>
+                  <a:ext uri="{0D108BD9-81ED-4DB2-BD59-A6C34878D82A}">
+                    <a16:rowId xmlns:a16="http://schemas.microsoft.com/office/drawing/2014/main" val="667384649"/>
+                  </a:ext>
+                </a:extLst>
+              </a:tr>
+              <a:tr h="591670">
+                <a:tc>
+                  <a:txBody>
+                    <a:bodyPr/>
+                    <a:lstStyle/>
+                    <a:p>
+                      <a:pPr algn="ctr" latinLnBrk="1"/>
+                      <a:r>
+                        <a:rPr lang="en-US" altLang="ko-KR" b="1" dirty="0">
+                          <a:solidFill>
+                            <a:schemeClr val="tx1"/>
+                          </a:solidFill>
+                        </a:rPr>
+                        <a:t>Database</a:t>
+                      </a:r>
+                      <a:endParaRPr lang="ko-KR" altLang="en-US" b="1" dirty="0">
+                        <a:solidFill>
+                          <a:schemeClr val="tx1"/>
+                        </a:solidFill>
+                      </a:endParaRPr>
+                    </a:p>
+                  </a:txBody>
+                  <a:tcPr anchor="ctr">
+                    <a:solidFill>
+                      <a:schemeClr val="bg2">
+                        <a:lumMod val="75000"/>
                       </a:schemeClr>
-                    </a:gs>
-                    <a:gs pos="100000">
-                      <a:schemeClr val="tx1">
-                        <a:lumMod val="75000"/>
-                        <a:lumOff val="25000"/>
+                    </a:solidFill>
+                  </a:tcPr>
+                </a:tc>
+                <a:tc>
+                  <a:txBody>
+                    <a:bodyPr/>
+                    <a:lstStyle/>
+                    <a:p>
+                      <a:pPr algn="ctr" latinLnBrk="1"/>
+                      <a:r>
+                        <a:rPr lang="en-US" altLang="ko-KR" b="0" dirty="0">
+                          <a:solidFill>
+                            <a:schemeClr val="tx1"/>
+                          </a:solidFill>
+                        </a:rPr>
+                        <a:t>MySQL 5.7</a:t>
+                      </a:r>
+                      <a:endParaRPr lang="ko-KR" altLang="en-US" b="0" dirty="0">
+                        <a:solidFill>
+                          <a:schemeClr val="tx1"/>
+                        </a:solidFill>
+                      </a:endParaRPr>
+                    </a:p>
+                  </a:txBody>
+                  <a:tcPr anchor="ctr"/>
+                </a:tc>
+                <a:extLst>
+                  <a:ext uri="{0D108BD9-81ED-4DB2-BD59-A6C34878D82A}">
+                    <a16:rowId xmlns:a16="http://schemas.microsoft.com/office/drawing/2014/main" val="2101171092"/>
+                  </a:ext>
+                </a:extLst>
+              </a:tr>
+              <a:tr h="591670">
+                <a:tc>
+                  <a:txBody>
+                    <a:bodyPr/>
+                    <a:lstStyle/>
+                    <a:p>
+                      <a:pPr algn="ctr" latinLnBrk="1"/>
+                      <a:r>
+                        <a:rPr lang="en-US" altLang="ko-KR" b="1" dirty="0">
+                          <a:solidFill>
+                            <a:schemeClr val="tx1"/>
+                          </a:solidFill>
+                        </a:rPr>
+                        <a:t>Test Browser</a:t>
+                      </a:r>
+                      <a:endParaRPr lang="ko-KR" altLang="en-US" b="1" dirty="0">
+                        <a:solidFill>
+                          <a:schemeClr val="tx1"/>
+                        </a:solidFill>
+                      </a:endParaRPr>
+                    </a:p>
+                  </a:txBody>
+                  <a:tcPr anchor="ctr">
+                    <a:solidFill>
+                      <a:schemeClr val="bg2">
+                        <a:lumMod val="75000"/>
                       </a:schemeClr>
-                    </a:gs>
-                  </a:gsLst>
-                  <a:lin ang="5400000" scaled="1"/>
-                </a:gradFill>
-                <a:latin typeface="Malgun Gothic Semilight" panose="020B0502040204020203" pitchFamily="50" charset="-127"/>
-                <a:ea typeface="Malgun Gothic Semilight" panose="020B0502040204020203" pitchFamily="50" charset="-127"/>
-                <a:cs typeface="Malgun Gothic Semilight" panose="020B0502040204020203" pitchFamily="50" charset="-127"/>
-              </a:rPr>
-              <a:t>+ Multifile</a:t>
-            </a:r>
-          </a:p>
-          <a:p>
-            <a:pPr algn="ctr">
-              <a:lnSpc>
-                <a:spcPct val="150000"/>
-              </a:lnSpc>
-            </a:pPr>
-            <a:r>
-              <a:rPr lang="ko-KR" altLang="en-US" sz="2000" spc="-150" dirty="0">
-                <a:gradFill>
-                  <a:gsLst>
-                    <a:gs pos="83000">
-                      <a:schemeClr val="tx1">
-                        <a:lumMod val="75000"/>
-                        <a:lumOff val="25000"/>
+                    </a:solidFill>
+                  </a:tcPr>
+                </a:tc>
+                <a:tc>
+                  <a:txBody>
+                    <a:bodyPr/>
+                    <a:lstStyle/>
+                    <a:p>
+                      <a:pPr algn="ctr" latinLnBrk="1"/>
+                      <a:r>
+                        <a:rPr lang="en-US" altLang="ko-KR" b="0" dirty="0">
+                          <a:solidFill>
+                            <a:schemeClr val="tx1"/>
+                          </a:solidFill>
+                        </a:rPr>
+                        <a:t>Google Chrome 78.0.3904.108</a:t>
+                      </a:r>
+                      <a:endParaRPr lang="ko-KR" altLang="en-US" b="0" dirty="0">
+                        <a:solidFill>
+                          <a:schemeClr val="tx1"/>
+                        </a:solidFill>
+                      </a:endParaRPr>
+                    </a:p>
+                  </a:txBody>
+                  <a:tcPr anchor="ctr"/>
+                </a:tc>
+                <a:extLst>
+                  <a:ext uri="{0D108BD9-81ED-4DB2-BD59-A6C34878D82A}">
+                    <a16:rowId xmlns:a16="http://schemas.microsoft.com/office/drawing/2014/main" val="2495381381"/>
+                  </a:ext>
+                </a:extLst>
+              </a:tr>
+              <a:tr h="591670">
+                <a:tc>
+                  <a:txBody>
+                    <a:bodyPr/>
+                    <a:lstStyle/>
+                    <a:p>
+                      <a:pPr algn="ctr" latinLnBrk="1"/>
+                      <a:r>
+                        <a:rPr lang="en-US" altLang="ko-KR" b="1" dirty="0">
+                          <a:solidFill>
+                            <a:schemeClr val="tx1"/>
+                          </a:solidFill>
+                        </a:rPr>
+                        <a:t>VCS</a:t>
+                      </a:r>
+                      <a:endParaRPr lang="ko-KR" altLang="en-US" b="1" dirty="0">
+                        <a:solidFill>
+                          <a:schemeClr val="tx1"/>
+                        </a:solidFill>
+                      </a:endParaRPr>
+                    </a:p>
+                  </a:txBody>
+                  <a:tcPr anchor="ctr">
+                    <a:solidFill>
+                      <a:schemeClr val="bg2">
+                        <a:lumMod val="75000"/>
                       </a:schemeClr>
-                    </a:gs>
-                    <a:gs pos="100000">
-                      <a:schemeClr val="tx1">
-                        <a:lumMod val="75000"/>
-                        <a:lumOff val="25000"/>
-                      </a:schemeClr>
-                    </a:gs>
-                  </a:gsLst>
-                  <a:lin ang="5400000" scaled="1"/>
-                </a:gradFill>
-                <a:latin typeface="Malgun Gothic Semilight" panose="020B0502040204020203" pitchFamily="50" charset="-127"/>
-                <a:ea typeface="Malgun Gothic Semilight" panose="020B0502040204020203" pitchFamily="50" charset="-127"/>
-                <a:cs typeface="Malgun Gothic Semilight" panose="020B0502040204020203" pitchFamily="50" charset="-127"/>
-              </a:rPr>
-              <a:t>게시판의 글 작성</a:t>
-            </a:r>
-            <a:r>
-              <a:rPr lang="en-US" altLang="ko-KR" sz="2000" spc="-150" dirty="0">
-                <a:gradFill>
-                  <a:gsLst>
-                    <a:gs pos="83000">
-                      <a:schemeClr val="tx1">
-                        <a:lumMod val="75000"/>
-                        <a:lumOff val="25000"/>
-                      </a:schemeClr>
-                    </a:gs>
-                    <a:gs pos="100000">
-                      <a:schemeClr val="tx1">
-                        <a:lumMod val="75000"/>
-                        <a:lumOff val="25000"/>
-                      </a:schemeClr>
-                    </a:gs>
-                  </a:gsLst>
-                  <a:lin ang="5400000" scaled="1"/>
-                </a:gradFill>
-                <a:latin typeface="Malgun Gothic Semilight" panose="020B0502040204020203" pitchFamily="50" charset="-127"/>
-                <a:ea typeface="Malgun Gothic Semilight" panose="020B0502040204020203" pitchFamily="50" charset="-127"/>
-                <a:cs typeface="Malgun Gothic Semilight" panose="020B0502040204020203" pitchFamily="50" charset="-127"/>
-              </a:rPr>
-              <a:t>/</a:t>
-            </a:r>
-            <a:r>
-              <a:rPr lang="ko-KR" altLang="en-US" sz="2000" spc="-150" dirty="0">
-                <a:gradFill>
-                  <a:gsLst>
-                    <a:gs pos="83000">
-                      <a:schemeClr val="tx1">
-                        <a:lumMod val="75000"/>
-                        <a:lumOff val="25000"/>
-                      </a:schemeClr>
-                    </a:gs>
-                    <a:gs pos="100000">
-                      <a:schemeClr val="tx1">
-                        <a:lumMod val="75000"/>
-                        <a:lumOff val="25000"/>
-                      </a:schemeClr>
-                    </a:gs>
-                  </a:gsLst>
-                  <a:lin ang="5400000" scaled="1"/>
-                </a:gradFill>
-                <a:latin typeface="Malgun Gothic Semilight" panose="020B0502040204020203" pitchFamily="50" charset="-127"/>
-                <a:ea typeface="Malgun Gothic Semilight" panose="020B0502040204020203" pitchFamily="50" charset="-127"/>
-                <a:cs typeface="Malgun Gothic Semilight" panose="020B0502040204020203" pitchFamily="50" charset="-127"/>
-              </a:rPr>
-              <a:t>삭제 기능과 파일 업로드 기능</a:t>
-            </a:r>
-            <a:endParaRPr lang="en-US" altLang="ko-KR" sz="2000" spc="-150" dirty="0">
-              <a:gradFill>
-                <a:gsLst>
-                  <a:gs pos="83000">
-                    <a:schemeClr val="tx1">
-                      <a:lumMod val="75000"/>
-                      <a:lumOff val="25000"/>
-                    </a:schemeClr>
-                  </a:gs>
-                  <a:gs pos="100000">
-                    <a:schemeClr val="tx1">
-                      <a:lumMod val="75000"/>
-                      <a:lumOff val="25000"/>
-                    </a:schemeClr>
-                  </a:gs>
-                </a:gsLst>
-                <a:lin ang="5400000" scaled="1"/>
-              </a:gradFill>
-              <a:latin typeface="Malgun Gothic Semilight" panose="020B0502040204020203" pitchFamily="50" charset="-127"/>
-              <a:ea typeface="Malgun Gothic Semilight" panose="020B0502040204020203" pitchFamily="50" charset="-127"/>
-              <a:cs typeface="Malgun Gothic Semilight" panose="020B0502040204020203" pitchFamily="50" charset="-127"/>
-            </a:endParaRPr>
-          </a:p>
-          <a:p>
-            <a:pPr algn="ctr">
-              <a:lnSpc>
-                <a:spcPct val="150000"/>
-              </a:lnSpc>
-            </a:pPr>
-            <a:endParaRPr lang="en-US" altLang="ko-KR" sz="2000" spc="-150" dirty="0">
-              <a:gradFill>
-                <a:gsLst>
-                  <a:gs pos="83000">
-                    <a:schemeClr val="tx1">
-                      <a:lumMod val="75000"/>
-                      <a:lumOff val="25000"/>
-                    </a:schemeClr>
-                  </a:gs>
-                  <a:gs pos="100000">
-                    <a:schemeClr val="tx1">
-                      <a:lumMod val="75000"/>
-                      <a:lumOff val="25000"/>
-                    </a:schemeClr>
-                  </a:gs>
-                </a:gsLst>
-                <a:lin ang="5400000" scaled="1"/>
-              </a:gradFill>
-              <a:latin typeface="Malgun Gothic Semilight" panose="020B0502040204020203" pitchFamily="50" charset="-127"/>
-              <a:ea typeface="Malgun Gothic Semilight" panose="020B0502040204020203" pitchFamily="50" charset="-127"/>
-              <a:cs typeface="Malgun Gothic Semilight" panose="020B0502040204020203" pitchFamily="50" charset="-127"/>
-            </a:endParaRPr>
-          </a:p>
-          <a:p>
-            <a:pPr algn="ctr">
-              <a:lnSpc>
-                <a:spcPct val="150000"/>
-              </a:lnSpc>
-            </a:pPr>
-            <a:r>
-              <a:rPr lang="en-US" altLang="ko-KR" sz="2000" spc="-150" dirty="0" err="1">
-                <a:gradFill>
-                  <a:gsLst>
-                    <a:gs pos="83000">
-                      <a:schemeClr val="tx1">
-                        <a:lumMod val="75000"/>
-                        <a:lumOff val="25000"/>
-                      </a:schemeClr>
-                    </a:gs>
-                    <a:gs pos="100000">
-                      <a:schemeClr val="tx1">
-                        <a:lumMod val="75000"/>
-                        <a:lumOff val="25000"/>
-                      </a:schemeClr>
-                    </a:gs>
-                  </a:gsLst>
-                  <a:lin ang="5400000" scaled="1"/>
-                </a:gradFill>
-                <a:latin typeface="Malgun Gothic Semilight" panose="020B0502040204020203" pitchFamily="50" charset="-127"/>
-                <a:ea typeface="Malgun Gothic Semilight" panose="020B0502040204020203" pitchFamily="50" charset="-127"/>
-                <a:cs typeface="Malgun Gothic Semilight" panose="020B0502040204020203" pitchFamily="50" charset="-127"/>
-              </a:rPr>
-              <a:t>FrontEnd</a:t>
-            </a:r>
-            <a:r>
-              <a:rPr lang="ko-KR" altLang="en-US" sz="2000" spc="-150" dirty="0">
-                <a:gradFill>
-                  <a:gsLst>
-                    <a:gs pos="83000">
-                      <a:schemeClr val="tx1">
-                        <a:lumMod val="75000"/>
-                        <a:lumOff val="25000"/>
-                      </a:schemeClr>
-                    </a:gs>
-                    <a:gs pos="100000">
-                      <a:schemeClr val="tx1">
-                        <a:lumMod val="75000"/>
-                        <a:lumOff val="25000"/>
-                      </a:schemeClr>
-                    </a:gs>
-                  </a:gsLst>
-                  <a:lin ang="5400000" scaled="1"/>
-                </a:gradFill>
-                <a:latin typeface="Malgun Gothic Semilight" panose="020B0502040204020203" pitchFamily="50" charset="-127"/>
-                <a:ea typeface="Malgun Gothic Semilight" panose="020B0502040204020203" pitchFamily="50" charset="-127"/>
-                <a:cs typeface="Malgun Gothic Semilight" panose="020B0502040204020203" pitchFamily="50" charset="-127"/>
-              </a:rPr>
-              <a:t> </a:t>
-            </a:r>
-            <a:r>
-              <a:rPr lang="en-US" altLang="ko-KR" sz="2000" spc="-150" dirty="0">
-                <a:gradFill>
-                  <a:gsLst>
-                    <a:gs pos="83000">
-                      <a:schemeClr val="tx1">
-                        <a:lumMod val="75000"/>
-                        <a:lumOff val="25000"/>
-                      </a:schemeClr>
-                    </a:gs>
-                    <a:gs pos="100000">
-                      <a:schemeClr val="tx1">
-                        <a:lumMod val="75000"/>
-                        <a:lumOff val="25000"/>
-                      </a:schemeClr>
-                    </a:gs>
-                  </a:gsLst>
-                  <a:lin ang="5400000" scaled="1"/>
-                </a:gradFill>
-                <a:latin typeface="Malgun Gothic Semilight" panose="020B0502040204020203" pitchFamily="50" charset="-127"/>
-                <a:ea typeface="Malgun Gothic Semilight" panose="020B0502040204020203" pitchFamily="50" charset="-127"/>
-                <a:cs typeface="Malgun Gothic Semilight" panose="020B0502040204020203" pitchFamily="50" charset="-127"/>
-              </a:rPr>
-              <a:t>=</a:t>
-            </a:r>
-            <a:r>
-              <a:rPr lang="ko-KR" altLang="en-US" sz="2000" spc="-150" dirty="0">
-                <a:gradFill>
-                  <a:gsLst>
-                    <a:gs pos="83000">
-                      <a:schemeClr val="tx1">
-                        <a:lumMod val="75000"/>
-                        <a:lumOff val="25000"/>
-                      </a:schemeClr>
-                    </a:gs>
-                    <a:gs pos="100000">
-                      <a:schemeClr val="tx1">
-                        <a:lumMod val="75000"/>
-                        <a:lumOff val="25000"/>
-                      </a:schemeClr>
-                    </a:gs>
-                  </a:gsLst>
-                  <a:lin ang="5400000" scaled="1"/>
-                </a:gradFill>
-                <a:latin typeface="Malgun Gothic Semilight" panose="020B0502040204020203" pitchFamily="50" charset="-127"/>
-                <a:ea typeface="Malgun Gothic Semilight" panose="020B0502040204020203" pitchFamily="50" charset="-127"/>
-                <a:cs typeface="Malgun Gothic Semilight" panose="020B0502040204020203" pitchFamily="50" charset="-127"/>
-              </a:rPr>
-              <a:t> </a:t>
-            </a:r>
-            <a:r>
-              <a:rPr lang="en-US" altLang="ko-KR" sz="2000" spc="-150" dirty="0">
-                <a:gradFill>
-                  <a:gsLst>
-                    <a:gs pos="83000">
-                      <a:schemeClr val="tx1">
-                        <a:lumMod val="75000"/>
-                        <a:lumOff val="25000"/>
-                      </a:schemeClr>
-                    </a:gs>
-                    <a:gs pos="100000">
-                      <a:schemeClr val="tx1">
-                        <a:lumMod val="75000"/>
-                        <a:lumOff val="25000"/>
-                      </a:schemeClr>
-                    </a:gs>
-                  </a:gsLst>
-                  <a:lin ang="5400000" scaled="1"/>
-                </a:gradFill>
-                <a:latin typeface="Malgun Gothic Semilight" panose="020B0502040204020203" pitchFamily="50" charset="-127"/>
-                <a:ea typeface="Malgun Gothic Semilight" panose="020B0502040204020203" pitchFamily="50" charset="-127"/>
-                <a:cs typeface="Malgun Gothic Semilight" panose="020B0502040204020203" pitchFamily="50" charset="-127"/>
-              </a:rPr>
-              <a:t>JSP + Bootstrap</a:t>
-            </a:r>
-          </a:p>
-          <a:p>
-            <a:pPr algn="ctr">
-              <a:lnSpc>
-                <a:spcPct val="150000"/>
-              </a:lnSpc>
-            </a:pPr>
-            <a:r>
-              <a:rPr lang="en-US" altLang="ko-KR" sz="2000" spc="-150" dirty="0" err="1">
-                <a:gradFill>
-                  <a:gsLst>
-                    <a:gs pos="83000">
-                      <a:schemeClr val="tx1">
-                        <a:lumMod val="75000"/>
-                        <a:lumOff val="25000"/>
-                      </a:schemeClr>
-                    </a:gs>
-                    <a:gs pos="100000">
-                      <a:schemeClr val="tx1">
-                        <a:lumMod val="75000"/>
-                        <a:lumOff val="25000"/>
-                      </a:schemeClr>
-                    </a:gs>
-                  </a:gsLst>
-                  <a:lin ang="5400000" scaled="1"/>
-                </a:gradFill>
-                <a:latin typeface="Malgun Gothic Semilight" panose="020B0502040204020203" pitchFamily="50" charset="-127"/>
-                <a:ea typeface="Malgun Gothic Semilight" panose="020B0502040204020203" pitchFamily="50" charset="-127"/>
-                <a:cs typeface="Malgun Gothic Semilight" panose="020B0502040204020203" pitchFamily="50" charset="-127"/>
-              </a:rPr>
-              <a:t>BackEnd</a:t>
-            </a:r>
-            <a:r>
-              <a:rPr lang="en-US" altLang="ko-KR" sz="2000" spc="-150" dirty="0">
-                <a:gradFill>
-                  <a:gsLst>
-                    <a:gs pos="83000">
-                      <a:schemeClr val="tx1">
-                        <a:lumMod val="75000"/>
-                        <a:lumOff val="25000"/>
-                      </a:schemeClr>
-                    </a:gs>
-                    <a:gs pos="100000">
-                      <a:schemeClr val="tx1">
-                        <a:lumMod val="75000"/>
-                        <a:lumOff val="25000"/>
-                      </a:schemeClr>
-                    </a:gs>
-                  </a:gsLst>
-                  <a:lin ang="5400000" scaled="1"/>
-                </a:gradFill>
-                <a:latin typeface="Malgun Gothic Semilight" panose="020B0502040204020203" pitchFamily="50" charset="-127"/>
-                <a:ea typeface="Malgun Gothic Semilight" panose="020B0502040204020203" pitchFamily="50" charset="-127"/>
-                <a:cs typeface="Malgun Gothic Semilight" panose="020B0502040204020203" pitchFamily="50" charset="-127"/>
-              </a:rPr>
-              <a:t> = Spring Framework + </a:t>
-            </a:r>
-            <a:r>
-              <a:rPr lang="en-US" altLang="ko-KR" sz="2000" spc="-150" dirty="0" err="1">
-                <a:gradFill>
-                  <a:gsLst>
-                    <a:gs pos="83000">
-                      <a:schemeClr val="tx1">
-                        <a:lumMod val="75000"/>
-                        <a:lumOff val="25000"/>
-                      </a:schemeClr>
-                    </a:gs>
-                    <a:gs pos="100000">
-                      <a:schemeClr val="tx1">
-                        <a:lumMod val="75000"/>
-                        <a:lumOff val="25000"/>
-                      </a:schemeClr>
-                    </a:gs>
-                  </a:gsLst>
-                  <a:lin ang="5400000" scaled="1"/>
-                </a:gradFill>
-                <a:latin typeface="Malgun Gothic Semilight" panose="020B0502040204020203" pitchFamily="50" charset="-127"/>
-                <a:ea typeface="Malgun Gothic Semilight" panose="020B0502040204020203" pitchFamily="50" charset="-127"/>
-                <a:cs typeface="Malgun Gothic Semilight" panose="020B0502040204020203" pitchFamily="50" charset="-127"/>
-              </a:rPr>
-              <a:t>Mybatis</a:t>
-            </a:r>
-            <a:r>
-              <a:rPr lang="en-US" altLang="ko-KR" sz="2000" spc="-150" dirty="0">
-                <a:gradFill>
-                  <a:gsLst>
-                    <a:gs pos="83000">
-                      <a:schemeClr val="tx1">
-                        <a:lumMod val="75000"/>
-                        <a:lumOff val="25000"/>
-                      </a:schemeClr>
-                    </a:gs>
-                    <a:gs pos="100000">
-                      <a:schemeClr val="tx1">
-                        <a:lumMod val="75000"/>
-                        <a:lumOff val="25000"/>
-                      </a:schemeClr>
-                    </a:gs>
-                  </a:gsLst>
-                  <a:lin ang="5400000" scaled="1"/>
-                </a:gradFill>
-                <a:latin typeface="Malgun Gothic Semilight" panose="020B0502040204020203" pitchFamily="50" charset="-127"/>
-                <a:ea typeface="Malgun Gothic Semilight" panose="020B0502040204020203" pitchFamily="50" charset="-127"/>
-                <a:cs typeface="Malgun Gothic Semilight" panose="020B0502040204020203" pitchFamily="50" charset="-127"/>
-              </a:rPr>
-              <a:t> + </a:t>
-            </a:r>
-            <a:r>
-              <a:rPr lang="en-US" altLang="ko-KR" sz="2000" spc="-150" dirty="0" err="1">
-                <a:gradFill>
-                  <a:gsLst>
-                    <a:gs pos="83000">
-                      <a:schemeClr val="tx1">
-                        <a:lumMod val="75000"/>
-                        <a:lumOff val="25000"/>
-                      </a:schemeClr>
-                    </a:gs>
-                    <a:gs pos="100000">
-                      <a:schemeClr val="tx1">
-                        <a:lumMod val="75000"/>
-                        <a:lumOff val="25000"/>
-                      </a:schemeClr>
-                    </a:gs>
-                  </a:gsLst>
-                  <a:lin ang="5400000" scaled="1"/>
-                </a:gradFill>
-                <a:latin typeface="Malgun Gothic Semilight" panose="020B0502040204020203" pitchFamily="50" charset="-127"/>
-                <a:ea typeface="Malgun Gothic Semilight" panose="020B0502040204020203" pitchFamily="50" charset="-127"/>
-                <a:cs typeface="Malgun Gothic Semilight" panose="020B0502040204020203" pitchFamily="50" charset="-127"/>
-              </a:rPr>
-              <a:t>Mysql</a:t>
-            </a:r>
-            <a:endParaRPr lang="en-US" altLang="ko-KR" sz="2000" spc="-150" dirty="0">
-              <a:gradFill>
-                <a:gsLst>
-                  <a:gs pos="83000">
-                    <a:schemeClr val="tx1">
-                      <a:lumMod val="75000"/>
-                      <a:lumOff val="25000"/>
-                    </a:schemeClr>
-                  </a:gs>
-                  <a:gs pos="100000">
-                    <a:schemeClr val="tx1">
-                      <a:lumMod val="75000"/>
-                      <a:lumOff val="25000"/>
-                    </a:schemeClr>
-                  </a:gs>
-                </a:gsLst>
-                <a:lin ang="5400000" scaled="1"/>
-              </a:gradFill>
-              <a:latin typeface="Malgun Gothic Semilight" panose="020B0502040204020203" pitchFamily="50" charset="-127"/>
-              <a:ea typeface="Malgun Gothic Semilight" panose="020B0502040204020203" pitchFamily="50" charset="-127"/>
-              <a:cs typeface="Malgun Gothic Semilight" panose="020B0502040204020203" pitchFamily="50" charset="-127"/>
-            </a:endParaRPr>
-          </a:p>
-        </p:txBody>
-      </p:sp>
+                    </a:solidFill>
+                  </a:tcPr>
+                </a:tc>
+                <a:tc>
+                  <a:txBody>
+                    <a:bodyPr/>
+                    <a:lstStyle/>
+                    <a:p>
+                      <a:pPr algn="ctr" latinLnBrk="1"/>
+                      <a:r>
+                        <a:rPr lang="en-US" altLang="ko-KR" b="0" dirty="0">
+                          <a:solidFill>
+                            <a:schemeClr val="tx1"/>
+                          </a:solidFill>
+                        </a:rPr>
+                        <a:t>Git(https://github.com/Mareef/College)</a:t>
+                      </a:r>
+                      <a:endParaRPr lang="ko-KR" altLang="en-US" b="0" dirty="0">
+                        <a:solidFill>
+                          <a:schemeClr val="tx1"/>
+                        </a:solidFill>
+                      </a:endParaRPr>
+                    </a:p>
+                  </a:txBody>
+                  <a:tcPr anchor="ctr"/>
+                </a:tc>
+                <a:extLst>
+                  <a:ext uri="{0D108BD9-81ED-4DB2-BD59-A6C34878D82A}">
+                    <a16:rowId xmlns:a16="http://schemas.microsoft.com/office/drawing/2014/main" val="4065568993"/>
+                  </a:ext>
+                </a:extLst>
+              </a:tr>
+            </a:tbl>
+          </a:graphicData>
+        </a:graphic>
+      </p:graphicFrame>
     </p:spTree>
     <p:extLst>
       <p:ext uri="{BB962C8B-B14F-4D97-AF65-F5344CB8AC3E}">
@@ -4819,30 +5415,48 @@
           </a:bodyPr>
           <a:lstStyle/>
           <a:p>
-            <a:pPr algn="ctr">
+            <a:pPr marL="0" marR="0" lvl="0" indent="0" algn="ctr" defTabSz="914400" rtl="0" eaLnBrk="1" fontAlgn="auto" latinLnBrk="1" hangingPunct="1">
               <a:lnSpc>
                 <a:spcPct val="150000"/>
               </a:lnSpc>
+              <a:spcBef>
+                <a:spcPts val="0"/>
+              </a:spcBef>
+              <a:spcAft>
+                <a:spcPts val="0"/>
+              </a:spcAft>
+              <a:buClrTx/>
+              <a:buSzTx/>
+              <a:buFontTx/>
+              <a:buNone/>
+              <a:tabLst/>
+              <a:defRPr/>
             </a:pPr>
             <a:r>
-              <a:rPr lang="en-US" altLang="ko-KR" sz="2800" b="1" spc="-150" dirty="0">
+              <a:rPr kumimoji="0" lang="en-US" altLang="ko-KR" sz="2800" b="1" i="0" u="none" strike="noStrike" kern="1200" cap="none" spc="-150" normalizeH="0" baseline="0" noProof="0" dirty="0">
+                <a:ln>
+                  <a:noFill/>
+                </a:ln>
                 <a:gradFill>
                   <a:gsLst>
                     <a:gs pos="83000">
-                      <a:schemeClr val="tx1">
-                        <a:lumMod val="75000"/>
-                        <a:lumOff val="25000"/>
-                      </a:schemeClr>
+                      <a:prstClr val="black">
+                        <a:lumMod val="75000"/>
+                        <a:lumOff val="25000"/>
+                      </a:prstClr>
                     </a:gs>
                     <a:gs pos="100000">
-                      <a:schemeClr val="tx1">
-                        <a:lumMod val="75000"/>
-                        <a:lumOff val="25000"/>
-                      </a:schemeClr>
+                      <a:prstClr val="black">
+                        <a:lumMod val="75000"/>
+                        <a:lumOff val="25000"/>
+                      </a:prstClr>
                     </a:gs>
                   </a:gsLst>
                   <a:lin ang="5400000" scaled="1"/>
                 </a:gradFill>
+                <a:effectLst/>
+                <a:uLnTx/>
+                <a:uFillTx/>
                 <a:latin typeface="Malgun Gothic Semilight" panose="020B0502040204020203" pitchFamily="50" charset="-127"/>
                 <a:ea typeface="Malgun Gothic Semilight" panose="020B0502040204020203" pitchFamily="50" charset="-127"/>
                 <a:cs typeface="Malgun Gothic Semilight" panose="020B0502040204020203" pitchFamily="50" charset="-127"/>
@@ -4850,24 +5464,30 @@
               <a:t>JSP</a:t>
             </a:r>
             <a:r>
-              <a:rPr lang="ko-KR" altLang="en-US" sz="2800" b="1" spc="-150" dirty="0">
+              <a:rPr kumimoji="0" lang="ko-KR" altLang="en-US" sz="2800" b="1" i="0" u="none" strike="noStrike" kern="1200" cap="none" spc="-150" normalizeH="0" baseline="0" noProof="0" dirty="0">
+                <a:ln>
+                  <a:noFill/>
+                </a:ln>
                 <a:gradFill>
                   <a:gsLst>
                     <a:gs pos="83000">
-                      <a:schemeClr val="tx1">
-                        <a:lumMod val="75000"/>
-                        <a:lumOff val="25000"/>
-                      </a:schemeClr>
+                      <a:prstClr val="black">
+                        <a:lumMod val="75000"/>
+                        <a:lumOff val="25000"/>
+                      </a:prstClr>
                     </a:gs>
                     <a:gs pos="100000">
-                      <a:schemeClr val="tx1">
-                        <a:lumMod val="75000"/>
-                        <a:lumOff val="25000"/>
-                      </a:schemeClr>
+                      <a:prstClr val="black">
+                        <a:lumMod val="75000"/>
+                        <a:lumOff val="25000"/>
+                      </a:prstClr>
                     </a:gs>
                   </a:gsLst>
                   <a:lin ang="5400000" scaled="1"/>
                 </a:gradFill>
+                <a:effectLst/>
+                <a:uLnTx/>
+                <a:uFillTx/>
                 <a:latin typeface="Malgun Gothic Semilight" panose="020B0502040204020203" pitchFamily="50" charset="-127"/>
                 <a:ea typeface="Malgun Gothic Semilight" panose="020B0502040204020203" pitchFamily="50" charset="-127"/>
                 <a:cs typeface="Malgun Gothic Semilight" panose="020B0502040204020203" pitchFamily="50" charset="-127"/>
@@ -4875,24 +5495,30 @@
               <a:t> </a:t>
             </a:r>
             <a:r>
-              <a:rPr lang="en-US" altLang="ko-KR" sz="2800" b="1" spc="-150" dirty="0">
+              <a:rPr kumimoji="0" lang="en-US" altLang="ko-KR" sz="2800" b="1" i="0" u="none" strike="noStrike" kern="1200" cap="none" spc="-150" normalizeH="0" baseline="0" noProof="0" dirty="0">
+                <a:ln>
+                  <a:noFill/>
+                </a:ln>
                 <a:gradFill>
                   <a:gsLst>
                     <a:gs pos="83000">
-                      <a:schemeClr val="tx1">
-                        <a:lumMod val="75000"/>
-                        <a:lumOff val="25000"/>
-                      </a:schemeClr>
+                      <a:prstClr val="black">
+                        <a:lumMod val="75000"/>
+                        <a:lumOff val="25000"/>
+                      </a:prstClr>
                     </a:gs>
                     <a:gs pos="100000">
-                      <a:schemeClr val="tx1">
-                        <a:lumMod val="75000"/>
-                        <a:lumOff val="25000"/>
-                      </a:schemeClr>
+                      <a:prstClr val="black">
+                        <a:lumMod val="75000"/>
+                        <a:lumOff val="25000"/>
+                      </a:prstClr>
                     </a:gs>
                   </a:gsLst>
                   <a:lin ang="5400000" scaled="1"/>
                 </a:gradFill>
+                <a:effectLst/>
+                <a:uLnTx/>
+                <a:uFillTx/>
                 <a:latin typeface="Malgun Gothic Semilight" panose="020B0502040204020203" pitchFamily="50" charset="-127"/>
                 <a:ea typeface="Malgun Gothic Semilight" panose="020B0502040204020203" pitchFamily="50" charset="-127"/>
                 <a:cs typeface="Malgun Gothic Semilight" panose="020B0502040204020203" pitchFamily="50" charset="-127"/>
@@ -4930,58 +5556,54 @@
           </a:bodyPr>
           <a:lstStyle/>
           <a:p>
-            <a:pPr algn="ctr">
+            <a:pPr marL="0" marR="0" lvl="0" indent="0" algn="ctr" defTabSz="914400" rtl="0" eaLnBrk="1" fontAlgn="auto" latinLnBrk="1" hangingPunct="1">
               <a:lnSpc>
                 <a:spcPct val="150000"/>
               </a:lnSpc>
+              <a:spcBef>
+                <a:spcPts val="0"/>
+              </a:spcBef>
+              <a:spcAft>
+                <a:spcPts val="0"/>
+              </a:spcAft>
+              <a:buClrTx/>
+              <a:buSzTx/>
+              <a:buFontTx/>
+              <a:buNone/>
+              <a:tabLst/>
+              <a:defRPr/>
             </a:pPr>
             <a:r>
-              <a:rPr lang="ko-KR" altLang="en-US" sz="2000" spc="-150" dirty="0">
+              <a:rPr kumimoji="0" lang="en-US" altLang="ko-KR" sz="2000" b="0" i="0" u="none" strike="noStrike" kern="1200" cap="none" spc="-150" normalizeH="0" baseline="0" noProof="0" dirty="0">
+                <a:ln>
+                  <a:noFill/>
+                </a:ln>
                 <a:gradFill>
                   <a:gsLst>
                     <a:gs pos="83000">
-                      <a:schemeClr val="tx1">
-                        <a:lumMod val="75000"/>
-                        <a:lumOff val="25000"/>
-                      </a:schemeClr>
+                      <a:prstClr val="black">
+                        <a:lumMod val="75000"/>
+                        <a:lumOff val="25000"/>
+                      </a:prstClr>
                     </a:gs>
                     <a:gs pos="100000">
-                      <a:schemeClr val="tx1">
-                        <a:lumMod val="75000"/>
-                        <a:lumOff val="25000"/>
-                      </a:schemeClr>
+                      <a:prstClr val="black">
+                        <a:lumMod val="75000"/>
+                        <a:lumOff val="25000"/>
+                      </a:prstClr>
                     </a:gs>
                   </a:gsLst>
                   <a:lin ang="5400000" scaled="1"/>
                 </a:gradFill>
+                <a:effectLst/>
+                <a:uLnTx/>
+                <a:uFillTx/>
                 <a:latin typeface="Malgun Gothic Semilight" panose="020B0502040204020203" pitchFamily="50" charset="-127"/>
                 <a:ea typeface="Malgun Gothic Semilight" panose="020B0502040204020203" pitchFamily="50" charset="-127"/>
                 <a:cs typeface="Malgun Gothic Semilight" panose="020B0502040204020203" pitchFamily="50" charset="-127"/>
               </a:rPr>
-              <a:t>메뉴 구성</a:t>
-            </a:r>
-            <a:endParaRPr lang="en-US" altLang="ko-KR" sz="2000" spc="-150" dirty="0">
-              <a:gradFill>
-                <a:gsLst>
-                  <a:gs pos="83000">
-                    <a:schemeClr val="tx1">
-                      <a:lumMod val="75000"/>
-                      <a:lumOff val="25000"/>
-                    </a:schemeClr>
-                  </a:gs>
-                  <a:gs pos="100000">
-                    <a:schemeClr val="tx1">
-                      <a:lumMod val="75000"/>
-                      <a:lumOff val="25000"/>
-                    </a:schemeClr>
-                  </a:gs>
-                </a:gsLst>
-                <a:lin ang="5400000" scaled="1"/>
-              </a:gradFill>
-              <a:latin typeface="Malgun Gothic Semilight" panose="020B0502040204020203" pitchFamily="50" charset="-127"/>
-              <a:ea typeface="Malgun Gothic Semilight" panose="020B0502040204020203" pitchFamily="50" charset="-127"/>
-              <a:cs typeface="Malgun Gothic Semilight" panose="020B0502040204020203" pitchFamily="50" charset="-127"/>
-            </a:endParaRPr>
+              <a:t>UI Navigator – General</a:t>
+            </a:r>
           </a:p>
         </p:txBody>
       </p:sp>
@@ -4999,7 +5621,7 @@
         </p:nvSpPr>
         <p:spPr>
           <a:xfrm>
-            <a:off x="1035119" y="2982688"/>
+            <a:off x="1111319" y="1508454"/>
             <a:ext cx="1842664" cy="892629"/>
           </a:xfrm>
           <a:prstGeom prst="rect">
@@ -5026,12 +5648,54 @@
           <a:bodyPr rtlCol="0" anchor="ctr"/>
           <a:lstStyle/>
           <a:p>
-            <a:pPr algn="ctr"/>
-            <a:r>
-              <a:rPr lang="en-US" altLang="ko-KR" dirty="0"/>
+            <a:pPr marL="0" marR="0" lvl="0" indent="0" algn="ctr" defTabSz="914400" rtl="0" eaLnBrk="1" fontAlgn="auto" latinLnBrk="1" hangingPunct="1">
+              <a:lnSpc>
+                <a:spcPct val="100000"/>
+              </a:lnSpc>
+              <a:spcBef>
+                <a:spcPts val="0"/>
+              </a:spcBef>
+              <a:spcAft>
+                <a:spcPts val="0"/>
+              </a:spcAft>
+              <a:buClrTx/>
+              <a:buSzTx/>
+              <a:buFontTx/>
+              <a:buNone/>
+              <a:tabLst/>
+              <a:defRPr/>
+            </a:pPr>
+            <a:r>
+              <a:rPr kumimoji="0" lang="en-US" altLang="ko-KR" sz="1800" b="0" i="0" u="none" strike="noStrike" kern="1200" cap="none" spc="0" normalizeH="0" baseline="0" noProof="0" dirty="0">
+                <a:ln>
+                  <a:noFill/>
+                </a:ln>
+                <a:solidFill>
+                  <a:prstClr val="white"/>
+                </a:solidFill>
+                <a:effectLst/>
+                <a:uLnTx/>
+                <a:uFillTx/>
+                <a:latin typeface="맑은 고딕" panose="020F0502020204030204"/>
+                <a:ea typeface="맑은 고딕" panose="020B0503020000020004" pitchFamily="50" charset="-127"/>
+                <a:cs typeface="+mn-cs"/>
+              </a:rPr>
               <a:t>Portfolio</a:t>
             </a:r>
-            <a:endParaRPr lang="ko-KR" altLang="en-US" dirty="0"/>
+            <a:endParaRPr kumimoji="0" lang="ko-KR" altLang="en-US" sz="1800" b="0" i="0" u="none" strike="noStrike" kern="1200" cap="none" spc="0" normalizeH="0" baseline="0" noProof="0" dirty="0">
+              <a:ln>
+                <a:noFill/>
+              </a:ln>
+              <a:solidFill>
+                <a:prstClr val="white"/>
+              </a:solidFill>
+              <a:effectLst/>
+              <a:uLnTx/>
+              <a:uFillTx/>
+              <a:latin typeface="맑은 고딕" panose="020F0502020204030204"/>
+              <a:ea typeface="맑은 고딕" panose="020B0503020000020004" pitchFamily="50" charset="-127"/>
+              <a:cs typeface="+mn-cs"/>
+            </a:endParaRPr>
           </a:p>
         </p:txBody>
       </p:sp>
@@ -5049,7 +5713,7 @@
         </p:nvSpPr>
         <p:spPr>
           <a:xfrm>
-            <a:off x="6503469" y="2982685"/>
+            <a:off x="6579669" y="1508451"/>
             <a:ext cx="1842664" cy="892629"/>
           </a:xfrm>
           <a:prstGeom prst="rect">
@@ -5076,12 +5740,54 @@
           <a:bodyPr rtlCol="0" anchor="ctr"/>
           <a:lstStyle/>
           <a:p>
-            <a:pPr algn="ctr"/>
-            <a:r>
-              <a:rPr lang="en-US" altLang="ko-KR" dirty="0"/>
+            <a:pPr marL="0" marR="0" lvl="0" indent="0" algn="ctr" defTabSz="914400" rtl="0" eaLnBrk="1" fontAlgn="auto" latinLnBrk="1" hangingPunct="1">
+              <a:lnSpc>
+                <a:spcPct val="100000"/>
+              </a:lnSpc>
+              <a:spcBef>
+                <a:spcPts val="0"/>
+              </a:spcBef>
+              <a:spcAft>
+                <a:spcPts val="0"/>
+              </a:spcAft>
+              <a:buClrTx/>
+              <a:buSzTx/>
+              <a:buFontTx/>
+              <a:buNone/>
+              <a:tabLst/>
+              <a:defRPr/>
+            </a:pPr>
+            <a:r>
+              <a:rPr kumimoji="0" lang="en-US" altLang="ko-KR" sz="1800" b="0" i="0" u="none" strike="noStrike" kern="1200" cap="none" spc="0" normalizeH="0" baseline="0" noProof="0" dirty="0">
+                <a:ln>
+                  <a:noFill/>
+                </a:ln>
+                <a:solidFill>
+                  <a:prstClr val="white"/>
+                </a:solidFill>
+                <a:effectLst/>
+                <a:uLnTx/>
+                <a:uFillTx/>
+                <a:latin typeface="맑은 고딕" panose="020F0502020204030204"/>
+                <a:ea typeface="맑은 고딕" panose="020B0503020000020004" pitchFamily="50" charset="-127"/>
+                <a:cs typeface="+mn-cs"/>
+              </a:rPr>
               <a:t>About Me</a:t>
             </a:r>
-            <a:endParaRPr lang="ko-KR" altLang="en-US" dirty="0"/>
+            <a:endParaRPr kumimoji="0" lang="ko-KR" altLang="en-US" sz="1800" b="0" i="0" u="none" strike="noStrike" kern="1200" cap="none" spc="0" normalizeH="0" baseline="0" noProof="0" dirty="0">
+              <a:ln>
+                <a:noFill/>
+              </a:ln>
+              <a:solidFill>
+                <a:prstClr val="white"/>
+              </a:solidFill>
+              <a:effectLst/>
+              <a:uLnTx/>
+              <a:uFillTx/>
+              <a:latin typeface="맑은 고딕" panose="020F0502020204030204"/>
+              <a:ea typeface="맑은 고딕" panose="020B0503020000020004" pitchFamily="50" charset="-127"/>
+              <a:cs typeface="+mn-cs"/>
+            </a:endParaRPr>
           </a:p>
         </p:txBody>
       </p:sp>
@@ -5099,7 +5805,7 @@
         </p:nvSpPr>
         <p:spPr>
           <a:xfrm>
-            <a:off x="9248903" y="2982688"/>
+            <a:off x="9325103" y="1508454"/>
             <a:ext cx="1842664" cy="892629"/>
           </a:xfrm>
           <a:prstGeom prst="rect">
@@ -5126,12 +5832,54 @@
           <a:bodyPr rtlCol="0" anchor="ctr"/>
           <a:lstStyle/>
           <a:p>
-            <a:pPr algn="ctr"/>
-            <a:r>
-              <a:rPr lang="en-US" altLang="ko-KR" dirty="0" err="1"/>
-              <a:t>Contect</a:t>
-            </a:r>
-            <a:endParaRPr lang="ko-KR" altLang="en-US" dirty="0"/>
+            <a:pPr marL="0" marR="0" lvl="0" indent="0" algn="ctr" defTabSz="914400" rtl="0" eaLnBrk="1" fontAlgn="auto" latinLnBrk="1" hangingPunct="1">
+              <a:lnSpc>
+                <a:spcPct val="100000"/>
+              </a:lnSpc>
+              <a:spcBef>
+                <a:spcPts val="0"/>
+              </a:spcBef>
+              <a:spcAft>
+                <a:spcPts val="0"/>
+              </a:spcAft>
+              <a:buClrTx/>
+              <a:buSzTx/>
+              <a:buFontTx/>
+              <a:buNone/>
+              <a:tabLst/>
+              <a:defRPr/>
+            </a:pPr>
+            <a:r>
+              <a:rPr kumimoji="0" lang="en-US" altLang="ko-KR" sz="1800" b="0" i="0" u="none" strike="noStrike" kern="1200" cap="none" spc="0" normalizeH="0" baseline="0" noProof="0" dirty="0">
+                <a:ln>
+                  <a:noFill/>
+                </a:ln>
+                <a:solidFill>
+                  <a:prstClr val="white"/>
+                </a:solidFill>
+                <a:effectLst/>
+                <a:uLnTx/>
+                <a:uFillTx/>
+                <a:latin typeface="맑은 고딕" panose="020F0502020204030204"/>
+                <a:ea typeface="맑은 고딕" panose="020B0503020000020004" pitchFamily="50" charset="-127"/>
+                <a:cs typeface="+mn-cs"/>
+              </a:rPr>
+              <a:t>Contact</a:t>
+            </a:r>
+            <a:endParaRPr kumimoji="0" lang="ko-KR" altLang="en-US" sz="1800" b="0" i="0" u="none" strike="noStrike" kern="1200" cap="none" spc="0" normalizeH="0" baseline="0" noProof="0" dirty="0">
+              <a:ln>
+                <a:noFill/>
+              </a:ln>
+              <a:solidFill>
+                <a:prstClr val="white"/>
+              </a:solidFill>
+              <a:effectLst/>
+              <a:uLnTx/>
+              <a:uFillTx/>
+              <a:latin typeface="맑은 고딕" panose="020F0502020204030204"/>
+              <a:ea typeface="맑은 고딕" panose="020B0503020000020004" pitchFamily="50" charset="-127"/>
+              <a:cs typeface="+mn-cs"/>
+            </a:endParaRPr>
           </a:p>
         </p:txBody>
       </p:sp>
@@ -5149,7 +5897,7 @@
         </p:nvSpPr>
         <p:spPr>
           <a:xfrm>
-            <a:off x="3758036" y="2982685"/>
+            <a:off x="3834236" y="1508451"/>
             <a:ext cx="1842664" cy="892629"/>
           </a:xfrm>
           <a:prstGeom prst="rect">
@@ -5176,12 +5924,54 @@
           <a:bodyPr rtlCol="0" anchor="ctr"/>
           <a:lstStyle/>
           <a:p>
-            <a:pPr algn="ctr"/>
-            <a:r>
-              <a:rPr lang="en-US" altLang="ko-KR" dirty="0"/>
+            <a:pPr marL="0" marR="0" lvl="0" indent="0" algn="ctr" defTabSz="914400" rtl="0" eaLnBrk="1" fontAlgn="auto" latinLnBrk="1" hangingPunct="1">
+              <a:lnSpc>
+                <a:spcPct val="100000"/>
+              </a:lnSpc>
+              <a:spcBef>
+                <a:spcPts val="0"/>
+              </a:spcBef>
+              <a:spcAft>
+                <a:spcPts val="0"/>
+              </a:spcAft>
+              <a:buClrTx/>
+              <a:buSzTx/>
+              <a:buFontTx/>
+              <a:buNone/>
+              <a:tabLst/>
+              <a:defRPr/>
+            </a:pPr>
+            <a:r>
+              <a:rPr kumimoji="0" lang="en-US" altLang="ko-KR" sz="1800" b="0" i="0" u="none" strike="noStrike" kern="1200" cap="none" spc="0" normalizeH="0" baseline="0" noProof="0" dirty="0">
+                <a:ln>
+                  <a:noFill/>
+                </a:ln>
+                <a:solidFill>
+                  <a:prstClr val="white"/>
+                </a:solidFill>
+                <a:effectLst/>
+                <a:uLnTx/>
+                <a:uFillTx/>
+                <a:latin typeface="맑은 고딕" panose="020F0502020204030204"/>
+                <a:ea typeface="맑은 고딕" panose="020B0503020000020004" pitchFamily="50" charset="-127"/>
+                <a:cs typeface="+mn-cs"/>
+              </a:rPr>
               <a:t>Journey</a:t>
             </a:r>
-            <a:endParaRPr lang="ko-KR" altLang="en-US" dirty="0"/>
+            <a:endParaRPr kumimoji="0" lang="ko-KR" altLang="en-US" sz="1800" b="0" i="0" u="none" strike="noStrike" kern="1200" cap="none" spc="0" normalizeH="0" baseline="0" noProof="0" dirty="0">
+              <a:ln>
+                <a:noFill/>
+              </a:ln>
+              <a:solidFill>
+                <a:prstClr val="white"/>
+              </a:solidFill>
+              <a:effectLst/>
+              <a:uLnTx/>
+              <a:uFillTx/>
+              <a:latin typeface="맑은 고딕" panose="020F0502020204030204"/>
+              <a:ea typeface="맑은 고딕" panose="020B0503020000020004" pitchFamily="50" charset="-127"/>
+              <a:cs typeface="+mn-cs"/>
+            </a:endParaRPr>
           </a:p>
         </p:txBody>
       </p:sp>
@@ -5199,7 +5989,7 @@
         </p:nvSpPr>
         <p:spPr>
           <a:xfrm>
-            <a:off x="2363176" y="4938866"/>
+            <a:off x="7961409" y="3198224"/>
             <a:ext cx="1842664" cy="892629"/>
           </a:xfrm>
           <a:prstGeom prst="rect">
@@ -5226,12 +6016,54 @@
           <a:bodyPr rtlCol="0" anchor="ctr"/>
           <a:lstStyle/>
           <a:p>
-            <a:pPr algn="ctr"/>
-            <a:r>
-              <a:rPr lang="en-US" altLang="ko-KR" dirty="0"/>
-              <a:t>Insert Page</a:t>
-            </a:r>
-            <a:endParaRPr lang="ko-KR" altLang="en-US" dirty="0"/>
+            <a:pPr marL="0" marR="0" lvl="0" indent="0" algn="ctr" defTabSz="914400" rtl="0" eaLnBrk="1" fontAlgn="auto" latinLnBrk="1" hangingPunct="1">
+              <a:lnSpc>
+                <a:spcPct val="100000"/>
+              </a:lnSpc>
+              <a:spcBef>
+                <a:spcPts val="0"/>
+              </a:spcBef>
+              <a:spcAft>
+                <a:spcPts val="0"/>
+              </a:spcAft>
+              <a:buClrTx/>
+              <a:buSzTx/>
+              <a:buFontTx/>
+              <a:buNone/>
+              <a:tabLst/>
+              <a:defRPr/>
+            </a:pPr>
+            <a:r>
+              <a:rPr kumimoji="0" lang="en-US" altLang="ko-KR" sz="1800" b="0" i="0" u="none" strike="noStrike" kern="1200" cap="none" spc="0" normalizeH="0" baseline="0" noProof="0" dirty="0">
+                <a:ln>
+                  <a:noFill/>
+                </a:ln>
+                <a:solidFill>
+                  <a:prstClr val="white"/>
+                </a:solidFill>
+                <a:effectLst/>
+                <a:uLnTx/>
+                <a:uFillTx/>
+                <a:latin typeface="맑은 고딕" panose="020F0502020204030204"/>
+                <a:ea typeface="맑은 고딕" panose="020B0503020000020004" pitchFamily="50" charset="-127"/>
+                <a:cs typeface="+mn-cs"/>
+              </a:rPr>
+              <a:t>Login</a:t>
+            </a:r>
+            <a:endParaRPr kumimoji="0" lang="ko-KR" altLang="en-US" sz="1800" b="0" i="0" u="none" strike="noStrike" kern="1200" cap="none" spc="0" normalizeH="0" baseline="0" noProof="0" dirty="0">
+              <a:ln>
+                <a:noFill/>
+              </a:ln>
+              <a:solidFill>
+                <a:prstClr val="white"/>
+              </a:solidFill>
+              <a:effectLst/>
+              <a:uLnTx/>
+              <a:uFillTx/>
+              <a:latin typeface="맑은 고딕" panose="020F0502020204030204"/>
+              <a:ea typeface="맑은 고딕" panose="020B0503020000020004" pitchFamily="50" charset="-127"/>
+              <a:cs typeface="+mn-cs"/>
+            </a:endParaRPr>
           </a:p>
         </p:txBody>
       </p:sp>
@@ -5249,7 +6081,7 @@
         </p:nvSpPr>
         <p:spPr>
           <a:xfrm>
-            <a:off x="883241" y="3786055"/>
+            <a:off x="6945717" y="1094427"/>
             <a:ext cx="1110568" cy="414024"/>
           </a:xfrm>
           <a:prstGeom prst="rect">
@@ -5263,30 +6095,48 @@
           </a:bodyPr>
           <a:lstStyle/>
           <a:p>
-            <a:pPr algn="ctr">
+            <a:pPr marL="0" marR="0" lvl="0" indent="0" algn="ctr" defTabSz="914400" rtl="0" eaLnBrk="1" fontAlgn="auto" latinLnBrk="1" hangingPunct="1">
               <a:lnSpc>
                 <a:spcPct val="150000"/>
               </a:lnSpc>
+              <a:spcBef>
+                <a:spcPts val="0"/>
+              </a:spcBef>
+              <a:spcAft>
+                <a:spcPts val="0"/>
+              </a:spcAft>
+              <a:buClrTx/>
+              <a:buSzTx/>
+              <a:buFontTx/>
+              <a:buNone/>
+              <a:tabLst/>
+              <a:defRPr/>
             </a:pPr>
             <a:r>
-              <a:rPr lang="en-US" altLang="ko-KR" sz="1600" spc="-150" dirty="0">
+              <a:rPr kumimoji="0" lang="en-US" altLang="ko-KR" sz="1600" b="0" i="0" u="none" strike="noStrike" kern="1200" cap="none" spc="-150" normalizeH="0" baseline="0" noProof="0" dirty="0">
+                <a:ln>
+                  <a:noFill/>
+                </a:ln>
                 <a:gradFill>
                   <a:gsLst>
                     <a:gs pos="83000">
-                      <a:schemeClr val="tx1">
-                        <a:lumMod val="75000"/>
-                        <a:lumOff val="25000"/>
-                      </a:schemeClr>
+                      <a:prstClr val="black">
+                        <a:lumMod val="75000"/>
+                        <a:lumOff val="25000"/>
+                      </a:prstClr>
                     </a:gs>
                     <a:gs pos="100000">
-                      <a:schemeClr val="tx1">
-                        <a:lumMod val="75000"/>
-                        <a:lumOff val="25000"/>
-                      </a:schemeClr>
+                      <a:prstClr val="black">
+                        <a:lumMod val="75000"/>
+                        <a:lumOff val="25000"/>
+                      </a:prstClr>
                     </a:gs>
                   </a:gsLst>
                   <a:lin ang="5400000" scaled="1"/>
                 </a:gradFill>
+                <a:effectLst/>
+                <a:uLnTx/>
+                <a:uFillTx/>
                 <a:latin typeface="Malgun Gothic Semilight" panose="020B0502040204020203" pitchFamily="50" charset="-127"/>
                 <a:ea typeface="Malgun Gothic Semilight" panose="020B0502040204020203" pitchFamily="50" charset="-127"/>
                 <a:cs typeface="Malgun Gothic Semilight" panose="020B0502040204020203" pitchFamily="50" charset="-127"/>
@@ -5296,98 +6146,12 @@
           </a:p>
         </p:txBody>
       </p:sp>
-      <p:cxnSp>
-        <p:nvCxnSpPr>
-          <p:cNvPr id="17" name="연결선: 꺾임 16">
+      <p:sp>
+        <p:nvSpPr>
+          <p:cNvPr id="18" name="직사각형 17">
             <a:extLst>
               <a:ext uri="{FF2B5EF4-FFF2-40B4-BE49-F238E27FC236}">
-                <a16:creationId xmlns:a16="http://schemas.microsoft.com/office/drawing/2014/main" id="{164DF450-13BB-4670-B2CF-C6DEA55AA91F}"/>
-              </a:ext>
-            </a:extLst>
-          </p:cNvPr>
-          <p:cNvCxnSpPr>
-            <a:stCxn id="7" idx="2"/>
-            <a:endCxn id="8" idx="0"/>
-          </p:cNvCxnSpPr>
-          <p:nvPr/>
-        </p:nvCxnSpPr>
-        <p:spPr>
-          <a:xfrm rot="5400000">
-            <a:off x="3450162" y="3709660"/>
-            <a:ext cx="1063552" cy="1394860"/>
-          </a:xfrm>
-          <a:prstGeom prst="bentConnector3">
-            <a:avLst/>
-          </a:prstGeom>
-          <a:ln>
-            <a:headEnd type="triangle"/>
-            <a:tailEnd type="triangle"/>
-          </a:ln>
-        </p:spPr>
-        <p:style>
-          <a:lnRef idx="1">
-            <a:schemeClr val="accent1"/>
-          </a:lnRef>
-          <a:fillRef idx="0">
-            <a:schemeClr val="accent1"/>
-          </a:fillRef>
-          <a:effectRef idx="0">
-            <a:schemeClr val="accent1"/>
-          </a:effectRef>
-          <a:fontRef idx="minor">
-            <a:schemeClr val="tx1"/>
-          </a:fontRef>
-        </p:style>
-      </p:cxnSp>
-      <p:cxnSp>
-        <p:nvCxnSpPr>
-          <p:cNvPr id="19" name="연결선: 꺾임 18">
-            <a:extLst>
-              <a:ext uri="{FF2B5EF4-FFF2-40B4-BE49-F238E27FC236}">
-                <a16:creationId xmlns:a16="http://schemas.microsoft.com/office/drawing/2014/main" id="{AE3C542C-8821-42C5-839A-9942B9FB8D38}"/>
-              </a:ext>
-            </a:extLst>
-          </p:cNvPr>
-          <p:cNvCxnSpPr>
-            <a:stCxn id="2" idx="2"/>
-            <a:endCxn id="8" idx="0"/>
-          </p:cNvCxnSpPr>
-          <p:nvPr/>
-        </p:nvCxnSpPr>
-        <p:spPr>
-          <a:xfrm rot="16200000" flipH="1">
-            <a:off x="2088705" y="3743062"/>
-            <a:ext cx="1063549" cy="1328057"/>
-          </a:xfrm>
-          <a:prstGeom prst="bentConnector3">
-            <a:avLst/>
-          </a:prstGeom>
-          <a:ln>
-            <a:headEnd type="triangle"/>
-            <a:tailEnd type="triangle"/>
-          </a:ln>
-        </p:spPr>
-        <p:style>
-          <a:lnRef idx="1">
-            <a:schemeClr val="accent1"/>
-          </a:lnRef>
-          <a:fillRef idx="0">
-            <a:schemeClr val="accent1"/>
-          </a:fillRef>
-          <a:effectRef idx="0">
-            <a:schemeClr val="accent1"/>
-          </a:effectRef>
-          <a:fontRef idx="minor">
-            <a:schemeClr val="tx1"/>
-          </a:fontRef>
-        </p:style>
-      </p:cxnSp>
-      <p:sp>
-        <p:nvSpPr>
-          <p:cNvPr id="24" name="직사각형 23">
-            <a:extLst>
-              <a:ext uri="{FF2B5EF4-FFF2-40B4-BE49-F238E27FC236}">
-                <a16:creationId xmlns:a16="http://schemas.microsoft.com/office/drawing/2014/main" id="{8E550036-8315-4BD4-B136-3734B2468947}"/>
+                <a16:creationId xmlns:a16="http://schemas.microsoft.com/office/drawing/2014/main" id="{1A14536C-3978-4817-8BE4-4ADFEB4AFCE9}"/>
               </a:ext>
             </a:extLst>
           </p:cNvPr>
@@ -5396,7 +6160,105 @@
         </p:nvSpPr>
         <p:spPr>
           <a:xfrm>
-            <a:off x="5174667" y="1512863"/>
+            <a:off x="5174667" y="5524195"/>
+            <a:ext cx="1842664" cy="892629"/>
+          </a:xfrm>
+          <a:prstGeom prst="rect">
+            <a:avLst/>
+          </a:prstGeom>
+          <a:solidFill>
+            <a:schemeClr val="accent1">
+              <a:lumMod val="60000"/>
+              <a:lumOff val="40000"/>
+            </a:schemeClr>
+          </a:solidFill>
+        </p:spPr>
+        <p:style>
+          <a:lnRef idx="2">
+            <a:schemeClr val="accent4">
+              <a:shade val="50000"/>
+            </a:schemeClr>
+          </a:lnRef>
+          <a:fillRef idx="1">
+            <a:schemeClr val="accent4"/>
+          </a:fillRef>
+          <a:effectRef idx="0">
+            <a:schemeClr val="accent4"/>
+          </a:effectRef>
+          <a:fontRef idx="minor">
+            <a:schemeClr val="lt1"/>
+          </a:fontRef>
+        </p:style>
+        <p:txBody>
+          <a:bodyPr rtlCol="0" anchor="ctr"/>
+          <a:lstStyle/>
+          <a:p>
+            <a:pPr marL="0" marR="0" lvl="0" indent="0" algn="ctr" defTabSz="914400" rtl="0" eaLnBrk="1" fontAlgn="auto" latinLnBrk="1" hangingPunct="1">
+              <a:lnSpc>
+                <a:spcPct val="100000"/>
+              </a:lnSpc>
+              <a:spcBef>
+                <a:spcPts val="0"/>
+              </a:spcBef>
+              <a:spcAft>
+                <a:spcPts val="0"/>
+              </a:spcAft>
+              <a:buClrTx/>
+              <a:buSzTx/>
+              <a:buFontTx/>
+              <a:buNone/>
+              <a:tabLst/>
+              <a:defRPr/>
+            </a:pPr>
+            <a:r>
+              <a:rPr kumimoji="0" lang="en-US" altLang="ko-KR" sz="1800" b="0" i="0" u="none" strike="noStrike" kern="1200" cap="none" spc="0" normalizeH="0" baseline="0" noProof="0" dirty="0">
+                <a:ln>
+                  <a:noFill/>
+                </a:ln>
+                <a:solidFill>
+                  <a:prstClr val="white"/>
+                </a:solidFill>
+                <a:effectLst/>
+                <a:uLnTx/>
+                <a:uFillTx/>
+                <a:latin typeface="맑은 고딕" panose="020F0502020204030204"/>
+                <a:ea typeface="맑은 고딕" panose="020B0503020000020004" pitchFamily="50" charset="-127"/>
+                <a:cs typeface="+mn-cs"/>
+              </a:rPr>
+              <a:t>Root Auth</a:t>
+            </a:r>
+            <a:endParaRPr kumimoji="0" lang="ko-KR" altLang="en-US" sz="1800" b="0" i="0" u="none" strike="noStrike" kern="1200" cap="none" spc="0" normalizeH="0" baseline="0" noProof="0" dirty="0">
+              <a:ln>
+                <a:noFill/>
+              </a:ln>
+              <a:solidFill>
+                <a:prstClr val="white"/>
+              </a:solidFill>
+              <a:effectLst/>
+              <a:uLnTx/>
+              <a:uFillTx/>
+              <a:latin typeface="맑은 고딕" panose="020F0502020204030204"/>
+              <a:ea typeface="맑은 고딕" panose="020B0503020000020004" pitchFamily="50" charset="-127"/>
+              <a:cs typeface="+mn-cs"/>
+            </a:endParaRPr>
+          </a:p>
+        </p:txBody>
+      </p:sp>
+      <p:sp>
+        <p:nvSpPr>
+          <p:cNvPr id="21" name="직사각형 20">
+            <a:extLst>
+              <a:ext uri="{FF2B5EF4-FFF2-40B4-BE49-F238E27FC236}">
+                <a16:creationId xmlns:a16="http://schemas.microsoft.com/office/drawing/2014/main" id="{23ED4DFA-EFD8-4A0E-9F2D-8EF0103B965A}"/>
+              </a:ext>
+            </a:extLst>
+          </p:cNvPr>
+          <p:cNvSpPr/>
+          <p:nvPr/>
+        </p:nvSpPr>
+        <p:spPr>
+          <a:xfrm>
+            <a:off x="2514373" y="3198224"/>
             <a:ext cx="1842664" cy="892629"/>
           </a:xfrm>
           <a:prstGeom prst="rect">
@@ -5423,34 +6285,553 @@
           <a:bodyPr rtlCol="0" anchor="ctr"/>
           <a:lstStyle/>
           <a:p>
-            <a:pPr algn="ctr"/>
-            <a:r>
-              <a:rPr lang="en-US" altLang="ko-KR" dirty="0"/>
-              <a:t>Nav Bar</a:t>
-            </a:r>
-            <a:endParaRPr lang="ko-KR" altLang="en-US" dirty="0"/>
+            <a:pPr marL="0" marR="0" lvl="0" indent="0" algn="ctr" defTabSz="914400" rtl="0" eaLnBrk="1" fontAlgn="auto" latinLnBrk="1" hangingPunct="1">
+              <a:lnSpc>
+                <a:spcPct val="100000"/>
+              </a:lnSpc>
+              <a:spcBef>
+                <a:spcPts val="0"/>
+              </a:spcBef>
+              <a:spcAft>
+                <a:spcPts val="0"/>
+              </a:spcAft>
+              <a:buClrTx/>
+              <a:buSzTx/>
+              <a:buFontTx/>
+              <a:buNone/>
+              <a:tabLst/>
+              <a:defRPr/>
+            </a:pPr>
+            <a:r>
+              <a:rPr kumimoji="0" lang="en-US" altLang="ko-KR" sz="1800" b="0" i="0" u="none" strike="noStrike" kern="1200" cap="none" spc="0" normalizeH="0" baseline="0" noProof="0" dirty="0">
+                <a:ln>
+                  <a:noFill/>
+                </a:ln>
+                <a:solidFill>
+                  <a:prstClr val="white"/>
+                </a:solidFill>
+                <a:effectLst/>
+                <a:uLnTx/>
+                <a:uFillTx/>
+                <a:latin typeface="맑은 고딕" panose="020F0502020204030204"/>
+                <a:ea typeface="맑은 고딕" panose="020B0503020000020004" pitchFamily="50" charset="-127"/>
+                <a:cs typeface="+mn-cs"/>
+              </a:rPr>
+              <a:t>Page List</a:t>
+            </a:r>
+            <a:endParaRPr kumimoji="0" lang="ko-KR" altLang="en-US" sz="1800" b="0" i="0" u="none" strike="noStrike" kern="1200" cap="none" spc="0" normalizeH="0" baseline="0" noProof="0" dirty="0">
+              <a:ln>
+                <a:noFill/>
+              </a:ln>
+              <a:solidFill>
+                <a:prstClr val="white"/>
+              </a:solidFill>
+              <a:effectLst/>
+              <a:uLnTx/>
+              <a:uFillTx/>
+              <a:latin typeface="맑은 고딕" panose="020F0502020204030204"/>
+              <a:ea typeface="맑은 고딕" panose="020B0503020000020004" pitchFamily="50" charset="-127"/>
+              <a:cs typeface="+mn-cs"/>
+            </a:endParaRPr>
+          </a:p>
+        </p:txBody>
+      </p:sp>
+      <p:sp>
+        <p:nvSpPr>
+          <p:cNvPr id="22" name="직사각형 21">
+            <a:extLst>
+              <a:ext uri="{FF2B5EF4-FFF2-40B4-BE49-F238E27FC236}">
+                <a16:creationId xmlns:a16="http://schemas.microsoft.com/office/drawing/2014/main" id="{F86B7D53-0E34-4B7E-B89D-CDD6067AFBB5}"/>
+              </a:ext>
+            </a:extLst>
+          </p:cNvPr>
+          <p:cNvSpPr/>
+          <p:nvPr/>
+        </p:nvSpPr>
+        <p:spPr>
+          <a:xfrm>
+            <a:off x="2514373" y="4456917"/>
+            <a:ext cx="1842664" cy="892629"/>
+          </a:xfrm>
+          <a:prstGeom prst="rect">
+            <a:avLst/>
+          </a:prstGeom>
+        </p:spPr>
+        <p:style>
+          <a:lnRef idx="2">
+            <a:schemeClr val="accent4">
+              <a:shade val="50000"/>
+            </a:schemeClr>
+          </a:lnRef>
+          <a:fillRef idx="1">
+            <a:schemeClr val="accent4"/>
+          </a:fillRef>
+          <a:effectRef idx="0">
+            <a:schemeClr val="accent4"/>
+          </a:effectRef>
+          <a:fontRef idx="minor">
+            <a:schemeClr val="lt1"/>
+          </a:fontRef>
+        </p:style>
+        <p:txBody>
+          <a:bodyPr rtlCol="0" anchor="ctr"/>
+          <a:lstStyle/>
+          <a:p>
+            <a:pPr marL="0" marR="0" lvl="0" indent="0" algn="ctr" defTabSz="914400" rtl="0" eaLnBrk="1" fontAlgn="auto" latinLnBrk="1" hangingPunct="1">
+              <a:lnSpc>
+                <a:spcPct val="100000"/>
+              </a:lnSpc>
+              <a:spcBef>
+                <a:spcPts val="0"/>
+              </a:spcBef>
+              <a:spcAft>
+                <a:spcPts val="0"/>
+              </a:spcAft>
+              <a:buClrTx/>
+              <a:buSzTx/>
+              <a:buFontTx/>
+              <a:buNone/>
+              <a:tabLst/>
+              <a:defRPr/>
+            </a:pPr>
+            <a:r>
+              <a:rPr kumimoji="0" lang="en-US" altLang="ko-KR" sz="1800" b="0" i="0" u="none" strike="noStrike" kern="1200" cap="none" spc="0" normalizeH="0" baseline="0" noProof="0" dirty="0">
+                <a:ln>
+                  <a:noFill/>
+                </a:ln>
+                <a:solidFill>
+                  <a:prstClr val="white"/>
+                </a:solidFill>
+                <a:effectLst/>
+                <a:uLnTx/>
+                <a:uFillTx/>
+                <a:latin typeface="맑은 고딕" panose="020F0502020204030204"/>
+                <a:ea typeface="맑은 고딕" panose="020B0503020000020004" pitchFamily="50" charset="-127"/>
+                <a:cs typeface="+mn-cs"/>
+              </a:rPr>
+              <a:t>Post Detail</a:t>
+            </a:r>
+            <a:endParaRPr kumimoji="0" lang="ko-KR" altLang="en-US" sz="1800" b="0" i="0" u="none" strike="noStrike" kern="1200" cap="none" spc="0" normalizeH="0" baseline="0" noProof="0" dirty="0">
+              <a:ln>
+                <a:noFill/>
+              </a:ln>
+              <a:solidFill>
+                <a:prstClr val="white"/>
+              </a:solidFill>
+              <a:effectLst/>
+              <a:uLnTx/>
+              <a:uFillTx/>
+              <a:latin typeface="맑은 고딕" panose="020F0502020204030204"/>
+              <a:ea typeface="맑은 고딕" panose="020B0503020000020004" pitchFamily="50" charset="-127"/>
+              <a:cs typeface="+mn-cs"/>
+            </a:endParaRPr>
           </a:p>
         </p:txBody>
       </p:sp>
       <p:cxnSp>
         <p:nvCxnSpPr>
-          <p:cNvPr id="26" name="연결선: 꺾임 25">
+          <p:cNvPr id="4" name="직선 화살표 연결선 3">
             <a:extLst>
               <a:ext uri="{FF2B5EF4-FFF2-40B4-BE49-F238E27FC236}">
-                <a16:creationId xmlns:a16="http://schemas.microsoft.com/office/drawing/2014/main" id="{DAAC9183-1397-4BB0-A9AF-8A54951BC446}"/>
+                <a16:creationId xmlns:a16="http://schemas.microsoft.com/office/drawing/2014/main" id="{73A121DB-1518-47A9-A6AA-553565D462B2}"/>
               </a:ext>
             </a:extLst>
           </p:cNvPr>
           <p:cNvCxnSpPr>
-            <a:stCxn id="8" idx="3"/>
-            <a:endCxn id="24" idx="2"/>
+            <a:stCxn id="2" idx="3"/>
+            <a:endCxn id="7" idx="1"/>
           </p:cNvCxnSpPr>
           <p:nvPr/>
         </p:nvCxnSpPr>
         <p:spPr>
           <a:xfrm flipV="1">
-            <a:off x="4205840" y="2405492"/>
-            <a:ext cx="1890159" cy="2979689"/>
+            <a:off x="2953983" y="1954766"/>
+            <a:ext cx="880253" cy="3"/>
+          </a:xfrm>
+          <a:prstGeom prst="straightConnector1">
+            <a:avLst/>
+          </a:prstGeom>
+          <a:ln>
+            <a:headEnd type="triangle"/>
+            <a:tailEnd type="triangle"/>
+          </a:ln>
+        </p:spPr>
+        <p:style>
+          <a:lnRef idx="1">
+            <a:schemeClr val="accent1"/>
+          </a:lnRef>
+          <a:fillRef idx="0">
+            <a:schemeClr val="accent1"/>
+          </a:fillRef>
+          <a:effectRef idx="0">
+            <a:schemeClr val="accent1"/>
+          </a:effectRef>
+          <a:fontRef idx="minor">
+            <a:schemeClr val="tx1"/>
+          </a:fontRef>
+        </p:style>
+      </p:cxnSp>
+      <p:cxnSp>
+        <p:nvCxnSpPr>
+          <p:cNvPr id="11" name="직선 화살표 연결선 10">
+            <a:extLst>
+              <a:ext uri="{FF2B5EF4-FFF2-40B4-BE49-F238E27FC236}">
+                <a16:creationId xmlns:a16="http://schemas.microsoft.com/office/drawing/2014/main" id="{53076E48-4C8F-4B78-8385-D4998EA6D0E7}"/>
+              </a:ext>
+            </a:extLst>
+          </p:cNvPr>
+          <p:cNvCxnSpPr>
+            <a:stCxn id="7" idx="3"/>
+            <a:endCxn id="5" idx="1"/>
+          </p:cNvCxnSpPr>
+          <p:nvPr/>
+        </p:nvCxnSpPr>
+        <p:spPr>
+          <a:xfrm>
+            <a:off x="5676900" y="1954766"/>
+            <a:ext cx="902769" cy="0"/>
+          </a:xfrm>
+          <a:prstGeom prst="straightConnector1">
+            <a:avLst/>
+          </a:prstGeom>
+          <a:ln>
+            <a:headEnd type="triangle"/>
+            <a:tailEnd type="triangle"/>
+          </a:ln>
+        </p:spPr>
+        <p:style>
+          <a:lnRef idx="1">
+            <a:schemeClr val="accent1"/>
+          </a:lnRef>
+          <a:fillRef idx="0">
+            <a:schemeClr val="accent1"/>
+          </a:fillRef>
+          <a:effectRef idx="0">
+            <a:schemeClr val="accent1"/>
+          </a:effectRef>
+          <a:fontRef idx="minor">
+            <a:schemeClr val="tx1"/>
+          </a:fontRef>
+        </p:style>
+      </p:cxnSp>
+      <p:cxnSp>
+        <p:nvCxnSpPr>
+          <p:cNvPr id="15" name="직선 화살표 연결선 14">
+            <a:extLst>
+              <a:ext uri="{FF2B5EF4-FFF2-40B4-BE49-F238E27FC236}">
+                <a16:creationId xmlns:a16="http://schemas.microsoft.com/office/drawing/2014/main" id="{CD10D3CB-5B33-43B3-BC9D-C40DBEAA1336}"/>
+              </a:ext>
+            </a:extLst>
+          </p:cNvPr>
+          <p:cNvCxnSpPr>
+            <a:stCxn id="5" idx="3"/>
+            <a:endCxn id="6" idx="1"/>
+          </p:cNvCxnSpPr>
+          <p:nvPr/>
+        </p:nvCxnSpPr>
+        <p:spPr>
+          <a:xfrm>
+            <a:off x="8422333" y="1954766"/>
+            <a:ext cx="902770" cy="3"/>
+          </a:xfrm>
+          <a:prstGeom prst="straightConnector1">
+            <a:avLst/>
+          </a:prstGeom>
+          <a:ln>
+            <a:headEnd type="triangle"/>
+            <a:tailEnd type="triangle"/>
+          </a:ln>
+        </p:spPr>
+        <p:style>
+          <a:lnRef idx="1">
+            <a:schemeClr val="accent1"/>
+          </a:lnRef>
+          <a:fillRef idx="0">
+            <a:schemeClr val="accent1"/>
+          </a:fillRef>
+          <a:effectRef idx="0">
+            <a:schemeClr val="accent1"/>
+          </a:effectRef>
+          <a:fontRef idx="minor">
+            <a:schemeClr val="tx1"/>
+          </a:fontRef>
+        </p:style>
+      </p:cxnSp>
+      <p:cxnSp>
+        <p:nvCxnSpPr>
+          <p:cNvPr id="27" name="연결선: 꺾임 26">
+            <a:extLst>
+              <a:ext uri="{FF2B5EF4-FFF2-40B4-BE49-F238E27FC236}">
+                <a16:creationId xmlns:a16="http://schemas.microsoft.com/office/drawing/2014/main" id="{0752E49D-68B7-4854-AF02-AFEC9860E402}"/>
+              </a:ext>
+            </a:extLst>
+          </p:cNvPr>
+          <p:cNvCxnSpPr>
+            <a:stCxn id="2" idx="2"/>
+            <a:endCxn id="21" idx="1"/>
+          </p:cNvCxnSpPr>
+          <p:nvPr/>
+        </p:nvCxnSpPr>
+        <p:spPr>
+          <a:xfrm rot="16200000" flipH="1">
+            <a:off x="1651784" y="2781950"/>
+            <a:ext cx="1243456" cy="481722"/>
+          </a:xfrm>
+          <a:prstGeom prst="bentConnector2">
+            <a:avLst/>
+          </a:prstGeom>
+          <a:ln>
+            <a:headEnd type="triangle"/>
+            <a:tailEnd type="triangle"/>
+          </a:ln>
+        </p:spPr>
+        <p:style>
+          <a:lnRef idx="1">
+            <a:schemeClr val="accent1"/>
+          </a:lnRef>
+          <a:fillRef idx="0">
+            <a:schemeClr val="accent1"/>
+          </a:fillRef>
+          <a:effectRef idx="0">
+            <a:schemeClr val="accent1"/>
+          </a:effectRef>
+          <a:fontRef idx="minor">
+            <a:schemeClr val="tx1"/>
+          </a:fontRef>
+        </p:style>
+      </p:cxnSp>
+      <p:cxnSp>
+        <p:nvCxnSpPr>
+          <p:cNvPr id="29" name="연결선: 꺾임 28">
+            <a:extLst>
+              <a:ext uri="{FF2B5EF4-FFF2-40B4-BE49-F238E27FC236}">
+                <a16:creationId xmlns:a16="http://schemas.microsoft.com/office/drawing/2014/main" id="{DC72DB3D-6AFF-42E2-8FCF-B7E415AE158B}"/>
+              </a:ext>
+            </a:extLst>
+          </p:cNvPr>
+          <p:cNvCxnSpPr>
+            <a:stCxn id="7" idx="2"/>
+            <a:endCxn id="21" idx="3"/>
+          </p:cNvCxnSpPr>
+          <p:nvPr/>
+        </p:nvCxnSpPr>
+        <p:spPr>
+          <a:xfrm rot="5400000">
+            <a:off x="3934574" y="2823544"/>
+            <a:ext cx="1243459" cy="398531"/>
+          </a:xfrm>
+          <a:prstGeom prst="bentConnector2">
+            <a:avLst/>
+          </a:prstGeom>
+          <a:ln>
+            <a:headEnd type="triangle"/>
+            <a:tailEnd type="triangle"/>
+          </a:ln>
+        </p:spPr>
+        <p:style>
+          <a:lnRef idx="1">
+            <a:schemeClr val="accent1"/>
+          </a:lnRef>
+          <a:fillRef idx="0">
+            <a:schemeClr val="accent1"/>
+          </a:fillRef>
+          <a:effectRef idx="0">
+            <a:schemeClr val="accent1"/>
+          </a:effectRef>
+          <a:fontRef idx="minor">
+            <a:schemeClr val="tx1"/>
+          </a:fontRef>
+        </p:style>
+      </p:cxnSp>
+      <p:cxnSp>
+        <p:nvCxnSpPr>
+          <p:cNvPr id="33" name="연결선: 꺾임 32">
+            <a:extLst>
+              <a:ext uri="{FF2B5EF4-FFF2-40B4-BE49-F238E27FC236}">
+                <a16:creationId xmlns:a16="http://schemas.microsoft.com/office/drawing/2014/main" id="{DA898A3E-A60C-4E26-912D-BCD0E62FDF52}"/>
+              </a:ext>
+            </a:extLst>
+          </p:cNvPr>
+          <p:cNvCxnSpPr>
+            <a:stCxn id="5" idx="2"/>
+            <a:endCxn id="8" idx="1"/>
+          </p:cNvCxnSpPr>
+          <p:nvPr/>
+        </p:nvCxnSpPr>
+        <p:spPr>
+          <a:xfrm rot="16200000" flipH="1">
+            <a:off x="7109476" y="2792605"/>
+            <a:ext cx="1243459" cy="460408"/>
+          </a:xfrm>
+          <a:prstGeom prst="bentConnector2">
+            <a:avLst/>
+          </a:prstGeom>
+          <a:ln>
+            <a:headEnd type="triangle"/>
+            <a:tailEnd type="triangle"/>
+          </a:ln>
+        </p:spPr>
+        <p:style>
+          <a:lnRef idx="1">
+            <a:schemeClr val="accent1"/>
+          </a:lnRef>
+          <a:fillRef idx="0">
+            <a:schemeClr val="accent1"/>
+          </a:fillRef>
+          <a:effectRef idx="0">
+            <a:schemeClr val="accent1"/>
+          </a:effectRef>
+          <a:fontRef idx="minor">
+            <a:schemeClr val="tx1"/>
+          </a:fontRef>
+        </p:style>
+      </p:cxnSp>
+      <p:cxnSp>
+        <p:nvCxnSpPr>
+          <p:cNvPr id="37" name="연결선: 꺾임 36">
+            <a:extLst>
+              <a:ext uri="{FF2B5EF4-FFF2-40B4-BE49-F238E27FC236}">
+                <a16:creationId xmlns:a16="http://schemas.microsoft.com/office/drawing/2014/main" id="{574A71F3-AD87-48E2-BF92-B7C4BD1ACC4A}"/>
+              </a:ext>
+            </a:extLst>
+          </p:cNvPr>
+          <p:cNvCxnSpPr>
+            <a:stCxn id="6" idx="2"/>
+            <a:endCxn id="8" idx="3"/>
+          </p:cNvCxnSpPr>
+          <p:nvPr/>
+        </p:nvCxnSpPr>
+        <p:spPr>
+          <a:xfrm rot="5400000">
+            <a:off x="9403526" y="2801630"/>
+            <a:ext cx="1243456" cy="442362"/>
+          </a:xfrm>
+          <a:prstGeom prst="bentConnector2">
+            <a:avLst/>
+          </a:prstGeom>
+          <a:ln>
+            <a:headEnd type="triangle"/>
+            <a:tailEnd type="triangle"/>
+          </a:ln>
+        </p:spPr>
+        <p:style>
+          <a:lnRef idx="1">
+            <a:schemeClr val="accent1"/>
+          </a:lnRef>
+          <a:fillRef idx="0">
+            <a:schemeClr val="accent1"/>
+          </a:fillRef>
+          <a:effectRef idx="0">
+            <a:schemeClr val="accent1"/>
+          </a:effectRef>
+          <a:fontRef idx="minor">
+            <a:schemeClr val="tx1"/>
+          </a:fontRef>
+        </p:style>
+      </p:cxnSp>
+      <p:cxnSp>
+        <p:nvCxnSpPr>
+          <p:cNvPr id="39" name="직선 화살표 연결선 38">
+            <a:extLst>
+              <a:ext uri="{FF2B5EF4-FFF2-40B4-BE49-F238E27FC236}">
+                <a16:creationId xmlns:a16="http://schemas.microsoft.com/office/drawing/2014/main" id="{B4BCFD8A-BB47-4800-88F4-139E4F699E48}"/>
+              </a:ext>
+            </a:extLst>
+          </p:cNvPr>
+          <p:cNvCxnSpPr>
+            <a:cxnSpLocks/>
+          </p:cNvCxnSpPr>
+          <p:nvPr/>
+        </p:nvCxnSpPr>
+        <p:spPr>
+          <a:xfrm>
+            <a:off x="4357037" y="3873139"/>
+            <a:ext cx="3604372" cy="0"/>
+          </a:xfrm>
+          <a:prstGeom prst="straightConnector1">
+            <a:avLst/>
+          </a:prstGeom>
+          <a:ln>
+            <a:tailEnd type="triangle"/>
+          </a:ln>
+        </p:spPr>
+        <p:style>
+          <a:lnRef idx="1">
+            <a:schemeClr val="accent1"/>
+          </a:lnRef>
+          <a:fillRef idx="0">
+            <a:schemeClr val="accent1"/>
+          </a:fillRef>
+          <a:effectRef idx="0">
+            <a:schemeClr val="accent1"/>
+          </a:effectRef>
+          <a:fontRef idx="minor">
+            <a:schemeClr val="tx1"/>
+          </a:fontRef>
+        </p:style>
+      </p:cxnSp>
+      <p:cxnSp>
+        <p:nvCxnSpPr>
+          <p:cNvPr id="41" name="직선 화살표 연결선 40">
+            <a:extLst>
+              <a:ext uri="{FF2B5EF4-FFF2-40B4-BE49-F238E27FC236}">
+                <a16:creationId xmlns:a16="http://schemas.microsoft.com/office/drawing/2014/main" id="{8A26E828-E9CC-4C7A-9FC5-C8B1AD5E3350}"/>
+              </a:ext>
+            </a:extLst>
+          </p:cNvPr>
+          <p:cNvCxnSpPr>
+            <a:stCxn id="21" idx="2"/>
+            <a:endCxn id="22" idx="0"/>
+          </p:cNvCxnSpPr>
+          <p:nvPr/>
+        </p:nvCxnSpPr>
+        <p:spPr>
+          <a:xfrm>
+            <a:off x="3435705" y="4090853"/>
+            <a:ext cx="0" cy="366064"/>
+          </a:xfrm>
+          <a:prstGeom prst="straightConnector1">
+            <a:avLst/>
+          </a:prstGeom>
+          <a:ln>
+            <a:headEnd type="triangle"/>
+            <a:tailEnd type="triangle"/>
+          </a:ln>
+        </p:spPr>
+        <p:style>
+          <a:lnRef idx="1">
+            <a:schemeClr val="accent1"/>
+          </a:lnRef>
+          <a:fillRef idx="0">
+            <a:schemeClr val="accent1"/>
+          </a:fillRef>
+          <a:effectRef idx="0">
+            <a:schemeClr val="accent1"/>
+          </a:effectRef>
+          <a:fontRef idx="minor">
+            <a:schemeClr val="tx1"/>
+          </a:fontRef>
+        </p:style>
+      </p:cxnSp>
+      <p:cxnSp>
+        <p:nvCxnSpPr>
+          <p:cNvPr id="43" name="연결선: 꺾임 42">
+            <a:extLst>
+              <a:ext uri="{FF2B5EF4-FFF2-40B4-BE49-F238E27FC236}">
+                <a16:creationId xmlns:a16="http://schemas.microsoft.com/office/drawing/2014/main" id="{E37B4671-D07A-4240-B19D-367958FD99C8}"/>
+              </a:ext>
+            </a:extLst>
+          </p:cNvPr>
+          <p:cNvCxnSpPr>
+            <a:stCxn id="22" idx="3"/>
+            <a:endCxn id="8" idx="2"/>
+          </p:cNvCxnSpPr>
+          <p:nvPr/>
+        </p:nvCxnSpPr>
+        <p:spPr>
+          <a:xfrm flipV="1">
+            <a:off x="4357037" y="4090853"/>
+            <a:ext cx="4525704" cy="812379"/>
           </a:xfrm>
           <a:prstGeom prst="bentConnector2">
             <a:avLst/>
@@ -5476,144 +6857,32 @@
       </p:cxnSp>
       <p:cxnSp>
         <p:nvCxnSpPr>
-          <p:cNvPr id="30" name="연결선: 꺾임 29">
+          <p:cNvPr id="45" name="연결선: 꺾임 44">
             <a:extLst>
               <a:ext uri="{FF2B5EF4-FFF2-40B4-BE49-F238E27FC236}">
-                <a16:creationId xmlns:a16="http://schemas.microsoft.com/office/drawing/2014/main" id="{704C95C5-663F-42D8-91B5-58E087C8B3F0}"/>
+                <a16:creationId xmlns:a16="http://schemas.microsoft.com/office/drawing/2014/main" id="{69DB9D13-8136-4EFD-9921-DA56E8DD7244}"/>
               </a:ext>
             </a:extLst>
           </p:cNvPr>
           <p:cNvCxnSpPr>
-            <a:stCxn id="24" idx="1"/>
-            <a:endCxn id="2" idx="0"/>
+            <a:cxnSpLocks/>
+            <a:endCxn id="18" idx="3"/>
           </p:cNvCxnSpPr>
           <p:nvPr/>
         </p:nvCxnSpPr>
         <p:spPr>
           <a:xfrm rot="10800000" flipV="1">
-            <a:off x="1956451" y="1959178"/>
-            <a:ext cx="3218216" cy="1023510"/>
+            <a:off x="7017332" y="4090852"/>
+            <a:ext cx="2053447" cy="1879658"/>
           </a:xfrm>
-          <a:prstGeom prst="bentConnector2">
-            <a:avLst/>
+          <a:prstGeom prst="bentConnector3">
+            <a:avLst>
+              <a:gd name="adj1" fmla="val -361"/>
+            </a:avLst>
           </a:prstGeom>
-        </p:spPr>
-        <p:style>
-          <a:lnRef idx="1">
-            <a:schemeClr val="accent1"/>
-          </a:lnRef>
-          <a:fillRef idx="0">
-            <a:schemeClr val="accent1"/>
-          </a:fillRef>
-          <a:effectRef idx="0">
-            <a:schemeClr val="accent1"/>
-          </a:effectRef>
-          <a:fontRef idx="minor">
-            <a:schemeClr val="tx1"/>
-          </a:fontRef>
-        </p:style>
-      </p:cxnSp>
-      <p:cxnSp>
-        <p:nvCxnSpPr>
-          <p:cNvPr id="32" name="연결선: 꺾임 31">
-            <a:extLst>
-              <a:ext uri="{FF2B5EF4-FFF2-40B4-BE49-F238E27FC236}">
-                <a16:creationId xmlns:a16="http://schemas.microsoft.com/office/drawing/2014/main" id="{FA75D329-481E-456E-ADC1-3E9DF22870E2}"/>
-              </a:ext>
-            </a:extLst>
-          </p:cNvPr>
-          <p:cNvCxnSpPr>
-            <a:stCxn id="24" idx="1"/>
-            <a:endCxn id="7" idx="0"/>
-          </p:cNvCxnSpPr>
-          <p:nvPr/>
-        </p:nvCxnSpPr>
-        <p:spPr>
-          <a:xfrm rot="10800000" flipV="1">
-            <a:off x="4679369" y="1959177"/>
-            <a:ext cx="495299" cy="1023507"/>
-          </a:xfrm>
-          <a:prstGeom prst="bentConnector2">
-            <a:avLst/>
-          </a:prstGeom>
-        </p:spPr>
-        <p:style>
-          <a:lnRef idx="1">
-            <a:schemeClr val="accent1"/>
-          </a:lnRef>
-          <a:fillRef idx="0">
-            <a:schemeClr val="accent1"/>
-          </a:fillRef>
-          <a:effectRef idx="0">
-            <a:schemeClr val="accent1"/>
-          </a:effectRef>
-          <a:fontRef idx="minor">
-            <a:schemeClr val="tx1"/>
-          </a:fontRef>
-        </p:style>
-      </p:cxnSp>
-      <p:cxnSp>
-        <p:nvCxnSpPr>
-          <p:cNvPr id="34" name="연결선: 꺾임 33">
-            <a:extLst>
-              <a:ext uri="{FF2B5EF4-FFF2-40B4-BE49-F238E27FC236}">
-                <a16:creationId xmlns:a16="http://schemas.microsoft.com/office/drawing/2014/main" id="{755E084A-4E12-4E91-87D3-2767A8731A52}"/>
-              </a:ext>
-            </a:extLst>
-          </p:cNvPr>
-          <p:cNvCxnSpPr>
-            <a:stCxn id="24" idx="3"/>
-            <a:endCxn id="5" idx="0"/>
-          </p:cNvCxnSpPr>
-          <p:nvPr/>
-        </p:nvCxnSpPr>
-        <p:spPr>
-          <a:xfrm>
-            <a:off x="7017331" y="1959178"/>
-            <a:ext cx="407470" cy="1023507"/>
-          </a:xfrm>
-          <a:prstGeom prst="bentConnector2">
-            <a:avLst/>
-          </a:prstGeom>
-        </p:spPr>
-        <p:style>
-          <a:lnRef idx="1">
-            <a:schemeClr val="accent1"/>
-          </a:lnRef>
-          <a:fillRef idx="0">
-            <a:schemeClr val="accent1"/>
-          </a:fillRef>
-          <a:effectRef idx="0">
-            <a:schemeClr val="accent1"/>
-          </a:effectRef>
-          <a:fontRef idx="minor">
-            <a:schemeClr val="tx1"/>
-          </a:fontRef>
-        </p:style>
-      </p:cxnSp>
-      <p:cxnSp>
-        <p:nvCxnSpPr>
-          <p:cNvPr id="36" name="연결선: 꺾임 35">
-            <a:extLst>
-              <a:ext uri="{FF2B5EF4-FFF2-40B4-BE49-F238E27FC236}">
-                <a16:creationId xmlns:a16="http://schemas.microsoft.com/office/drawing/2014/main" id="{C60B667C-90CE-4F74-A24F-67604B00D56B}"/>
-              </a:ext>
-            </a:extLst>
-          </p:cNvPr>
-          <p:cNvCxnSpPr>
-            <a:stCxn id="24" idx="3"/>
-            <a:endCxn id="6" idx="0"/>
-          </p:cNvCxnSpPr>
-          <p:nvPr/>
-        </p:nvCxnSpPr>
-        <p:spPr>
-          <a:xfrm>
-            <a:off x="7017331" y="1959178"/>
-            <a:ext cx="3152904" cy="1023510"/>
-          </a:xfrm>
-          <a:prstGeom prst="bentConnector2">
-            <a:avLst/>
-          </a:prstGeom>
+          <a:ln>
+            <a:tailEnd type="triangle"/>
+          </a:ln>
         </p:spPr>
         <p:style>
           <a:lnRef idx="1">
@@ -5696,30 +6965,48 @@
           </a:bodyPr>
           <a:lstStyle/>
           <a:p>
-            <a:pPr algn="ctr">
+            <a:pPr marL="0" marR="0" lvl="0" indent="0" algn="ctr" defTabSz="914400" rtl="0" eaLnBrk="1" fontAlgn="auto" latinLnBrk="1" hangingPunct="1">
               <a:lnSpc>
                 <a:spcPct val="150000"/>
               </a:lnSpc>
+              <a:spcBef>
+                <a:spcPts val="0"/>
+              </a:spcBef>
+              <a:spcAft>
+                <a:spcPts val="0"/>
+              </a:spcAft>
+              <a:buClrTx/>
+              <a:buSzTx/>
+              <a:buFontTx/>
+              <a:buNone/>
+              <a:tabLst/>
+              <a:defRPr/>
             </a:pPr>
             <a:r>
-              <a:rPr lang="en-US" altLang="ko-KR" sz="2800" b="1" spc="-150" dirty="0">
+              <a:rPr kumimoji="0" lang="en-US" altLang="ko-KR" sz="2800" b="1" i="0" u="none" strike="noStrike" kern="1200" cap="none" spc="-150" normalizeH="0" baseline="0" noProof="0" dirty="0">
+                <a:ln>
+                  <a:noFill/>
+                </a:ln>
                 <a:gradFill>
                   <a:gsLst>
                     <a:gs pos="83000">
-                      <a:schemeClr val="tx1">
-                        <a:lumMod val="75000"/>
-                        <a:lumOff val="25000"/>
-                      </a:schemeClr>
+                      <a:prstClr val="black">
+                        <a:lumMod val="75000"/>
+                        <a:lumOff val="25000"/>
+                      </a:prstClr>
                     </a:gs>
                     <a:gs pos="100000">
-                      <a:schemeClr val="tx1">
-                        <a:lumMod val="75000"/>
-                        <a:lumOff val="25000"/>
-                      </a:schemeClr>
+                      <a:prstClr val="black">
+                        <a:lumMod val="75000"/>
+                        <a:lumOff val="25000"/>
+                      </a:prstClr>
                     </a:gs>
                   </a:gsLst>
                   <a:lin ang="5400000" scaled="1"/>
                 </a:gradFill>
+                <a:effectLst/>
+                <a:uLnTx/>
+                <a:uFillTx/>
                 <a:latin typeface="Malgun Gothic Semilight" panose="020B0502040204020203" pitchFamily="50" charset="-127"/>
                 <a:ea typeface="Malgun Gothic Semilight" panose="020B0502040204020203" pitchFamily="50" charset="-127"/>
                 <a:cs typeface="Malgun Gothic Semilight" panose="020B0502040204020203" pitchFamily="50" charset="-127"/>
@@ -5727,24 +7014,30 @@
               <a:t>JSP</a:t>
             </a:r>
             <a:r>
-              <a:rPr lang="ko-KR" altLang="en-US" sz="2800" b="1" spc="-150" dirty="0">
+              <a:rPr kumimoji="0" lang="ko-KR" altLang="en-US" sz="2800" b="1" i="0" u="none" strike="noStrike" kern="1200" cap="none" spc="-150" normalizeH="0" baseline="0" noProof="0" dirty="0">
+                <a:ln>
+                  <a:noFill/>
+                </a:ln>
                 <a:gradFill>
                   <a:gsLst>
                     <a:gs pos="83000">
-                      <a:schemeClr val="tx1">
-                        <a:lumMod val="75000"/>
-                        <a:lumOff val="25000"/>
-                      </a:schemeClr>
+                      <a:prstClr val="black">
+                        <a:lumMod val="75000"/>
+                        <a:lumOff val="25000"/>
+                      </a:prstClr>
                     </a:gs>
                     <a:gs pos="100000">
-                      <a:schemeClr val="tx1">
-                        <a:lumMod val="75000"/>
-                        <a:lumOff val="25000"/>
-                      </a:schemeClr>
+                      <a:prstClr val="black">
+                        <a:lumMod val="75000"/>
+                        <a:lumOff val="25000"/>
+                      </a:prstClr>
                     </a:gs>
                   </a:gsLst>
                   <a:lin ang="5400000" scaled="1"/>
                 </a:gradFill>
+                <a:effectLst/>
+                <a:uLnTx/>
+                <a:uFillTx/>
                 <a:latin typeface="Malgun Gothic Semilight" panose="020B0502040204020203" pitchFamily="50" charset="-127"/>
                 <a:ea typeface="Malgun Gothic Semilight" panose="020B0502040204020203" pitchFamily="50" charset="-127"/>
                 <a:cs typeface="Malgun Gothic Semilight" panose="020B0502040204020203" pitchFamily="50" charset="-127"/>
@@ -5752,24 +7045,30 @@
               <a:t> </a:t>
             </a:r>
             <a:r>
-              <a:rPr lang="en-US" altLang="ko-KR" sz="2800" b="1" spc="-150" dirty="0">
+              <a:rPr kumimoji="0" lang="en-US" altLang="ko-KR" sz="2800" b="1" i="0" u="none" strike="noStrike" kern="1200" cap="none" spc="-150" normalizeH="0" baseline="0" noProof="0" dirty="0">
+                <a:ln>
+                  <a:noFill/>
+                </a:ln>
                 <a:gradFill>
                   <a:gsLst>
                     <a:gs pos="83000">
-                      <a:schemeClr val="tx1">
-                        <a:lumMod val="75000"/>
-                        <a:lumOff val="25000"/>
-                      </a:schemeClr>
+                      <a:prstClr val="black">
+                        <a:lumMod val="75000"/>
+                        <a:lumOff val="25000"/>
+                      </a:prstClr>
                     </a:gs>
                     <a:gs pos="100000">
-                      <a:schemeClr val="tx1">
-                        <a:lumMod val="75000"/>
-                        <a:lumOff val="25000"/>
-                      </a:schemeClr>
+                      <a:prstClr val="black">
+                        <a:lumMod val="75000"/>
+                        <a:lumOff val="25000"/>
+                      </a:prstClr>
                     </a:gs>
                   </a:gsLst>
                   <a:lin ang="5400000" scaled="1"/>
                 </a:gradFill>
+                <a:effectLst/>
+                <a:uLnTx/>
+                <a:uFillTx/>
                 <a:latin typeface="Malgun Gothic Semilight" panose="020B0502040204020203" pitchFamily="50" charset="-127"/>
                 <a:ea typeface="Malgun Gothic Semilight" panose="020B0502040204020203" pitchFamily="50" charset="-127"/>
                 <a:cs typeface="Malgun Gothic Semilight" panose="020B0502040204020203" pitchFamily="50" charset="-127"/>
@@ -5807,75 +7106,553 @@
           </a:bodyPr>
           <a:lstStyle/>
           <a:p>
-            <a:pPr algn="ctr">
+            <a:pPr marL="0" marR="0" lvl="0" indent="0" algn="ctr" defTabSz="914400" rtl="0" eaLnBrk="1" fontAlgn="auto" latinLnBrk="1" hangingPunct="1">
               <a:lnSpc>
                 <a:spcPct val="150000"/>
               </a:lnSpc>
+              <a:spcBef>
+                <a:spcPts val="0"/>
+              </a:spcBef>
+              <a:spcAft>
+                <a:spcPts val="0"/>
+              </a:spcAft>
+              <a:buClrTx/>
+              <a:buSzTx/>
+              <a:buFontTx/>
+              <a:buNone/>
+              <a:tabLst/>
+              <a:defRPr/>
             </a:pPr>
             <a:r>
-              <a:rPr lang="en-US" altLang="ko-KR" sz="2000" spc="-150" dirty="0">
+              <a:rPr kumimoji="0" lang="en-US" altLang="ko-KR" sz="2000" b="0" i="0" u="none" strike="noStrike" kern="1200" cap="none" spc="-150" normalizeH="0" baseline="0" noProof="0" dirty="0">
+                <a:ln>
+                  <a:noFill/>
+                </a:ln>
                 <a:gradFill>
                   <a:gsLst>
                     <a:gs pos="83000">
-                      <a:schemeClr val="tx1">
-                        <a:lumMod val="75000"/>
-                        <a:lumOff val="25000"/>
-                      </a:schemeClr>
+                      <a:prstClr val="black">
+                        <a:lumMod val="75000"/>
+                        <a:lumOff val="25000"/>
+                      </a:prstClr>
                     </a:gs>
                     <a:gs pos="100000">
-                      <a:schemeClr val="tx1">
-                        <a:lumMod val="75000"/>
-                        <a:lumOff val="25000"/>
-                      </a:schemeClr>
+                      <a:prstClr val="black">
+                        <a:lumMod val="75000"/>
+                        <a:lumOff val="25000"/>
+                      </a:prstClr>
                     </a:gs>
                   </a:gsLst>
                   <a:lin ang="5400000" scaled="1"/>
                 </a:gradFill>
+                <a:effectLst/>
+                <a:uLnTx/>
+                <a:uFillTx/>
                 <a:latin typeface="Malgun Gothic Semilight" panose="020B0502040204020203" pitchFamily="50" charset="-127"/>
                 <a:ea typeface="Malgun Gothic Semilight" panose="020B0502040204020203" pitchFamily="50" charset="-127"/>
                 <a:cs typeface="Malgun Gothic Semilight" panose="020B0502040204020203" pitchFamily="50" charset="-127"/>
               </a:rPr>
-              <a:t>DFD</a:t>
+              <a:t>UI Navigator – Root auth</a:t>
             </a:r>
           </a:p>
         </p:txBody>
       </p:sp>
-      <p:pic>
-        <p:nvPicPr>
-          <p:cNvPr id="2" name="그림 1">
+      <p:sp>
+        <p:nvSpPr>
+          <p:cNvPr id="2" name="직사각형 1">
             <a:extLst>
               <a:ext uri="{FF2B5EF4-FFF2-40B4-BE49-F238E27FC236}">
-                <a16:creationId xmlns:a16="http://schemas.microsoft.com/office/drawing/2014/main" id="{09827627-BE65-4694-810C-5B2810550869}"/>
+                <a16:creationId xmlns:a16="http://schemas.microsoft.com/office/drawing/2014/main" id="{47FF170D-4F61-46BA-9729-874CB20881B6}"/>
               </a:ext>
             </a:extLst>
           </p:cNvPr>
-          <p:cNvPicPr>
-            <a:picLocks noChangeAspect="1"/>
-          </p:cNvPicPr>
+          <p:cNvSpPr/>
           <p:nvPr/>
-        </p:nvPicPr>
-        <p:blipFill>
-          <a:blip r:embed="rId2"/>
-          <a:stretch>
-            <a:fillRect/>
-          </a:stretch>
-        </p:blipFill>
+        </p:nvSpPr>
         <p:spPr>
           <a:xfrm>
-            <a:off x="2911968" y="1016109"/>
-            <a:ext cx="6368062" cy="3609334"/>
+            <a:off x="1111319" y="1508454"/>
+            <a:ext cx="1842664" cy="892629"/>
           </a:xfrm>
           <a:prstGeom prst="rect">
             <a:avLst/>
           </a:prstGeom>
+          <a:solidFill>
+            <a:schemeClr val="accent1">
+              <a:lumMod val="60000"/>
+              <a:lumOff val="40000"/>
+            </a:schemeClr>
+          </a:solidFill>
         </p:spPr>
-      </p:pic>
+        <p:style>
+          <a:lnRef idx="2">
+            <a:schemeClr val="accent4">
+              <a:shade val="50000"/>
+            </a:schemeClr>
+          </a:lnRef>
+          <a:fillRef idx="1">
+            <a:schemeClr val="accent4"/>
+          </a:fillRef>
+          <a:effectRef idx="0">
+            <a:schemeClr val="accent4"/>
+          </a:effectRef>
+          <a:fontRef idx="minor">
+            <a:schemeClr val="lt1"/>
+          </a:fontRef>
+        </p:style>
+        <p:txBody>
+          <a:bodyPr rtlCol="0" anchor="ctr"/>
+          <a:lstStyle/>
+          <a:p>
+            <a:pPr marL="0" marR="0" lvl="0" indent="0" algn="ctr" defTabSz="914400" rtl="0" eaLnBrk="1" fontAlgn="auto" latinLnBrk="1" hangingPunct="1">
+              <a:lnSpc>
+                <a:spcPct val="100000"/>
+              </a:lnSpc>
+              <a:spcBef>
+                <a:spcPts val="0"/>
+              </a:spcBef>
+              <a:spcAft>
+                <a:spcPts val="0"/>
+              </a:spcAft>
+              <a:buClrTx/>
+              <a:buSzTx/>
+              <a:buFontTx/>
+              <a:buNone/>
+              <a:tabLst/>
+              <a:defRPr/>
+            </a:pPr>
+            <a:r>
+              <a:rPr kumimoji="0" lang="en-US" altLang="ko-KR" sz="1800" b="0" i="0" u="none" strike="noStrike" kern="1200" cap="none" spc="0" normalizeH="0" baseline="0" noProof="0" dirty="0">
+                <a:ln>
+                  <a:noFill/>
+                </a:ln>
+                <a:solidFill>
+                  <a:prstClr val="white"/>
+                </a:solidFill>
+                <a:effectLst/>
+                <a:uLnTx/>
+                <a:uFillTx/>
+                <a:latin typeface="맑은 고딕" panose="020F0502020204030204"/>
+                <a:ea typeface="맑은 고딕" panose="020B0503020000020004" pitchFamily="50" charset="-127"/>
+                <a:cs typeface="+mn-cs"/>
+              </a:rPr>
+              <a:t>Portfolio</a:t>
+            </a:r>
+            <a:endParaRPr kumimoji="0" lang="ko-KR" altLang="en-US" sz="1800" b="0" i="0" u="none" strike="noStrike" kern="1200" cap="none" spc="0" normalizeH="0" baseline="0" noProof="0" dirty="0">
+              <a:ln>
+                <a:noFill/>
+              </a:ln>
+              <a:solidFill>
+                <a:prstClr val="white"/>
+              </a:solidFill>
+              <a:effectLst/>
+              <a:uLnTx/>
+              <a:uFillTx/>
+              <a:latin typeface="맑은 고딕" panose="020F0502020204030204"/>
+              <a:ea typeface="맑은 고딕" panose="020B0503020000020004" pitchFamily="50" charset="-127"/>
+              <a:cs typeface="+mn-cs"/>
+            </a:endParaRPr>
+          </a:p>
+        </p:txBody>
+      </p:sp>
       <p:sp>
         <p:nvSpPr>
-          <p:cNvPr id="5" name="TextBox 4">
+          <p:cNvPr id="5" name="직사각형 4">
             <a:extLst>
               <a:ext uri="{FF2B5EF4-FFF2-40B4-BE49-F238E27FC236}">
-                <a16:creationId xmlns:a16="http://schemas.microsoft.com/office/drawing/2014/main" id="{E8579C58-F85E-427E-8A52-3B2AA4899DF7}"/>
+                <a16:creationId xmlns:a16="http://schemas.microsoft.com/office/drawing/2014/main" id="{58FBF7D0-14FF-4DCD-97FD-6FF3582C1569}"/>
+              </a:ext>
+            </a:extLst>
+          </p:cNvPr>
+          <p:cNvSpPr/>
+          <p:nvPr/>
+        </p:nvSpPr>
+        <p:spPr>
+          <a:xfrm>
+            <a:off x="6579669" y="1508451"/>
+            <a:ext cx="1842664" cy="892629"/>
+          </a:xfrm>
+          <a:prstGeom prst="rect">
+            <a:avLst/>
+          </a:prstGeom>
+          <a:solidFill>
+            <a:schemeClr val="accent1">
+              <a:lumMod val="60000"/>
+              <a:lumOff val="40000"/>
+            </a:schemeClr>
+          </a:solidFill>
+        </p:spPr>
+        <p:style>
+          <a:lnRef idx="2">
+            <a:schemeClr val="accent4">
+              <a:shade val="50000"/>
+            </a:schemeClr>
+          </a:lnRef>
+          <a:fillRef idx="1">
+            <a:schemeClr val="accent4"/>
+          </a:fillRef>
+          <a:effectRef idx="0">
+            <a:schemeClr val="accent4"/>
+          </a:effectRef>
+          <a:fontRef idx="minor">
+            <a:schemeClr val="lt1"/>
+          </a:fontRef>
+        </p:style>
+        <p:txBody>
+          <a:bodyPr rtlCol="0" anchor="ctr"/>
+          <a:lstStyle/>
+          <a:p>
+            <a:pPr marL="0" marR="0" lvl="0" indent="0" algn="ctr" defTabSz="914400" rtl="0" eaLnBrk="1" fontAlgn="auto" latinLnBrk="1" hangingPunct="1">
+              <a:lnSpc>
+                <a:spcPct val="100000"/>
+              </a:lnSpc>
+              <a:spcBef>
+                <a:spcPts val="0"/>
+              </a:spcBef>
+              <a:spcAft>
+                <a:spcPts val="0"/>
+              </a:spcAft>
+              <a:buClrTx/>
+              <a:buSzTx/>
+              <a:buFontTx/>
+              <a:buNone/>
+              <a:tabLst/>
+              <a:defRPr/>
+            </a:pPr>
+            <a:r>
+              <a:rPr kumimoji="0" lang="en-US" altLang="ko-KR" sz="1800" b="0" i="0" u="none" strike="noStrike" kern="1200" cap="none" spc="0" normalizeH="0" baseline="0" noProof="0" dirty="0">
+                <a:ln>
+                  <a:noFill/>
+                </a:ln>
+                <a:solidFill>
+                  <a:prstClr val="white"/>
+                </a:solidFill>
+                <a:effectLst/>
+                <a:uLnTx/>
+                <a:uFillTx/>
+                <a:latin typeface="맑은 고딕" panose="020F0502020204030204"/>
+                <a:ea typeface="맑은 고딕" panose="020B0503020000020004" pitchFamily="50" charset="-127"/>
+                <a:cs typeface="+mn-cs"/>
+              </a:rPr>
+              <a:t>About Me</a:t>
+            </a:r>
+            <a:endParaRPr kumimoji="0" lang="ko-KR" altLang="en-US" sz="1800" b="0" i="0" u="none" strike="noStrike" kern="1200" cap="none" spc="0" normalizeH="0" baseline="0" noProof="0" dirty="0">
+              <a:ln>
+                <a:noFill/>
+              </a:ln>
+              <a:solidFill>
+                <a:prstClr val="white"/>
+              </a:solidFill>
+              <a:effectLst/>
+              <a:uLnTx/>
+              <a:uFillTx/>
+              <a:latin typeface="맑은 고딕" panose="020F0502020204030204"/>
+              <a:ea typeface="맑은 고딕" panose="020B0503020000020004" pitchFamily="50" charset="-127"/>
+              <a:cs typeface="+mn-cs"/>
+            </a:endParaRPr>
+          </a:p>
+        </p:txBody>
+      </p:sp>
+      <p:sp>
+        <p:nvSpPr>
+          <p:cNvPr id="6" name="직사각형 5">
+            <a:extLst>
+              <a:ext uri="{FF2B5EF4-FFF2-40B4-BE49-F238E27FC236}">
+                <a16:creationId xmlns:a16="http://schemas.microsoft.com/office/drawing/2014/main" id="{E83F47E7-7071-45A8-B913-D9EC81B62EF6}"/>
+              </a:ext>
+            </a:extLst>
+          </p:cNvPr>
+          <p:cNvSpPr/>
+          <p:nvPr/>
+        </p:nvSpPr>
+        <p:spPr>
+          <a:xfrm>
+            <a:off x="9325103" y="1508454"/>
+            <a:ext cx="1842664" cy="892629"/>
+          </a:xfrm>
+          <a:prstGeom prst="rect">
+            <a:avLst/>
+          </a:prstGeom>
+          <a:solidFill>
+            <a:schemeClr val="accent1">
+              <a:lumMod val="60000"/>
+              <a:lumOff val="40000"/>
+            </a:schemeClr>
+          </a:solidFill>
+        </p:spPr>
+        <p:style>
+          <a:lnRef idx="2">
+            <a:schemeClr val="accent4">
+              <a:shade val="50000"/>
+            </a:schemeClr>
+          </a:lnRef>
+          <a:fillRef idx="1">
+            <a:schemeClr val="accent4"/>
+          </a:fillRef>
+          <a:effectRef idx="0">
+            <a:schemeClr val="accent4"/>
+          </a:effectRef>
+          <a:fontRef idx="minor">
+            <a:schemeClr val="lt1"/>
+          </a:fontRef>
+        </p:style>
+        <p:txBody>
+          <a:bodyPr rtlCol="0" anchor="ctr"/>
+          <a:lstStyle/>
+          <a:p>
+            <a:pPr marL="0" marR="0" lvl="0" indent="0" algn="ctr" defTabSz="914400" rtl="0" eaLnBrk="1" fontAlgn="auto" latinLnBrk="1" hangingPunct="1">
+              <a:lnSpc>
+                <a:spcPct val="100000"/>
+              </a:lnSpc>
+              <a:spcBef>
+                <a:spcPts val="0"/>
+              </a:spcBef>
+              <a:spcAft>
+                <a:spcPts val="0"/>
+              </a:spcAft>
+              <a:buClrTx/>
+              <a:buSzTx/>
+              <a:buFontTx/>
+              <a:buNone/>
+              <a:tabLst/>
+              <a:defRPr/>
+            </a:pPr>
+            <a:r>
+              <a:rPr kumimoji="0" lang="en-US" altLang="ko-KR" sz="1800" b="0" i="0" u="none" strike="noStrike" kern="1200" cap="none" spc="0" normalizeH="0" baseline="0" noProof="0" dirty="0">
+                <a:ln>
+                  <a:noFill/>
+                </a:ln>
+                <a:solidFill>
+                  <a:prstClr val="white"/>
+                </a:solidFill>
+                <a:effectLst/>
+                <a:uLnTx/>
+                <a:uFillTx/>
+                <a:latin typeface="맑은 고딕" panose="020F0502020204030204"/>
+                <a:ea typeface="맑은 고딕" panose="020B0503020000020004" pitchFamily="50" charset="-127"/>
+                <a:cs typeface="+mn-cs"/>
+              </a:rPr>
+              <a:t>Contact</a:t>
+            </a:r>
+            <a:endParaRPr kumimoji="0" lang="ko-KR" altLang="en-US" sz="1800" b="0" i="0" u="none" strike="noStrike" kern="1200" cap="none" spc="0" normalizeH="0" baseline="0" noProof="0" dirty="0">
+              <a:ln>
+                <a:noFill/>
+              </a:ln>
+              <a:solidFill>
+                <a:prstClr val="white"/>
+              </a:solidFill>
+              <a:effectLst/>
+              <a:uLnTx/>
+              <a:uFillTx/>
+              <a:latin typeface="맑은 고딕" panose="020F0502020204030204"/>
+              <a:ea typeface="맑은 고딕" panose="020B0503020000020004" pitchFamily="50" charset="-127"/>
+              <a:cs typeface="+mn-cs"/>
+            </a:endParaRPr>
+          </a:p>
+        </p:txBody>
+      </p:sp>
+      <p:sp>
+        <p:nvSpPr>
+          <p:cNvPr id="7" name="직사각형 6">
+            <a:extLst>
+              <a:ext uri="{FF2B5EF4-FFF2-40B4-BE49-F238E27FC236}">
+                <a16:creationId xmlns:a16="http://schemas.microsoft.com/office/drawing/2014/main" id="{8A3D3B14-1C55-43D7-BD86-D0EA71CE119A}"/>
+              </a:ext>
+            </a:extLst>
+          </p:cNvPr>
+          <p:cNvSpPr/>
+          <p:nvPr/>
+        </p:nvSpPr>
+        <p:spPr>
+          <a:xfrm>
+            <a:off x="3834236" y="1508451"/>
+            <a:ext cx="1842664" cy="892629"/>
+          </a:xfrm>
+          <a:prstGeom prst="rect">
+            <a:avLst/>
+          </a:prstGeom>
+          <a:solidFill>
+            <a:schemeClr val="accent1">
+              <a:lumMod val="60000"/>
+              <a:lumOff val="40000"/>
+            </a:schemeClr>
+          </a:solidFill>
+        </p:spPr>
+        <p:style>
+          <a:lnRef idx="2">
+            <a:schemeClr val="accent4">
+              <a:shade val="50000"/>
+            </a:schemeClr>
+          </a:lnRef>
+          <a:fillRef idx="1">
+            <a:schemeClr val="accent4"/>
+          </a:fillRef>
+          <a:effectRef idx="0">
+            <a:schemeClr val="accent4"/>
+          </a:effectRef>
+          <a:fontRef idx="minor">
+            <a:schemeClr val="lt1"/>
+          </a:fontRef>
+        </p:style>
+        <p:txBody>
+          <a:bodyPr rtlCol="0" anchor="ctr"/>
+          <a:lstStyle/>
+          <a:p>
+            <a:pPr marL="0" marR="0" lvl="0" indent="0" algn="ctr" defTabSz="914400" rtl="0" eaLnBrk="1" fontAlgn="auto" latinLnBrk="1" hangingPunct="1">
+              <a:lnSpc>
+                <a:spcPct val="100000"/>
+              </a:lnSpc>
+              <a:spcBef>
+                <a:spcPts val="0"/>
+              </a:spcBef>
+              <a:spcAft>
+                <a:spcPts val="0"/>
+              </a:spcAft>
+              <a:buClrTx/>
+              <a:buSzTx/>
+              <a:buFontTx/>
+              <a:buNone/>
+              <a:tabLst/>
+              <a:defRPr/>
+            </a:pPr>
+            <a:r>
+              <a:rPr kumimoji="0" lang="en-US" altLang="ko-KR" sz="1800" b="0" i="0" u="none" strike="noStrike" kern="1200" cap="none" spc="0" normalizeH="0" baseline="0" noProof="0" dirty="0">
+                <a:ln>
+                  <a:noFill/>
+                </a:ln>
+                <a:solidFill>
+                  <a:prstClr val="white"/>
+                </a:solidFill>
+                <a:effectLst/>
+                <a:uLnTx/>
+                <a:uFillTx/>
+                <a:latin typeface="맑은 고딕" panose="020F0502020204030204"/>
+                <a:ea typeface="맑은 고딕" panose="020B0503020000020004" pitchFamily="50" charset="-127"/>
+                <a:cs typeface="+mn-cs"/>
+              </a:rPr>
+              <a:t>Journey</a:t>
+            </a:r>
+            <a:endParaRPr kumimoji="0" lang="ko-KR" altLang="en-US" sz="1800" b="0" i="0" u="none" strike="noStrike" kern="1200" cap="none" spc="0" normalizeH="0" baseline="0" noProof="0" dirty="0">
+              <a:ln>
+                <a:noFill/>
+              </a:ln>
+              <a:solidFill>
+                <a:prstClr val="white"/>
+              </a:solidFill>
+              <a:effectLst/>
+              <a:uLnTx/>
+              <a:uFillTx/>
+              <a:latin typeface="맑은 고딕" panose="020F0502020204030204"/>
+              <a:ea typeface="맑은 고딕" panose="020B0503020000020004" pitchFamily="50" charset="-127"/>
+              <a:cs typeface="+mn-cs"/>
+            </a:endParaRPr>
+          </a:p>
+        </p:txBody>
+      </p:sp>
+      <p:sp>
+        <p:nvSpPr>
+          <p:cNvPr id="8" name="직사각형 7">
+            <a:extLst>
+              <a:ext uri="{FF2B5EF4-FFF2-40B4-BE49-F238E27FC236}">
+                <a16:creationId xmlns:a16="http://schemas.microsoft.com/office/drawing/2014/main" id="{E607C71A-4975-48FC-A34C-F295A23EA1C3}"/>
+              </a:ext>
+            </a:extLst>
+          </p:cNvPr>
+          <p:cNvSpPr/>
+          <p:nvPr/>
+        </p:nvSpPr>
+        <p:spPr>
+          <a:xfrm>
+            <a:off x="8056285" y="2893425"/>
+            <a:ext cx="1842664" cy="892629"/>
+          </a:xfrm>
+          <a:prstGeom prst="rect">
+            <a:avLst/>
+          </a:prstGeom>
+          <a:solidFill>
+            <a:schemeClr val="accent1">
+              <a:lumMod val="60000"/>
+              <a:lumOff val="40000"/>
+            </a:schemeClr>
+          </a:solidFill>
+        </p:spPr>
+        <p:style>
+          <a:lnRef idx="2">
+            <a:schemeClr val="accent4">
+              <a:shade val="50000"/>
+            </a:schemeClr>
+          </a:lnRef>
+          <a:fillRef idx="1">
+            <a:schemeClr val="accent4"/>
+          </a:fillRef>
+          <a:effectRef idx="0">
+            <a:schemeClr val="accent4"/>
+          </a:effectRef>
+          <a:fontRef idx="minor">
+            <a:schemeClr val="lt1"/>
+          </a:fontRef>
+        </p:style>
+        <p:txBody>
+          <a:bodyPr rtlCol="0" anchor="ctr"/>
+          <a:lstStyle/>
+          <a:p>
+            <a:pPr marL="0" marR="0" lvl="0" indent="0" algn="ctr" defTabSz="914400" rtl="0" eaLnBrk="1" fontAlgn="auto" latinLnBrk="1" hangingPunct="1">
+              <a:lnSpc>
+                <a:spcPct val="100000"/>
+              </a:lnSpc>
+              <a:spcBef>
+                <a:spcPts val="0"/>
+              </a:spcBef>
+              <a:spcAft>
+                <a:spcPts val="0"/>
+              </a:spcAft>
+              <a:buClrTx/>
+              <a:buSzTx/>
+              <a:buFontTx/>
+              <a:buNone/>
+              <a:tabLst/>
+              <a:defRPr/>
+            </a:pPr>
+            <a:r>
+              <a:rPr kumimoji="0" lang="en-US" altLang="ko-KR" sz="1800" b="0" i="0" u="none" strike="noStrike" kern="1200" cap="none" spc="0" normalizeH="0" baseline="0" noProof="0" dirty="0">
+                <a:ln>
+                  <a:noFill/>
+                </a:ln>
+                <a:solidFill>
+                  <a:prstClr val="white"/>
+                </a:solidFill>
+                <a:effectLst/>
+                <a:uLnTx/>
+                <a:uFillTx/>
+                <a:latin typeface="맑은 고딕" panose="020F0502020204030204"/>
+                <a:ea typeface="맑은 고딕" panose="020B0503020000020004" pitchFamily="50" charset="-127"/>
+                <a:cs typeface="+mn-cs"/>
+              </a:rPr>
+              <a:t>Logout</a:t>
+            </a:r>
+            <a:endParaRPr kumimoji="0" lang="ko-KR" altLang="en-US" sz="1800" b="0" i="0" u="none" strike="noStrike" kern="1200" cap="none" spc="0" normalizeH="0" baseline="0" noProof="0" dirty="0">
+              <a:ln>
+                <a:noFill/>
+              </a:ln>
+              <a:solidFill>
+                <a:prstClr val="white"/>
+              </a:solidFill>
+              <a:effectLst/>
+              <a:uLnTx/>
+              <a:uFillTx/>
+              <a:latin typeface="맑은 고딕" panose="020F0502020204030204"/>
+              <a:ea typeface="맑은 고딕" panose="020B0503020000020004" pitchFamily="50" charset="-127"/>
+              <a:cs typeface="+mn-cs"/>
+            </a:endParaRPr>
+          </a:p>
+        </p:txBody>
+      </p:sp>
+      <p:sp>
+        <p:nvSpPr>
+          <p:cNvPr id="10" name="TextBox 9">
+            <a:extLst>
+              <a:ext uri="{FF2B5EF4-FFF2-40B4-BE49-F238E27FC236}">
+                <a16:creationId xmlns:a16="http://schemas.microsoft.com/office/drawing/2014/main" id="{66E336EA-0816-4177-BDF7-CF3F8DDB446F}"/>
               </a:ext>
             </a:extLst>
           </p:cNvPr>
@@ -5884,18 +7661,13 @@
         </p:nvSpPr>
         <p:spPr>
           <a:xfrm>
-            <a:off x="1951520" y="4537335"/>
-            <a:ext cx="3477924" cy="1879489"/>
+            <a:off x="6945717" y="1094427"/>
+            <a:ext cx="1110568" cy="414024"/>
           </a:xfrm>
           <a:prstGeom prst="rect">
             <a:avLst/>
           </a:prstGeom>
-          <a:solidFill>
-            <a:schemeClr val="tx2">
-              <a:lumMod val="20000"/>
-              <a:lumOff val="80000"/>
-            </a:schemeClr>
-          </a:solidFill>
+          <a:noFill/>
         </p:spPr>
         <p:txBody>
           <a:bodyPr wrap="square" rtlCol="0">
@@ -5903,781 +7675,1155 @@
           </a:bodyPr>
           <a:lstStyle/>
           <a:p>
-            <a:pPr algn="ctr">
+            <a:pPr marL="0" marR="0" lvl="0" indent="0" algn="ctr" defTabSz="914400" rtl="0" eaLnBrk="1" fontAlgn="auto" latinLnBrk="1" hangingPunct="1">
               <a:lnSpc>
                 <a:spcPct val="150000"/>
               </a:lnSpc>
+              <a:spcBef>
+                <a:spcPts val="0"/>
+              </a:spcBef>
+              <a:spcAft>
+                <a:spcPts val="0"/>
+              </a:spcAft>
+              <a:buClrTx/>
+              <a:buSzTx/>
+              <a:buFontTx/>
+              <a:buNone/>
+              <a:tabLst/>
+              <a:defRPr/>
             </a:pPr>
             <a:r>
-              <a:rPr lang="en-US" altLang="ko-KR" sz="2000" spc="-150" dirty="0">
+              <a:rPr kumimoji="0" lang="en-US" altLang="ko-KR" sz="1600" b="0" i="0" u="none" strike="noStrike" kern="1200" cap="none" spc="-150" normalizeH="0" baseline="0" noProof="0" dirty="0">
+                <a:ln>
+                  <a:noFill/>
+                </a:ln>
                 <a:gradFill>
                   <a:gsLst>
                     <a:gs pos="83000">
-                      <a:schemeClr val="tx1">
-                        <a:lumMod val="75000"/>
-                        <a:lumOff val="25000"/>
-                      </a:schemeClr>
+                      <a:prstClr val="black">
+                        <a:lumMod val="75000"/>
+                        <a:lumOff val="25000"/>
+                      </a:prstClr>
                     </a:gs>
                     <a:gs pos="100000">
-                      <a:schemeClr val="tx1">
-                        <a:lumMod val="75000"/>
-                        <a:lumOff val="25000"/>
-                      </a:schemeClr>
+                      <a:prstClr val="black">
+                        <a:lumMod val="75000"/>
+                        <a:lumOff val="25000"/>
+                      </a:prstClr>
                     </a:gs>
                   </a:gsLst>
                   <a:lin ang="5400000" scaled="1"/>
                 </a:gradFill>
+                <a:effectLst/>
+                <a:uLnTx/>
+                <a:uFillTx/>
                 <a:latin typeface="Malgun Gothic Semilight" panose="020B0502040204020203" pitchFamily="50" charset="-127"/>
                 <a:ea typeface="Malgun Gothic Semilight" panose="020B0502040204020203" pitchFamily="50" charset="-127"/>
                 <a:cs typeface="Malgun Gothic Semilight" panose="020B0502040204020203" pitchFamily="50" charset="-127"/>
               </a:rPr>
-              <a:t>Id = </a:t>
-            </a:r>
-            <a:r>
-              <a:rPr lang="ko-KR" altLang="en-US" sz="2000" spc="-150" dirty="0">
-                <a:gradFill>
-                  <a:gsLst>
-                    <a:gs pos="83000">
-                      <a:schemeClr val="tx1">
-                        <a:lumMod val="75000"/>
-                        <a:lumOff val="25000"/>
-                      </a:schemeClr>
-                    </a:gs>
-                    <a:gs pos="100000">
-                      <a:schemeClr val="tx1">
-                        <a:lumMod val="75000"/>
-                        <a:lumOff val="25000"/>
-                      </a:schemeClr>
-                    </a:gs>
-                  </a:gsLst>
-                  <a:lin ang="5400000" scaled="1"/>
-                </a:gradFill>
-                <a:latin typeface="Malgun Gothic Semilight" panose="020B0502040204020203" pitchFamily="50" charset="-127"/>
-                <a:ea typeface="Malgun Gothic Semilight" panose="020B0502040204020203" pitchFamily="50" charset="-127"/>
-                <a:cs typeface="Malgun Gothic Semilight" panose="020B0502040204020203" pitchFamily="50" charset="-127"/>
-              </a:rPr>
-              <a:t>활동번호</a:t>
-            </a:r>
-            <a:endParaRPr lang="en-US" altLang="ko-KR" sz="2000" spc="-150" dirty="0">
-              <a:gradFill>
-                <a:gsLst>
-                  <a:gs pos="83000">
-                    <a:schemeClr val="tx1">
-                      <a:lumMod val="75000"/>
-                      <a:lumOff val="25000"/>
-                    </a:schemeClr>
-                  </a:gs>
-                  <a:gs pos="100000">
-                    <a:schemeClr val="tx1">
-                      <a:lumMod val="75000"/>
-                      <a:lumOff val="25000"/>
-                    </a:schemeClr>
-                  </a:gs>
-                </a:gsLst>
-                <a:lin ang="5400000" scaled="1"/>
-              </a:gradFill>
-              <a:latin typeface="Malgun Gothic Semilight" panose="020B0502040204020203" pitchFamily="50" charset="-127"/>
-              <a:ea typeface="Malgun Gothic Semilight" panose="020B0502040204020203" pitchFamily="50" charset="-127"/>
-              <a:cs typeface="Malgun Gothic Semilight" panose="020B0502040204020203" pitchFamily="50" charset="-127"/>
-            </a:endParaRPr>
-          </a:p>
-          <a:p>
-            <a:pPr algn="ctr">
-              <a:lnSpc>
-                <a:spcPct val="150000"/>
-              </a:lnSpc>
-            </a:pPr>
-            <a:r>
-              <a:rPr lang="en-US" altLang="ko-KR" sz="2000" spc="-150" dirty="0">
-                <a:gradFill>
-                  <a:gsLst>
-                    <a:gs pos="83000">
-                      <a:schemeClr val="tx1">
-                        <a:lumMod val="75000"/>
-                        <a:lumOff val="25000"/>
-                      </a:schemeClr>
-                    </a:gs>
-                    <a:gs pos="100000">
-                      <a:schemeClr val="tx1">
-                        <a:lumMod val="75000"/>
-                        <a:lumOff val="25000"/>
-                      </a:schemeClr>
-                    </a:gs>
-                  </a:gsLst>
-                  <a:lin ang="5400000" scaled="1"/>
-                </a:gradFill>
-                <a:latin typeface="Malgun Gothic Semilight" panose="020B0502040204020203" pitchFamily="50" charset="-127"/>
-                <a:ea typeface="Malgun Gothic Semilight" panose="020B0502040204020203" pitchFamily="50" charset="-127"/>
-                <a:cs typeface="Malgun Gothic Semilight" panose="020B0502040204020203" pitchFamily="50" charset="-127"/>
-              </a:rPr>
-              <a:t>Date = </a:t>
-            </a:r>
-            <a:r>
-              <a:rPr lang="ko-KR" altLang="en-US" sz="2000" spc="-150" dirty="0">
-                <a:gradFill>
-                  <a:gsLst>
-                    <a:gs pos="83000">
-                      <a:schemeClr val="tx1">
-                        <a:lumMod val="75000"/>
-                        <a:lumOff val="25000"/>
-                      </a:schemeClr>
-                    </a:gs>
-                    <a:gs pos="100000">
-                      <a:schemeClr val="tx1">
-                        <a:lumMod val="75000"/>
-                        <a:lumOff val="25000"/>
-                      </a:schemeClr>
-                    </a:gs>
-                  </a:gsLst>
-                  <a:lin ang="5400000" scaled="1"/>
-                </a:gradFill>
-                <a:latin typeface="Malgun Gothic Semilight" panose="020B0502040204020203" pitchFamily="50" charset="-127"/>
-                <a:ea typeface="Malgun Gothic Semilight" panose="020B0502040204020203" pitchFamily="50" charset="-127"/>
-                <a:cs typeface="Malgun Gothic Semilight" panose="020B0502040204020203" pitchFamily="50" charset="-127"/>
-              </a:rPr>
-              <a:t>활동일</a:t>
-            </a:r>
-            <a:endParaRPr lang="en-US" altLang="ko-KR" sz="2000" spc="-150" dirty="0">
-              <a:gradFill>
-                <a:gsLst>
-                  <a:gs pos="83000">
-                    <a:schemeClr val="tx1">
-                      <a:lumMod val="75000"/>
-                      <a:lumOff val="25000"/>
-                    </a:schemeClr>
-                  </a:gs>
-                  <a:gs pos="100000">
-                    <a:schemeClr val="tx1">
-                      <a:lumMod val="75000"/>
-                      <a:lumOff val="25000"/>
-                    </a:schemeClr>
-                  </a:gs>
-                </a:gsLst>
-                <a:lin ang="5400000" scaled="1"/>
-              </a:gradFill>
-              <a:latin typeface="Malgun Gothic Semilight" panose="020B0502040204020203" pitchFamily="50" charset="-127"/>
-              <a:ea typeface="Malgun Gothic Semilight" panose="020B0502040204020203" pitchFamily="50" charset="-127"/>
-              <a:cs typeface="Malgun Gothic Semilight" panose="020B0502040204020203" pitchFamily="50" charset="-127"/>
-            </a:endParaRPr>
-          </a:p>
-          <a:p>
-            <a:pPr algn="ctr">
-              <a:lnSpc>
-                <a:spcPct val="150000"/>
-              </a:lnSpc>
-            </a:pPr>
-            <a:r>
-              <a:rPr lang="en-US" altLang="ko-KR" sz="2000" spc="-150" dirty="0">
-                <a:gradFill>
-                  <a:gsLst>
-                    <a:gs pos="83000">
-                      <a:schemeClr val="tx1">
-                        <a:lumMod val="75000"/>
-                        <a:lumOff val="25000"/>
-                      </a:schemeClr>
-                    </a:gs>
-                    <a:gs pos="100000">
-                      <a:schemeClr val="tx1">
-                        <a:lumMod val="75000"/>
-                        <a:lumOff val="25000"/>
-                      </a:schemeClr>
-                    </a:gs>
-                  </a:gsLst>
-                  <a:lin ang="5400000" scaled="1"/>
-                </a:gradFill>
-                <a:latin typeface="Malgun Gothic Semilight" panose="020B0502040204020203" pitchFamily="50" charset="-127"/>
-                <a:ea typeface="Malgun Gothic Semilight" panose="020B0502040204020203" pitchFamily="50" charset="-127"/>
-                <a:cs typeface="Malgun Gothic Semilight" panose="020B0502040204020203" pitchFamily="50" charset="-127"/>
-              </a:rPr>
-              <a:t>Title = </a:t>
-            </a:r>
-            <a:r>
-              <a:rPr lang="ko-KR" altLang="en-US" sz="2000" spc="-150" dirty="0">
-                <a:gradFill>
-                  <a:gsLst>
-                    <a:gs pos="83000">
-                      <a:schemeClr val="tx1">
-                        <a:lumMod val="75000"/>
-                        <a:lumOff val="25000"/>
-                      </a:schemeClr>
-                    </a:gs>
-                    <a:gs pos="100000">
-                      <a:schemeClr val="tx1">
-                        <a:lumMod val="75000"/>
-                        <a:lumOff val="25000"/>
-                      </a:schemeClr>
-                    </a:gs>
-                  </a:gsLst>
-                  <a:lin ang="5400000" scaled="1"/>
-                </a:gradFill>
-                <a:latin typeface="Malgun Gothic Semilight" panose="020B0502040204020203" pitchFamily="50" charset="-127"/>
-                <a:ea typeface="Malgun Gothic Semilight" panose="020B0502040204020203" pitchFamily="50" charset="-127"/>
-                <a:cs typeface="Malgun Gothic Semilight" panose="020B0502040204020203" pitchFamily="50" charset="-127"/>
-              </a:rPr>
-              <a:t>활동</a:t>
-            </a:r>
-            <a:endParaRPr lang="en-US" altLang="ko-KR" sz="2000" spc="-150" dirty="0">
-              <a:gradFill>
-                <a:gsLst>
-                  <a:gs pos="83000">
-                    <a:schemeClr val="tx1">
-                      <a:lumMod val="75000"/>
-                      <a:lumOff val="25000"/>
-                    </a:schemeClr>
-                  </a:gs>
-                  <a:gs pos="100000">
-                    <a:schemeClr val="tx1">
-                      <a:lumMod val="75000"/>
-                      <a:lumOff val="25000"/>
-                    </a:schemeClr>
-                  </a:gs>
-                </a:gsLst>
-                <a:lin ang="5400000" scaled="1"/>
-              </a:gradFill>
-              <a:latin typeface="Malgun Gothic Semilight" panose="020B0502040204020203" pitchFamily="50" charset="-127"/>
-              <a:ea typeface="Malgun Gothic Semilight" panose="020B0502040204020203" pitchFamily="50" charset="-127"/>
-              <a:cs typeface="Malgun Gothic Semilight" panose="020B0502040204020203" pitchFamily="50" charset="-127"/>
-            </a:endParaRPr>
-          </a:p>
-          <a:p>
-            <a:pPr algn="ctr">
-              <a:lnSpc>
-                <a:spcPct val="150000"/>
-              </a:lnSpc>
-            </a:pPr>
-            <a:r>
-              <a:rPr lang="en-US" altLang="ko-KR" sz="2000" spc="-150" dirty="0">
-                <a:gradFill>
-                  <a:gsLst>
-                    <a:gs pos="83000">
-                      <a:schemeClr val="tx1">
-                        <a:lumMod val="75000"/>
-                        <a:lumOff val="25000"/>
-                      </a:schemeClr>
-                    </a:gs>
-                    <a:gs pos="100000">
-                      <a:schemeClr val="tx1">
-                        <a:lumMod val="75000"/>
-                        <a:lumOff val="25000"/>
-                      </a:schemeClr>
-                    </a:gs>
-                  </a:gsLst>
-                  <a:lin ang="5400000" scaled="1"/>
-                </a:gradFill>
-                <a:latin typeface="Malgun Gothic Semilight" panose="020B0502040204020203" pitchFamily="50" charset="-127"/>
-                <a:ea typeface="Malgun Gothic Semilight" panose="020B0502040204020203" pitchFamily="50" charset="-127"/>
-                <a:cs typeface="Malgun Gothic Semilight" panose="020B0502040204020203" pitchFamily="50" charset="-127"/>
-              </a:rPr>
-              <a:t>Description = </a:t>
-            </a:r>
-            <a:r>
-              <a:rPr lang="ko-KR" altLang="en-US" sz="2000" spc="-150" dirty="0">
-                <a:gradFill>
-                  <a:gsLst>
-                    <a:gs pos="83000">
-                      <a:schemeClr val="tx1">
-                        <a:lumMod val="75000"/>
-                        <a:lumOff val="25000"/>
-                      </a:schemeClr>
-                    </a:gs>
-                    <a:gs pos="100000">
-                      <a:schemeClr val="tx1">
-                        <a:lumMod val="75000"/>
-                        <a:lumOff val="25000"/>
-                      </a:schemeClr>
-                    </a:gs>
-                  </a:gsLst>
-                  <a:lin ang="5400000" scaled="1"/>
-                </a:gradFill>
-                <a:latin typeface="Malgun Gothic Semilight" panose="020B0502040204020203" pitchFamily="50" charset="-127"/>
-                <a:ea typeface="Malgun Gothic Semilight" panose="020B0502040204020203" pitchFamily="50" charset="-127"/>
-                <a:cs typeface="Malgun Gothic Semilight" panose="020B0502040204020203" pitchFamily="50" charset="-127"/>
-              </a:rPr>
-              <a:t>설명</a:t>
-            </a:r>
-            <a:endParaRPr lang="en-US" altLang="ko-KR" sz="2000" spc="-150" dirty="0">
-              <a:gradFill>
-                <a:gsLst>
-                  <a:gs pos="83000">
-                    <a:schemeClr val="tx1">
-                      <a:lumMod val="75000"/>
-                      <a:lumOff val="25000"/>
-                    </a:schemeClr>
-                  </a:gs>
-                  <a:gs pos="100000">
-                    <a:schemeClr val="tx1">
-                      <a:lumMod val="75000"/>
-                      <a:lumOff val="25000"/>
-                    </a:schemeClr>
-                  </a:gs>
-                </a:gsLst>
-                <a:lin ang="5400000" scaled="1"/>
-              </a:gradFill>
-              <a:latin typeface="Malgun Gothic Semilight" panose="020B0502040204020203" pitchFamily="50" charset="-127"/>
-              <a:ea typeface="Malgun Gothic Semilight" panose="020B0502040204020203" pitchFamily="50" charset="-127"/>
-              <a:cs typeface="Malgun Gothic Semilight" panose="020B0502040204020203" pitchFamily="50" charset="-127"/>
-            </a:endParaRPr>
+              <a:t>Main Page</a:t>
+            </a:r>
           </a:p>
         </p:txBody>
       </p:sp>
       <p:sp>
         <p:nvSpPr>
-          <p:cNvPr id="6" name="TextBox 5">
+          <p:cNvPr id="21" name="직사각형 20">
             <a:extLst>
               <a:ext uri="{FF2B5EF4-FFF2-40B4-BE49-F238E27FC236}">
-                <a16:creationId xmlns:a16="http://schemas.microsoft.com/office/drawing/2014/main" id="{F728572D-2C17-40CC-9469-62BEE60BE33C}"/>
+                <a16:creationId xmlns:a16="http://schemas.microsoft.com/office/drawing/2014/main" id="{23ED4DFA-EFD8-4A0E-9F2D-8EF0103B965A}"/>
               </a:ext>
             </a:extLst>
           </p:cNvPr>
-          <p:cNvSpPr txBox="1"/>
+          <p:cNvSpPr/>
           <p:nvPr/>
         </p:nvSpPr>
         <p:spPr>
           <a:xfrm>
-            <a:off x="6762558" y="4537334"/>
-            <a:ext cx="3477924" cy="1891352"/>
+            <a:off x="2472777" y="2888760"/>
+            <a:ext cx="1842664" cy="892629"/>
           </a:xfrm>
           <a:prstGeom prst="rect">
             <a:avLst/>
           </a:prstGeom>
           <a:solidFill>
-            <a:schemeClr val="tx2">
-              <a:lumMod val="20000"/>
-              <a:lumOff val="80000"/>
+            <a:schemeClr val="accent1">
+              <a:lumMod val="60000"/>
+              <a:lumOff val="40000"/>
             </a:schemeClr>
           </a:solidFill>
         </p:spPr>
+        <p:style>
+          <a:lnRef idx="2">
+            <a:schemeClr val="accent4">
+              <a:shade val="50000"/>
+            </a:schemeClr>
+          </a:lnRef>
+          <a:fillRef idx="1">
+            <a:schemeClr val="accent4"/>
+          </a:fillRef>
+          <a:effectRef idx="0">
+            <a:schemeClr val="accent4"/>
+          </a:effectRef>
+          <a:fontRef idx="minor">
+            <a:schemeClr val="lt1"/>
+          </a:fontRef>
+        </p:style>
         <p:txBody>
-          <a:bodyPr wrap="square" rtlCol="0">
-            <a:spAutoFit/>
-          </a:bodyPr>
+          <a:bodyPr rtlCol="0" anchor="ctr"/>
           <a:lstStyle/>
           <a:p>
-            <a:pPr algn="ctr">
+            <a:pPr marL="0" marR="0" lvl="0" indent="0" algn="ctr" defTabSz="914400" rtl="0" eaLnBrk="1" fontAlgn="auto" latinLnBrk="1" hangingPunct="1">
               <a:lnSpc>
-                <a:spcPct val="150000"/>
+                <a:spcPct val="100000"/>
               </a:lnSpc>
+              <a:spcBef>
+                <a:spcPts val="0"/>
+              </a:spcBef>
+              <a:spcAft>
+                <a:spcPts val="0"/>
+              </a:spcAft>
+              <a:buClrTx/>
+              <a:buSzTx/>
+              <a:buFontTx/>
+              <a:buNone/>
+              <a:tabLst/>
+              <a:defRPr/>
             </a:pPr>
             <a:r>
-              <a:rPr lang="en-US" altLang="ko-KR" sz="1600" spc="-150" dirty="0" err="1">
-                <a:gradFill>
-                  <a:gsLst>
-                    <a:gs pos="83000">
-                      <a:schemeClr val="tx1">
-                        <a:lumMod val="75000"/>
-                        <a:lumOff val="25000"/>
-                      </a:schemeClr>
-                    </a:gs>
-                    <a:gs pos="100000">
-                      <a:schemeClr val="tx1">
-                        <a:lumMod val="75000"/>
-                        <a:lumOff val="25000"/>
-                      </a:schemeClr>
-                    </a:gs>
-                  </a:gsLst>
-                  <a:lin ang="5400000" scaled="1"/>
-                </a:gradFill>
-                <a:latin typeface="Malgun Gothic Semilight" panose="020B0502040204020203" pitchFamily="50" charset="-127"/>
-                <a:ea typeface="Malgun Gothic Semilight" panose="020B0502040204020203" pitchFamily="50" charset="-127"/>
-                <a:cs typeface="Malgun Gothic Semilight" panose="020B0502040204020203" pitchFamily="50" charset="-127"/>
+              <a:rPr kumimoji="0" lang="en-US" altLang="ko-KR" sz="1800" b="0" i="0" u="none" strike="noStrike" kern="1200" cap="none" spc="0" normalizeH="0" baseline="0" noProof="0" dirty="0">
+                <a:ln>
+                  <a:noFill/>
+                </a:ln>
+                <a:solidFill>
+                  <a:prstClr val="white"/>
+                </a:solidFill>
+                <a:effectLst/>
+                <a:uLnTx/>
+                <a:uFillTx/>
+                <a:latin typeface="맑은 고딕" panose="020F0502020204030204"/>
+                <a:ea typeface="맑은 고딕" panose="020B0503020000020004" pitchFamily="50" charset="-127"/>
+                <a:cs typeface="+mn-cs"/>
               </a:rPr>
-              <a:t>Fno</a:t>
-            </a:r>
-            <a:r>
-              <a:rPr lang="en-US" altLang="ko-KR" sz="1600" spc="-150" dirty="0">
-                <a:gradFill>
-                  <a:gsLst>
-                    <a:gs pos="83000">
-                      <a:schemeClr val="tx1">
-                        <a:lumMod val="75000"/>
-                        <a:lumOff val="25000"/>
-                      </a:schemeClr>
-                    </a:gs>
-                    <a:gs pos="100000">
-                      <a:schemeClr val="tx1">
-                        <a:lumMod val="75000"/>
-                        <a:lumOff val="25000"/>
-                      </a:schemeClr>
-                    </a:gs>
-                  </a:gsLst>
-                  <a:lin ang="5400000" scaled="1"/>
-                </a:gradFill>
-                <a:latin typeface="Malgun Gothic Semilight" panose="020B0502040204020203" pitchFamily="50" charset="-127"/>
-                <a:ea typeface="Malgun Gothic Semilight" panose="020B0502040204020203" pitchFamily="50" charset="-127"/>
-                <a:cs typeface="Malgun Gothic Semilight" panose="020B0502040204020203" pitchFamily="50" charset="-127"/>
-              </a:rPr>
-              <a:t> = </a:t>
-            </a:r>
-            <a:r>
-              <a:rPr lang="ko-KR" altLang="en-US" sz="1600" spc="-150" dirty="0">
-                <a:gradFill>
-                  <a:gsLst>
-                    <a:gs pos="83000">
-                      <a:schemeClr val="tx1">
-                        <a:lumMod val="75000"/>
-                        <a:lumOff val="25000"/>
-                      </a:schemeClr>
-                    </a:gs>
-                    <a:gs pos="100000">
-                      <a:schemeClr val="tx1">
-                        <a:lumMod val="75000"/>
-                        <a:lumOff val="25000"/>
-                      </a:schemeClr>
-                    </a:gs>
-                  </a:gsLst>
-                  <a:lin ang="5400000" scaled="1"/>
-                </a:gradFill>
-                <a:latin typeface="Malgun Gothic Semilight" panose="020B0502040204020203" pitchFamily="50" charset="-127"/>
-                <a:ea typeface="Malgun Gothic Semilight" panose="020B0502040204020203" pitchFamily="50" charset="-127"/>
-                <a:cs typeface="Malgun Gothic Semilight" panose="020B0502040204020203" pitchFamily="50" charset="-127"/>
-              </a:rPr>
-              <a:t>파일번호</a:t>
-            </a:r>
-            <a:endParaRPr lang="en-US" altLang="ko-KR" sz="1600" spc="-150" dirty="0">
-              <a:gradFill>
-                <a:gsLst>
-                  <a:gs pos="83000">
-                    <a:schemeClr val="tx1">
-                      <a:lumMod val="75000"/>
-                      <a:lumOff val="25000"/>
-                    </a:schemeClr>
-                  </a:gs>
-                  <a:gs pos="100000">
-                    <a:schemeClr val="tx1">
-                      <a:lumMod val="75000"/>
-                      <a:lumOff val="25000"/>
-                    </a:schemeClr>
-                  </a:gs>
-                </a:gsLst>
-                <a:lin ang="5400000" scaled="1"/>
-              </a:gradFill>
-              <a:latin typeface="Malgun Gothic Semilight" panose="020B0502040204020203" pitchFamily="50" charset="-127"/>
-              <a:ea typeface="Malgun Gothic Semilight" panose="020B0502040204020203" pitchFamily="50" charset="-127"/>
-              <a:cs typeface="Malgun Gothic Semilight" panose="020B0502040204020203" pitchFamily="50" charset="-127"/>
-            </a:endParaRPr>
-          </a:p>
-          <a:p>
-            <a:pPr algn="ctr">
-              <a:lnSpc>
-                <a:spcPct val="150000"/>
-              </a:lnSpc>
-            </a:pPr>
-            <a:r>
-              <a:rPr lang="en-US" altLang="ko-KR" sz="1600" spc="-150" dirty="0">
-                <a:gradFill>
-                  <a:gsLst>
-                    <a:gs pos="83000">
-                      <a:schemeClr val="tx1">
-                        <a:lumMod val="75000"/>
-                        <a:lumOff val="25000"/>
-                      </a:schemeClr>
-                    </a:gs>
-                    <a:gs pos="100000">
-                      <a:schemeClr val="tx1">
-                        <a:lumMod val="75000"/>
-                        <a:lumOff val="25000"/>
-                      </a:schemeClr>
-                    </a:gs>
-                  </a:gsLst>
-                  <a:lin ang="5400000" scaled="1"/>
-                </a:gradFill>
-                <a:latin typeface="Malgun Gothic Semilight" panose="020B0502040204020203" pitchFamily="50" charset="-127"/>
-                <a:ea typeface="Malgun Gothic Semilight" panose="020B0502040204020203" pitchFamily="50" charset="-127"/>
-                <a:cs typeface="Malgun Gothic Semilight" panose="020B0502040204020203" pitchFamily="50" charset="-127"/>
-              </a:rPr>
-              <a:t>Id = </a:t>
-            </a:r>
-            <a:r>
-              <a:rPr lang="ko-KR" altLang="en-US" sz="1600" spc="-150" dirty="0">
-                <a:gradFill>
-                  <a:gsLst>
-                    <a:gs pos="83000">
-                      <a:schemeClr val="tx1">
-                        <a:lumMod val="75000"/>
-                        <a:lumOff val="25000"/>
-                      </a:schemeClr>
-                    </a:gs>
-                    <a:gs pos="100000">
-                      <a:schemeClr val="tx1">
-                        <a:lumMod val="75000"/>
-                        <a:lumOff val="25000"/>
-                      </a:schemeClr>
-                    </a:gs>
-                  </a:gsLst>
-                  <a:lin ang="5400000" scaled="1"/>
-                </a:gradFill>
-                <a:latin typeface="Malgun Gothic Semilight" panose="020B0502040204020203" pitchFamily="50" charset="-127"/>
-                <a:ea typeface="Malgun Gothic Semilight" panose="020B0502040204020203" pitchFamily="50" charset="-127"/>
-                <a:cs typeface="Malgun Gothic Semilight" panose="020B0502040204020203" pitchFamily="50" charset="-127"/>
-              </a:rPr>
-              <a:t>활동번호</a:t>
-            </a:r>
-            <a:endParaRPr lang="en-US" altLang="ko-KR" sz="1600" spc="-150" dirty="0">
-              <a:gradFill>
-                <a:gsLst>
-                  <a:gs pos="83000">
-                    <a:schemeClr val="tx1">
-                      <a:lumMod val="75000"/>
-                      <a:lumOff val="25000"/>
-                    </a:schemeClr>
-                  </a:gs>
-                  <a:gs pos="100000">
-                    <a:schemeClr val="tx1">
-                      <a:lumMod val="75000"/>
-                      <a:lumOff val="25000"/>
-                    </a:schemeClr>
-                  </a:gs>
-                </a:gsLst>
-                <a:lin ang="5400000" scaled="1"/>
-              </a:gradFill>
-              <a:latin typeface="Malgun Gothic Semilight" panose="020B0502040204020203" pitchFamily="50" charset="-127"/>
-              <a:ea typeface="Malgun Gothic Semilight" panose="020B0502040204020203" pitchFamily="50" charset="-127"/>
-              <a:cs typeface="Malgun Gothic Semilight" panose="020B0502040204020203" pitchFamily="50" charset="-127"/>
-            </a:endParaRPr>
-          </a:p>
-          <a:p>
-            <a:pPr algn="ctr">
-              <a:lnSpc>
-                <a:spcPct val="150000"/>
-              </a:lnSpc>
-            </a:pPr>
-            <a:r>
-              <a:rPr lang="en-US" altLang="ko-KR" sz="1600" spc="-150" dirty="0">
-                <a:gradFill>
-                  <a:gsLst>
-                    <a:gs pos="83000">
-                      <a:schemeClr val="tx1">
-                        <a:lumMod val="75000"/>
-                        <a:lumOff val="25000"/>
-                      </a:schemeClr>
-                    </a:gs>
-                    <a:gs pos="100000">
-                      <a:schemeClr val="tx1">
-                        <a:lumMod val="75000"/>
-                        <a:lumOff val="25000"/>
-                      </a:schemeClr>
-                    </a:gs>
-                  </a:gsLst>
-                  <a:lin ang="5400000" scaled="1"/>
-                </a:gradFill>
-                <a:latin typeface="Malgun Gothic Semilight" panose="020B0502040204020203" pitchFamily="50" charset="-127"/>
-                <a:ea typeface="Malgun Gothic Semilight" panose="020B0502040204020203" pitchFamily="50" charset="-127"/>
-                <a:cs typeface="Malgun Gothic Semilight" panose="020B0502040204020203" pitchFamily="50" charset="-127"/>
-              </a:rPr>
-              <a:t>Date = </a:t>
-            </a:r>
-            <a:r>
-              <a:rPr lang="ko-KR" altLang="en-US" sz="1600" spc="-150" dirty="0">
-                <a:gradFill>
-                  <a:gsLst>
-                    <a:gs pos="83000">
-                      <a:schemeClr val="tx1">
-                        <a:lumMod val="75000"/>
-                        <a:lumOff val="25000"/>
-                      </a:schemeClr>
-                    </a:gs>
-                    <a:gs pos="100000">
-                      <a:schemeClr val="tx1">
-                        <a:lumMod val="75000"/>
-                        <a:lumOff val="25000"/>
-                      </a:schemeClr>
-                    </a:gs>
-                  </a:gsLst>
-                  <a:lin ang="5400000" scaled="1"/>
-                </a:gradFill>
-                <a:latin typeface="Malgun Gothic Semilight" panose="020B0502040204020203" pitchFamily="50" charset="-127"/>
-                <a:ea typeface="Malgun Gothic Semilight" panose="020B0502040204020203" pitchFamily="50" charset="-127"/>
-                <a:cs typeface="Malgun Gothic Semilight" panose="020B0502040204020203" pitchFamily="50" charset="-127"/>
-              </a:rPr>
-              <a:t>활동일</a:t>
-            </a:r>
-            <a:endParaRPr lang="en-US" altLang="ko-KR" sz="1600" spc="-150" dirty="0">
-              <a:gradFill>
-                <a:gsLst>
-                  <a:gs pos="83000">
-                    <a:schemeClr val="tx1">
-                      <a:lumMod val="75000"/>
-                      <a:lumOff val="25000"/>
-                    </a:schemeClr>
-                  </a:gs>
-                  <a:gs pos="100000">
-                    <a:schemeClr val="tx1">
-                      <a:lumMod val="75000"/>
-                      <a:lumOff val="25000"/>
-                    </a:schemeClr>
-                  </a:gs>
-                </a:gsLst>
-                <a:lin ang="5400000" scaled="1"/>
-              </a:gradFill>
-              <a:latin typeface="Malgun Gothic Semilight" panose="020B0502040204020203" pitchFamily="50" charset="-127"/>
-              <a:ea typeface="Malgun Gothic Semilight" panose="020B0502040204020203" pitchFamily="50" charset="-127"/>
-              <a:cs typeface="Malgun Gothic Semilight" panose="020B0502040204020203" pitchFamily="50" charset="-127"/>
-            </a:endParaRPr>
-          </a:p>
-          <a:p>
-            <a:pPr algn="ctr">
-              <a:lnSpc>
-                <a:spcPct val="150000"/>
-              </a:lnSpc>
-            </a:pPr>
-            <a:r>
-              <a:rPr lang="en-US" altLang="ko-KR" sz="1600" spc="-150" dirty="0">
-                <a:gradFill>
-                  <a:gsLst>
-                    <a:gs pos="83000">
-                      <a:schemeClr val="tx1">
-                        <a:lumMod val="75000"/>
-                        <a:lumOff val="25000"/>
-                      </a:schemeClr>
-                    </a:gs>
-                    <a:gs pos="100000">
-                      <a:schemeClr val="tx1">
-                        <a:lumMod val="75000"/>
-                        <a:lumOff val="25000"/>
-                      </a:schemeClr>
-                    </a:gs>
-                  </a:gsLst>
-                  <a:lin ang="5400000" scaled="1"/>
-                </a:gradFill>
-                <a:latin typeface="Malgun Gothic Semilight" panose="020B0502040204020203" pitchFamily="50" charset="-127"/>
-                <a:ea typeface="Malgun Gothic Semilight" panose="020B0502040204020203" pitchFamily="50" charset="-127"/>
-                <a:cs typeface="Malgun Gothic Semilight" panose="020B0502040204020203" pitchFamily="50" charset="-127"/>
-              </a:rPr>
-              <a:t>Title = </a:t>
-            </a:r>
-            <a:r>
-              <a:rPr lang="ko-KR" altLang="en-US" sz="1600" spc="-150" dirty="0">
-                <a:gradFill>
-                  <a:gsLst>
-                    <a:gs pos="83000">
-                      <a:schemeClr val="tx1">
-                        <a:lumMod val="75000"/>
-                        <a:lumOff val="25000"/>
-                      </a:schemeClr>
-                    </a:gs>
-                    <a:gs pos="100000">
-                      <a:schemeClr val="tx1">
-                        <a:lumMod val="75000"/>
-                        <a:lumOff val="25000"/>
-                      </a:schemeClr>
-                    </a:gs>
-                  </a:gsLst>
-                  <a:lin ang="5400000" scaled="1"/>
-                </a:gradFill>
-                <a:latin typeface="Malgun Gothic Semilight" panose="020B0502040204020203" pitchFamily="50" charset="-127"/>
-                <a:ea typeface="Malgun Gothic Semilight" panose="020B0502040204020203" pitchFamily="50" charset="-127"/>
-                <a:cs typeface="Malgun Gothic Semilight" panose="020B0502040204020203" pitchFamily="50" charset="-127"/>
-              </a:rPr>
-              <a:t>활동</a:t>
-            </a:r>
-            <a:endParaRPr lang="en-US" altLang="ko-KR" sz="1600" spc="-150" dirty="0">
-              <a:gradFill>
-                <a:gsLst>
-                  <a:gs pos="83000">
-                    <a:schemeClr val="tx1">
-                      <a:lumMod val="75000"/>
-                      <a:lumOff val="25000"/>
-                    </a:schemeClr>
-                  </a:gs>
-                  <a:gs pos="100000">
-                    <a:schemeClr val="tx1">
-                      <a:lumMod val="75000"/>
-                      <a:lumOff val="25000"/>
-                    </a:schemeClr>
-                  </a:gs>
-                </a:gsLst>
-                <a:lin ang="5400000" scaled="1"/>
-              </a:gradFill>
-              <a:latin typeface="Malgun Gothic Semilight" panose="020B0502040204020203" pitchFamily="50" charset="-127"/>
-              <a:ea typeface="Malgun Gothic Semilight" panose="020B0502040204020203" pitchFamily="50" charset="-127"/>
-              <a:cs typeface="Malgun Gothic Semilight" panose="020B0502040204020203" pitchFamily="50" charset="-127"/>
-            </a:endParaRPr>
-          </a:p>
-          <a:p>
-            <a:pPr algn="ctr">
-              <a:lnSpc>
-                <a:spcPct val="150000"/>
-              </a:lnSpc>
-            </a:pPr>
-            <a:r>
-              <a:rPr lang="en-US" altLang="ko-KR" sz="1600" spc="-150" dirty="0">
-                <a:gradFill>
-                  <a:gsLst>
-                    <a:gs pos="83000">
-                      <a:schemeClr val="tx1">
-                        <a:lumMod val="75000"/>
-                        <a:lumOff val="25000"/>
-                      </a:schemeClr>
-                    </a:gs>
-                    <a:gs pos="100000">
-                      <a:schemeClr val="tx1">
-                        <a:lumMod val="75000"/>
-                        <a:lumOff val="25000"/>
-                      </a:schemeClr>
-                    </a:gs>
-                  </a:gsLst>
-                  <a:lin ang="5400000" scaled="1"/>
-                </a:gradFill>
-                <a:latin typeface="Malgun Gothic Semilight" panose="020B0502040204020203" pitchFamily="50" charset="-127"/>
-                <a:ea typeface="Malgun Gothic Semilight" panose="020B0502040204020203" pitchFamily="50" charset="-127"/>
-                <a:cs typeface="Malgun Gothic Semilight" panose="020B0502040204020203" pitchFamily="50" charset="-127"/>
-              </a:rPr>
-              <a:t>Description = </a:t>
-            </a:r>
-            <a:r>
-              <a:rPr lang="ko-KR" altLang="en-US" sz="1600" spc="-150" dirty="0">
-                <a:gradFill>
-                  <a:gsLst>
-                    <a:gs pos="83000">
-                      <a:schemeClr val="tx1">
-                        <a:lumMod val="75000"/>
-                        <a:lumOff val="25000"/>
-                      </a:schemeClr>
-                    </a:gs>
-                    <a:gs pos="100000">
-                      <a:schemeClr val="tx1">
-                        <a:lumMod val="75000"/>
-                        <a:lumOff val="25000"/>
-                      </a:schemeClr>
-                    </a:gs>
-                  </a:gsLst>
-                  <a:lin ang="5400000" scaled="1"/>
-                </a:gradFill>
-                <a:latin typeface="Malgun Gothic Semilight" panose="020B0502040204020203" pitchFamily="50" charset="-127"/>
-                <a:ea typeface="Malgun Gothic Semilight" panose="020B0502040204020203" pitchFamily="50" charset="-127"/>
-                <a:cs typeface="Malgun Gothic Semilight" panose="020B0502040204020203" pitchFamily="50" charset="-127"/>
-              </a:rPr>
-              <a:t>설명</a:t>
-            </a:r>
-            <a:endParaRPr lang="en-US" altLang="ko-KR" sz="2000" spc="-150" dirty="0">
-              <a:gradFill>
-                <a:gsLst>
-                  <a:gs pos="83000">
-                    <a:schemeClr val="tx1">
-                      <a:lumMod val="75000"/>
-                      <a:lumOff val="25000"/>
-                    </a:schemeClr>
-                  </a:gs>
-                  <a:gs pos="100000">
-                    <a:schemeClr val="tx1">
-                      <a:lumMod val="75000"/>
-                      <a:lumOff val="25000"/>
-                    </a:schemeClr>
-                  </a:gs>
-                </a:gsLst>
-                <a:lin ang="5400000" scaled="1"/>
-              </a:gradFill>
-              <a:latin typeface="Malgun Gothic Semilight" panose="020B0502040204020203" pitchFamily="50" charset="-127"/>
-              <a:ea typeface="Malgun Gothic Semilight" panose="020B0502040204020203" pitchFamily="50" charset="-127"/>
-              <a:cs typeface="Malgun Gothic Semilight" panose="020B0502040204020203" pitchFamily="50" charset="-127"/>
+              <a:t>Page List</a:t>
+            </a:r>
+            <a:endParaRPr kumimoji="0" lang="ko-KR" altLang="en-US" sz="1800" b="0" i="0" u="none" strike="noStrike" kern="1200" cap="none" spc="0" normalizeH="0" baseline="0" noProof="0" dirty="0">
+              <a:ln>
+                <a:noFill/>
+              </a:ln>
+              <a:solidFill>
+                <a:prstClr val="white"/>
+              </a:solidFill>
+              <a:effectLst/>
+              <a:uLnTx/>
+              <a:uFillTx/>
+              <a:latin typeface="맑은 고딕" panose="020F0502020204030204"/>
+              <a:ea typeface="맑은 고딕" panose="020B0503020000020004" pitchFamily="50" charset="-127"/>
+              <a:cs typeface="+mn-cs"/>
             </a:endParaRPr>
           </a:p>
         </p:txBody>
       </p:sp>
+      <p:sp>
+        <p:nvSpPr>
+          <p:cNvPr id="22" name="직사각형 21">
+            <a:extLst>
+              <a:ext uri="{FF2B5EF4-FFF2-40B4-BE49-F238E27FC236}">
+                <a16:creationId xmlns:a16="http://schemas.microsoft.com/office/drawing/2014/main" id="{F86B7D53-0E34-4B7E-B89D-CDD6067AFBB5}"/>
+              </a:ext>
+            </a:extLst>
+          </p:cNvPr>
+          <p:cNvSpPr/>
+          <p:nvPr/>
+        </p:nvSpPr>
+        <p:spPr>
+          <a:xfrm>
+            <a:off x="1111319" y="4188822"/>
+            <a:ext cx="1842664" cy="892629"/>
+          </a:xfrm>
+          <a:prstGeom prst="rect">
+            <a:avLst/>
+          </a:prstGeom>
+          <a:solidFill>
+            <a:schemeClr val="accent1">
+              <a:lumMod val="60000"/>
+              <a:lumOff val="40000"/>
+            </a:schemeClr>
+          </a:solidFill>
+        </p:spPr>
+        <p:style>
+          <a:lnRef idx="2">
+            <a:schemeClr val="accent4">
+              <a:shade val="50000"/>
+            </a:schemeClr>
+          </a:lnRef>
+          <a:fillRef idx="1">
+            <a:schemeClr val="accent4"/>
+          </a:fillRef>
+          <a:effectRef idx="0">
+            <a:schemeClr val="accent4"/>
+          </a:effectRef>
+          <a:fontRef idx="minor">
+            <a:schemeClr val="lt1"/>
+          </a:fontRef>
+        </p:style>
+        <p:txBody>
+          <a:bodyPr rtlCol="0" anchor="ctr"/>
+          <a:lstStyle/>
+          <a:p>
+            <a:pPr marL="0" marR="0" lvl="0" indent="0" algn="ctr" defTabSz="914400" rtl="0" eaLnBrk="1" fontAlgn="auto" latinLnBrk="1" hangingPunct="1">
+              <a:lnSpc>
+                <a:spcPct val="100000"/>
+              </a:lnSpc>
+              <a:spcBef>
+                <a:spcPts val="0"/>
+              </a:spcBef>
+              <a:spcAft>
+                <a:spcPts val="0"/>
+              </a:spcAft>
+              <a:buClrTx/>
+              <a:buSzTx/>
+              <a:buFontTx/>
+              <a:buNone/>
+              <a:tabLst/>
+              <a:defRPr/>
+            </a:pPr>
+            <a:r>
+              <a:rPr kumimoji="0" lang="en-US" altLang="ko-KR" sz="1800" b="0" i="0" u="none" strike="noStrike" kern="1200" cap="none" spc="0" normalizeH="0" baseline="0" noProof="0" dirty="0">
+                <a:ln>
+                  <a:noFill/>
+                </a:ln>
+                <a:solidFill>
+                  <a:prstClr val="white"/>
+                </a:solidFill>
+                <a:effectLst/>
+                <a:uLnTx/>
+                <a:uFillTx/>
+                <a:latin typeface="맑은 고딕" panose="020F0502020204030204"/>
+                <a:ea typeface="맑은 고딕" panose="020B0503020000020004" pitchFamily="50" charset="-127"/>
+                <a:cs typeface="+mn-cs"/>
+              </a:rPr>
+              <a:t>Post Insert</a:t>
+            </a:r>
+            <a:endParaRPr kumimoji="0" lang="ko-KR" altLang="en-US" sz="1800" b="0" i="0" u="none" strike="noStrike" kern="1200" cap="none" spc="0" normalizeH="0" baseline="0" noProof="0" dirty="0">
+              <a:ln>
+                <a:noFill/>
+              </a:ln>
+              <a:solidFill>
+                <a:prstClr val="white"/>
+              </a:solidFill>
+              <a:effectLst/>
+              <a:uLnTx/>
+              <a:uFillTx/>
+              <a:latin typeface="맑은 고딕" panose="020F0502020204030204"/>
+              <a:ea typeface="맑은 고딕" panose="020B0503020000020004" pitchFamily="50" charset="-127"/>
+              <a:cs typeface="+mn-cs"/>
+            </a:endParaRPr>
+          </a:p>
+        </p:txBody>
+      </p:sp>
+      <p:sp>
+        <p:nvSpPr>
+          <p:cNvPr id="14" name="직사각형 13">
+            <a:extLst>
+              <a:ext uri="{FF2B5EF4-FFF2-40B4-BE49-F238E27FC236}">
+                <a16:creationId xmlns:a16="http://schemas.microsoft.com/office/drawing/2014/main" id="{6A41E31D-A9AF-41DD-A6FF-B18D050182F4}"/>
+              </a:ext>
+            </a:extLst>
+          </p:cNvPr>
+          <p:cNvSpPr/>
+          <p:nvPr/>
+        </p:nvSpPr>
+        <p:spPr>
+          <a:xfrm>
+            <a:off x="8056285" y="4188823"/>
+            <a:ext cx="1842664" cy="892629"/>
+          </a:xfrm>
+          <a:prstGeom prst="rect">
+            <a:avLst/>
+          </a:prstGeom>
+        </p:spPr>
+        <p:style>
+          <a:lnRef idx="2">
+            <a:schemeClr val="accent4">
+              <a:shade val="50000"/>
+            </a:schemeClr>
+          </a:lnRef>
+          <a:fillRef idx="1">
+            <a:schemeClr val="accent4"/>
+          </a:fillRef>
+          <a:effectRef idx="0">
+            <a:schemeClr val="accent4"/>
+          </a:effectRef>
+          <a:fontRef idx="minor">
+            <a:schemeClr val="lt1"/>
+          </a:fontRef>
+        </p:style>
+        <p:txBody>
+          <a:bodyPr rtlCol="0" anchor="ctr"/>
+          <a:lstStyle/>
+          <a:p>
+            <a:pPr marL="0" marR="0" lvl="0" indent="0" algn="ctr" defTabSz="914400" rtl="0" eaLnBrk="1" fontAlgn="auto" latinLnBrk="1" hangingPunct="1">
+              <a:lnSpc>
+                <a:spcPct val="100000"/>
+              </a:lnSpc>
+              <a:spcBef>
+                <a:spcPts val="0"/>
+              </a:spcBef>
+              <a:spcAft>
+                <a:spcPts val="0"/>
+              </a:spcAft>
+              <a:buClrTx/>
+              <a:buSzTx/>
+              <a:buFontTx/>
+              <a:buNone/>
+              <a:tabLst/>
+              <a:defRPr/>
+            </a:pPr>
+            <a:r>
+              <a:rPr kumimoji="0" lang="en-US" altLang="ko-KR" sz="1800" b="0" i="0" u="none" strike="noStrike" kern="1200" cap="none" spc="0" normalizeH="0" baseline="0" noProof="0" dirty="0">
+                <a:ln>
+                  <a:noFill/>
+                </a:ln>
+                <a:solidFill>
+                  <a:prstClr val="white"/>
+                </a:solidFill>
+                <a:effectLst/>
+                <a:uLnTx/>
+                <a:uFillTx/>
+                <a:latin typeface="맑은 고딕" panose="020F0502020204030204"/>
+                <a:ea typeface="맑은 고딕" panose="020B0503020000020004" pitchFamily="50" charset="-127"/>
+                <a:cs typeface="+mn-cs"/>
+              </a:rPr>
+              <a:t>General</a:t>
+            </a:r>
+            <a:endParaRPr kumimoji="0" lang="ko-KR" altLang="en-US" sz="1800" b="0" i="0" u="none" strike="noStrike" kern="1200" cap="none" spc="0" normalizeH="0" baseline="0" noProof="0" dirty="0">
+              <a:ln>
+                <a:noFill/>
+              </a:ln>
+              <a:solidFill>
+                <a:prstClr val="white"/>
+              </a:solidFill>
+              <a:effectLst/>
+              <a:uLnTx/>
+              <a:uFillTx/>
+              <a:latin typeface="맑은 고딕" panose="020F0502020204030204"/>
+              <a:ea typeface="맑은 고딕" panose="020B0503020000020004" pitchFamily="50" charset="-127"/>
+              <a:cs typeface="+mn-cs"/>
+            </a:endParaRPr>
+          </a:p>
+        </p:txBody>
+      </p:sp>
+      <p:sp>
+        <p:nvSpPr>
+          <p:cNvPr id="15" name="직사각형 14">
+            <a:extLst>
+              <a:ext uri="{FF2B5EF4-FFF2-40B4-BE49-F238E27FC236}">
+                <a16:creationId xmlns:a16="http://schemas.microsoft.com/office/drawing/2014/main" id="{BD22E043-035D-417D-A372-BFE7B73896EA}"/>
+              </a:ext>
+            </a:extLst>
+          </p:cNvPr>
+          <p:cNvSpPr/>
+          <p:nvPr/>
+        </p:nvSpPr>
+        <p:spPr>
+          <a:xfrm>
+            <a:off x="3821544" y="4185559"/>
+            <a:ext cx="1842664" cy="892629"/>
+          </a:xfrm>
+          <a:prstGeom prst="rect">
+            <a:avLst/>
+          </a:prstGeom>
+          <a:solidFill>
+            <a:schemeClr val="accent1">
+              <a:lumMod val="60000"/>
+              <a:lumOff val="40000"/>
+            </a:schemeClr>
+          </a:solidFill>
+        </p:spPr>
+        <p:style>
+          <a:lnRef idx="2">
+            <a:schemeClr val="accent4">
+              <a:shade val="50000"/>
+            </a:schemeClr>
+          </a:lnRef>
+          <a:fillRef idx="1">
+            <a:schemeClr val="accent4"/>
+          </a:fillRef>
+          <a:effectRef idx="0">
+            <a:schemeClr val="accent4"/>
+          </a:effectRef>
+          <a:fontRef idx="minor">
+            <a:schemeClr val="lt1"/>
+          </a:fontRef>
+        </p:style>
+        <p:txBody>
+          <a:bodyPr rtlCol="0" anchor="ctr"/>
+          <a:lstStyle/>
+          <a:p>
+            <a:pPr marL="0" marR="0" lvl="0" indent="0" algn="ctr" defTabSz="914400" rtl="0" eaLnBrk="1" fontAlgn="auto" latinLnBrk="1" hangingPunct="1">
+              <a:lnSpc>
+                <a:spcPct val="100000"/>
+              </a:lnSpc>
+              <a:spcBef>
+                <a:spcPts val="0"/>
+              </a:spcBef>
+              <a:spcAft>
+                <a:spcPts val="0"/>
+              </a:spcAft>
+              <a:buClrTx/>
+              <a:buSzTx/>
+              <a:buFontTx/>
+              <a:buNone/>
+              <a:tabLst/>
+              <a:defRPr/>
+            </a:pPr>
+            <a:r>
+              <a:rPr kumimoji="0" lang="en-US" altLang="ko-KR" sz="1800" b="0" i="0" u="none" strike="noStrike" kern="1200" cap="none" spc="0" normalizeH="0" baseline="0" noProof="0" dirty="0">
+                <a:ln>
+                  <a:noFill/>
+                </a:ln>
+                <a:solidFill>
+                  <a:prstClr val="white"/>
+                </a:solidFill>
+                <a:effectLst/>
+                <a:uLnTx/>
+                <a:uFillTx/>
+                <a:latin typeface="맑은 고딕" panose="020F0502020204030204"/>
+                <a:ea typeface="맑은 고딕" panose="020B0503020000020004" pitchFamily="50" charset="-127"/>
+                <a:cs typeface="+mn-cs"/>
+              </a:rPr>
+              <a:t>Post Detail</a:t>
+            </a:r>
+            <a:endParaRPr kumimoji="0" lang="ko-KR" altLang="en-US" sz="1800" b="0" i="0" u="none" strike="noStrike" kern="1200" cap="none" spc="0" normalizeH="0" baseline="0" noProof="0" dirty="0">
+              <a:ln>
+                <a:noFill/>
+              </a:ln>
+              <a:solidFill>
+                <a:prstClr val="white"/>
+              </a:solidFill>
+              <a:effectLst/>
+              <a:uLnTx/>
+              <a:uFillTx/>
+              <a:latin typeface="맑은 고딕" panose="020F0502020204030204"/>
+              <a:ea typeface="맑은 고딕" panose="020B0503020000020004" pitchFamily="50" charset="-127"/>
+              <a:cs typeface="+mn-cs"/>
+            </a:endParaRPr>
+          </a:p>
+        </p:txBody>
+      </p:sp>
+      <p:sp>
+        <p:nvSpPr>
+          <p:cNvPr id="16" name="직사각형 15">
+            <a:extLst>
+              <a:ext uri="{FF2B5EF4-FFF2-40B4-BE49-F238E27FC236}">
+                <a16:creationId xmlns:a16="http://schemas.microsoft.com/office/drawing/2014/main" id="{58478774-B6E0-4B02-BE68-793E39BFCFB1}"/>
+              </a:ext>
+            </a:extLst>
+          </p:cNvPr>
+          <p:cNvSpPr/>
+          <p:nvPr/>
+        </p:nvSpPr>
+        <p:spPr>
+          <a:xfrm>
+            <a:off x="2895091" y="5485621"/>
+            <a:ext cx="1842664" cy="892629"/>
+          </a:xfrm>
+          <a:prstGeom prst="rect">
+            <a:avLst/>
+          </a:prstGeom>
+          <a:solidFill>
+            <a:schemeClr val="accent1">
+              <a:lumMod val="60000"/>
+              <a:lumOff val="40000"/>
+            </a:schemeClr>
+          </a:solidFill>
+        </p:spPr>
+        <p:style>
+          <a:lnRef idx="2">
+            <a:schemeClr val="accent4">
+              <a:shade val="50000"/>
+            </a:schemeClr>
+          </a:lnRef>
+          <a:fillRef idx="1">
+            <a:schemeClr val="accent4"/>
+          </a:fillRef>
+          <a:effectRef idx="0">
+            <a:schemeClr val="accent4"/>
+          </a:effectRef>
+          <a:fontRef idx="minor">
+            <a:schemeClr val="lt1"/>
+          </a:fontRef>
+        </p:style>
+        <p:txBody>
+          <a:bodyPr rtlCol="0" anchor="ctr"/>
+          <a:lstStyle/>
+          <a:p>
+            <a:pPr marL="0" marR="0" lvl="0" indent="0" algn="ctr" defTabSz="914400" rtl="0" eaLnBrk="1" fontAlgn="auto" latinLnBrk="1" hangingPunct="1">
+              <a:lnSpc>
+                <a:spcPct val="100000"/>
+              </a:lnSpc>
+              <a:spcBef>
+                <a:spcPts val="0"/>
+              </a:spcBef>
+              <a:spcAft>
+                <a:spcPts val="0"/>
+              </a:spcAft>
+              <a:buClrTx/>
+              <a:buSzTx/>
+              <a:buFontTx/>
+              <a:buNone/>
+              <a:tabLst/>
+              <a:defRPr/>
+            </a:pPr>
+            <a:r>
+              <a:rPr kumimoji="0" lang="en-US" altLang="ko-KR" sz="1800" b="0" i="0" u="none" strike="noStrike" kern="1200" cap="none" spc="0" normalizeH="0" baseline="0" noProof="0" dirty="0">
+                <a:ln>
+                  <a:noFill/>
+                </a:ln>
+                <a:solidFill>
+                  <a:prstClr val="white"/>
+                </a:solidFill>
+                <a:effectLst/>
+                <a:uLnTx/>
+                <a:uFillTx/>
+                <a:latin typeface="맑은 고딕" panose="020F0502020204030204"/>
+                <a:ea typeface="맑은 고딕" panose="020B0503020000020004" pitchFamily="50" charset="-127"/>
+                <a:cs typeface="+mn-cs"/>
+              </a:rPr>
+              <a:t>Post Update</a:t>
+            </a:r>
+            <a:endParaRPr kumimoji="0" lang="ko-KR" altLang="en-US" sz="1800" b="0" i="0" u="none" strike="noStrike" kern="1200" cap="none" spc="0" normalizeH="0" baseline="0" noProof="0" dirty="0">
+              <a:ln>
+                <a:noFill/>
+              </a:ln>
+              <a:solidFill>
+                <a:prstClr val="white"/>
+              </a:solidFill>
+              <a:effectLst/>
+              <a:uLnTx/>
+              <a:uFillTx/>
+              <a:latin typeface="맑은 고딕" panose="020F0502020204030204"/>
+              <a:ea typeface="맑은 고딕" panose="020B0503020000020004" pitchFamily="50" charset="-127"/>
+              <a:cs typeface="+mn-cs"/>
+            </a:endParaRPr>
+          </a:p>
+        </p:txBody>
+      </p:sp>
+      <p:sp>
+        <p:nvSpPr>
+          <p:cNvPr id="17" name="직사각형 16">
+            <a:extLst>
+              <a:ext uri="{FF2B5EF4-FFF2-40B4-BE49-F238E27FC236}">
+                <a16:creationId xmlns:a16="http://schemas.microsoft.com/office/drawing/2014/main" id="{C413AF68-4AAE-4385-A129-92204B17CB75}"/>
+              </a:ext>
+            </a:extLst>
+          </p:cNvPr>
+          <p:cNvSpPr/>
+          <p:nvPr/>
+        </p:nvSpPr>
+        <p:spPr>
+          <a:xfrm>
+            <a:off x="4755569" y="5485620"/>
+            <a:ext cx="1842664" cy="892629"/>
+          </a:xfrm>
+          <a:prstGeom prst="rect">
+            <a:avLst/>
+          </a:prstGeom>
+          <a:solidFill>
+            <a:schemeClr val="accent1">
+              <a:lumMod val="60000"/>
+              <a:lumOff val="40000"/>
+            </a:schemeClr>
+          </a:solidFill>
+        </p:spPr>
+        <p:style>
+          <a:lnRef idx="2">
+            <a:schemeClr val="accent4">
+              <a:shade val="50000"/>
+            </a:schemeClr>
+          </a:lnRef>
+          <a:fillRef idx="1">
+            <a:schemeClr val="accent4"/>
+          </a:fillRef>
+          <a:effectRef idx="0">
+            <a:schemeClr val="accent4"/>
+          </a:effectRef>
+          <a:fontRef idx="minor">
+            <a:schemeClr val="lt1"/>
+          </a:fontRef>
+        </p:style>
+        <p:txBody>
+          <a:bodyPr rtlCol="0" anchor="ctr"/>
+          <a:lstStyle/>
+          <a:p>
+            <a:pPr marL="0" marR="0" lvl="0" indent="0" algn="ctr" defTabSz="914400" rtl="0" eaLnBrk="1" fontAlgn="auto" latinLnBrk="1" hangingPunct="1">
+              <a:lnSpc>
+                <a:spcPct val="100000"/>
+              </a:lnSpc>
+              <a:spcBef>
+                <a:spcPts val="0"/>
+              </a:spcBef>
+              <a:spcAft>
+                <a:spcPts val="0"/>
+              </a:spcAft>
+              <a:buClrTx/>
+              <a:buSzTx/>
+              <a:buFontTx/>
+              <a:buNone/>
+              <a:tabLst/>
+              <a:defRPr/>
+            </a:pPr>
+            <a:r>
+              <a:rPr kumimoji="0" lang="en-US" altLang="ko-KR" sz="1800" b="0" i="0" u="none" strike="noStrike" kern="1200" cap="none" spc="0" normalizeH="0" baseline="0" noProof="0" dirty="0">
+                <a:ln>
+                  <a:noFill/>
+                </a:ln>
+                <a:solidFill>
+                  <a:prstClr val="white"/>
+                </a:solidFill>
+                <a:effectLst/>
+                <a:uLnTx/>
+                <a:uFillTx/>
+                <a:latin typeface="맑은 고딕" panose="020F0502020204030204"/>
+                <a:ea typeface="맑은 고딕" panose="020B0503020000020004" pitchFamily="50" charset="-127"/>
+                <a:cs typeface="+mn-cs"/>
+              </a:rPr>
+              <a:t>Post Delete</a:t>
+            </a:r>
+            <a:endParaRPr kumimoji="0" lang="ko-KR" altLang="en-US" sz="1800" b="0" i="0" u="none" strike="noStrike" kern="1200" cap="none" spc="0" normalizeH="0" baseline="0" noProof="0" dirty="0">
+              <a:ln>
+                <a:noFill/>
+              </a:ln>
+              <a:solidFill>
+                <a:prstClr val="white"/>
+              </a:solidFill>
+              <a:effectLst/>
+              <a:uLnTx/>
+              <a:uFillTx/>
+              <a:latin typeface="맑은 고딕" panose="020F0502020204030204"/>
+              <a:ea typeface="맑은 고딕" panose="020B0503020000020004" pitchFamily="50" charset="-127"/>
+              <a:cs typeface="+mn-cs"/>
+            </a:endParaRPr>
+          </a:p>
+        </p:txBody>
+      </p:sp>
+      <p:cxnSp>
+        <p:nvCxnSpPr>
+          <p:cNvPr id="4" name="직선 화살표 연결선 3">
+            <a:extLst>
+              <a:ext uri="{FF2B5EF4-FFF2-40B4-BE49-F238E27FC236}">
+                <a16:creationId xmlns:a16="http://schemas.microsoft.com/office/drawing/2014/main" id="{FA51DE63-FA30-41D2-8163-2BBE182BBDC6}"/>
+              </a:ext>
+            </a:extLst>
+          </p:cNvPr>
+          <p:cNvCxnSpPr>
+            <a:stCxn id="2" idx="3"/>
+            <a:endCxn id="7" idx="1"/>
+          </p:cNvCxnSpPr>
+          <p:nvPr/>
+        </p:nvCxnSpPr>
+        <p:spPr>
+          <a:xfrm flipV="1">
+            <a:off x="2953983" y="1954766"/>
+            <a:ext cx="880253" cy="3"/>
+          </a:xfrm>
+          <a:prstGeom prst="straightConnector1">
+            <a:avLst/>
+          </a:prstGeom>
+          <a:ln>
+            <a:headEnd type="triangle"/>
+            <a:tailEnd type="triangle"/>
+          </a:ln>
+        </p:spPr>
+        <p:style>
+          <a:lnRef idx="1">
+            <a:schemeClr val="accent1"/>
+          </a:lnRef>
+          <a:fillRef idx="0">
+            <a:schemeClr val="accent1"/>
+          </a:fillRef>
+          <a:effectRef idx="0">
+            <a:schemeClr val="accent1"/>
+          </a:effectRef>
+          <a:fontRef idx="minor">
+            <a:schemeClr val="tx1"/>
+          </a:fontRef>
+        </p:style>
+      </p:cxnSp>
+      <p:cxnSp>
+        <p:nvCxnSpPr>
+          <p:cNvPr id="11" name="직선 화살표 연결선 10">
+            <a:extLst>
+              <a:ext uri="{FF2B5EF4-FFF2-40B4-BE49-F238E27FC236}">
+                <a16:creationId xmlns:a16="http://schemas.microsoft.com/office/drawing/2014/main" id="{D4EB42FB-A073-4E3B-A83C-F32DBD23F435}"/>
+              </a:ext>
+            </a:extLst>
+          </p:cNvPr>
+          <p:cNvCxnSpPr>
+            <a:stCxn id="7" idx="3"/>
+            <a:endCxn id="5" idx="1"/>
+          </p:cNvCxnSpPr>
+          <p:nvPr/>
+        </p:nvCxnSpPr>
+        <p:spPr>
+          <a:xfrm>
+            <a:off x="5676900" y="1954766"/>
+            <a:ext cx="902769" cy="0"/>
+          </a:xfrm>
+          <a:prstGeom prst="straightConnector1">
+            <a:avLst/>
+          </a:prstGeom>
+          <a:ln>
+            <a:headEnd type="triangle"/>
+            <a:tailEnd type="triangle"/>
+          </a:ln>
+        </p:spPr>
+        <p:style>
+          <a:lnRef idx="1">
+            <a:schemeClr val="accent1"/>
+          </a:lnRef>
+          <a:fillRef idx="0">
+            <a:schemeClr val="accent1"/>
+          </a:fillRef>
+          <a:effectRef idx="0">
+            <a:schemeClr val="accent1"/>
+          </a:effectRef>
+          <a:fontRef idx="minor">
+            <a:schemeClr val="tx1"/>
+          </a:fontRef>
+        </p:style>
+      </p:cxnSp>
+      <p:cxnSp>
+        <p:nvCxnSpPr>
+          <p:cNvPr id="20" name="직선 화살표 연결선 19">
+            <a:extLst>
+              <a:ext uri="{FF2B5EF4-FFF2-40B4-BE49-F238E27FC236}">
+                <a16:creationId xmlns:a16="http://schemas.microsoft.com/office/drawing/2014/main" id="{E94C0538-C466-4BF2-87A8-387FE1A44263}"/>
+              </a:ext>
+            </a:extLst>
+          </p:cNvPr>
+          <p:cNvCxnSpPr>
+            <a:stCxn id="5" idx="3"/>
+            <a:endCxn id="6" idx="1"/>
+          </p:cNvCxnSpPr>
+          <p:nvPr/>
+        </p:nvCxnSpPr>
+        <p:spPr>
+          <a:xfrm>
+            <a:off x="8422333" y="1954766"/>
+            <a:ext cx="902770" cy="3"/>
+          </a:xfrm>
+          <a:prstGeom prst="straightConnector1">
+            <a:avLst/>
+          </a:prstGeom>
+          <a:ln>
+            <a:headEnd type="triangle"/>
+            <a:tailEnd type="triangle"/>
+          </a:ln>
+        </p:spPr>
+        <p:style>
+          <a:lnRef idx="1">
+            <a:schemeClr val="accent1"/>
+          </a:lnRef>
+          <a:fillRef idx="0">
+            <a:schemeClr val="accent1"/>
+          </a:fillRef>
+          <a:effectRef idx="0">
+            <a:schemeClr val="accent1"/>
+          </a:effectRef>
+          <a:fontRef idx="minor">
+            <a:schemeClr val="tx1"/>
+          </a:fontRef>
+        </p:style>
+      </p:cxnSp>
+      <p:cxnSp>
+        <p:nvCxnSpPr>
+          <p:cNvPr id="24" name="직선 화살표 연결선 23">
+            <a:extLst>
+              <a:ext uri="{FF2B5EF4-FFF2-40B4-BE49-F238E27FC236}">
+                <a16:creationId xmlns:a16="http://schemas.microsoft.com/office/drawing/2014/main" id="{CD70DB77-260C-4274-8DF2-66784FEB488A}"/>
+              </a:ext>
+            </a:extLst>
+          </p:cNvPr>
+          <p:cNvCxnSpPr>
+            <a:stCxn id="8" idx="2"/>
+            <a:endCxn id="14" idx="0"/>
+          </p:cNvCxnSpPr>
+          <p:nvPr/>
+        </p:nvCxnSpPr>
+        <p:spPr>
+          <a:xfrm>
+            <a:off x="8977617" y="3786054"/>
+            <a:ext cx="0" cy="402769"/>
+          </a:xfrm>
+          <a:prstGeom prst="straightConnector1">
+            <a:avLst/>
+          </a:prstGeom>
+          <a:ln>
+            <a:tailEnd type="triangle"/>
+          </a:ln>
+        </p:spPr>
+        <p:style>
+          <a:lnRef idx="1">
+            <a:schemeClr val="accent1"/>
+          </a:lnRef>
+          <a:fillRef idx="0">
+            <a:schemeClr val="accent1"/>
+          </a:fillRef>
+          <a:effectRef idx="0">
+            <a:schemeClr val="accent1"/>
+          </a:effectRef>
+          <a:fontRef idx="minor">
+            <a:schemeClr val="tx1"/>
+          </a:fontRef>
+        </p:style>
+      </p:cxnSp>
+      <p:cxnSp>
+        <p:nvCxnSpPr>
+          <p:cNvPr id="26" name="직선 화살표 연결선 25">
+            <a:extLst>
+              <a:ext uri="{FF2B5EF4-FFF2-40B4-BE49-F238E27FC236}">
+                <a16:creationId xmlns:a16="http://schemas.microsoft.com/office/drawing/2014/main" id="{C99E8D6A-F122-4D74-8485-2742C611EAFE}"/>
+              </a:ext>
+            </a:extLst>
+          </p:cNvPr>
+          <p:cNvCxnSpPr>
+            <a:cxnSpLocks/>
+          </p:cNvCxnSpPr>
+          <p:nvPr/>
+        </p:nvCxnSpPr>
+        <p:spPr>
+          <a:xfrm>
+            <a:off x="4315441" y="3524797"/>
+            <a:ext cx="3746287" cy="0"/>
+          </a:xfrm>
+          <a:prstGeom prst="straightConnector1">
+            <a:avLst/>
+          </a:prstGeom>
+          <a:ln>
+            <a:tailEnd type="triangle"/>
+          </a:ln>
+        </p:spPr>
+        <p:style>
+          <a:lnRef idx="1">
+            <a:schemeClr val="accent1"/>
+          </a:lnRef>
+          <a:fillRef idx="0">
+            <a:schemeClr val="accent1"/>
+          </a:fillRef>
+          <a:effectRef idx="0">
+            <a:schemeClr val="accent1"/>
+          </a:effectRef>
+          <a:fontRef idx="minor">
+            <a:schemeClr val="tx1"/>
+          </a:fontRef>
+        </p:style>
+      </p:cxnSp>
+      <p:cxnSp>
+        <p:nvCxnSpPr>
+          <p:cNvPr id="30" name="연결선: 꺾임 29">
+            <a:extLst>
+              <a:ext uri="{FF2B5EF4-FFF2-40B4-BE49-F238E27FC236}">
+                <a16:creationId xmlns:a16="http://schemas.microsoft.com/office/drawing/2014/main" id="{6CDC6F85-D892-45F6-933A-AA48B539DB39}"/>
+              </a:ext>
+            </a:extLst>
+          </p:cNvPr>
+          <p:cNvCxnSpPr>
+            <a:stCxn id="6" idx="2"/>
+            <a:endCxn id="8" idx="3"/>
+          </p:cNvCxnSpPr>
+          <p:nvPr/>
+        </p:nvCxnSpPr>
+        <p:spPr>
+          <a:xfrm rot="5400000">
+            <a:off x="9603364" y="2696668"/>
+            <a:ext cx="938657" cy="347486"/>
+          </a:xfrm>
+          <a:prstGeom prst="bentConnector2">
+            <a:avLst/>
+          </a:prstGeom>
+          <a:ln>
+            <a:tailEnd type="triangle"/>
+          </a:ln>
+        </p:spPr>
+        <p:style>
+          <a:lnRef idx="1">
+            <a:schemeClr val="accent1"/>
+          </a:lnRef>
+          <a:fillRef idx="0">
+            <a:schemeClr val="accent1"/>
+          </a:fillRef>
+          <a:effectRef idx="0">
+            <a:schemeClr val="accent1"/>
+          </a:effectRef>
+          <a:fontRef idx="minor">
+            <a:schemeClr val="tx1"/>
+          </a:fontRef>
+        </p:style>
+      </p:cxnSp>
+      <p:cxnSp>
+        <p:nvCxnSpPr>
+          <p:cNvPr id="32" name="연결선: 꺾임 31">
+            <a:extLst>
+              <a:ext uri="{FF2B5EF4-FFF2-40B4-BE49-F238E27FC236}">
+                <a16:creationId xmlns:a16="http://schemas.microsoft.com/office/drawing/2014/main" id="{4C43588D-C70C-48FD-8A72-87B540AE9752}"/>
+              </a:ext>
+            </a:extLst>
+          </p:cNvPr>
+          <p:cNvCxnSpPr>
+            <a:cxnSpLocks/>
+            <a:stCxn id="5" idx="2"/>
+            <a:endCxn id="8" idx="1"/>
+          </p:cNvCxnSpPr>
+          <p:nvPr/>
+        </p:nvCxnSpPr>
+        <p:spPr>
+          <a:xfrm rot="16200000" flipH="1">
+            <a:off x="7309313" y="2592768"/>
+            <a:ext cx="938660" cy="555284"/>
+          </a:xfrm>
+          <a:prstGeom prst="bentConnector2">
+            <a:avLst/>
+          </a:prstGeom>
+          <a:ln>
+            <a:tailEnd type="triangle"/>
+          </a:ln>
+        </p:spPr>
+        <p:style>
+          <a:lnRef idx="1">
+            <a:schemeClr val="accent1"/>
+          </a:lnRef>
+          <a:fillRef idx="0">
+            <a:schemeClr val="accent1"/>
+          </a:fillRef>
+          <a:effectRef idx="0">
+            <a:schemeClr val="accent1"/>
+          </a:effectRef>
+          <a:fontRef idx="minor">
+            <a:schemeClr val="tx1"/>
+          </a:fontRef>
+        </p:style>
+      </p:cxnSp>
+      <p:cxnSp>
+        <p:nvCxnSpPr>
+          <p:cNvPr id="36" name="연결선: 꺾임 35">
+            <a:extLst>
+              <a:ext uri="{FF2B5EF4-FFF2-40B4-BE49-F238E27FC236}">
+                <a16:creationId xmlns:a16="http://schemas.microsoft.com/office/drawing/2014/main" id="{6C7AC88D-FA34-4E4D-9DBD-CFFC9509CEB7}"/>
+              </a:ext>
+            </a:extLst>
+          </p:cNvPr>
+          <p:cNvCxnSpPr>
+            <a:stCxn id="2" idx="2"/>
+            <a:endCxn id="21" idx="1"/>
+          </p:cNvCxnSpPr>
+          <p:nvPr/>
+        </p:nvCxnSpPr>
+        <p:spPr>
+          <a:xfrm rot="16200000" flipH="1">
+            <a:off x="1785718" y="2648016"/>
+            <a:ext cx="933992" cy="440126"/>
+          </a:xfrm>
+          <a:prstGeom prst="bentConnector2">
+            <a:avLst/>
+          </a:prstGeom>
+          <a:ln>
+            <a:headEnd type="triangle"/>
+            <a:tailEnd type="triangle"/>
+          </a:ln>
+        </p:spPr>
+        <p:style>
+          <a:lnRef idx="1">
+            <a:schemeClr val="accent1"/>
+          </a:lnRef>
+          <a:fillRef idx="0">
+            <a:schemeClr val="accent1"/>
+          </a:fillRef>
+          <a:effectRef idx="0">
+            <a:schemeClr val="accent1"/>
+          </a:effectRef>
+          <a:fontRef idx="minor">
+            <a:schemeClr val="tx1"/>
+          </a:fontRef>
+        </p:style>
+      </p:cxnSp>
+      <p:cxnSp>
+        <p:nvCxnSpPr>
+          <p:cNvPr id="38" name="연결선: 꺾임 37">
+            <a:extLst>
+              <a:ext uri="{FF2B5EF4-FFF2-40B4-BE49-F238E27FC236}">
+                <a16:creationId xmlns:a16="http://schemas.microsoft.com/office/drawing/2014/main" id="{3A5B9D9E-B24F-487F-8383-19728F487E59}"/>
+              </a:ext>
+            </a:extLst>
+          </p:cNvPr>
+          <p:cNvCxnSpPr>
+            <a:stCxn id="7" idx="2"/>
+            <a:endCxn id="21" idx="3"/>
+          </p:cNvCxnSpPr>
+          <p:nvPr/>
+        </p:nvCxnSpPr>
+        <p:spPr>
+          <a:xfrm rot="5400000">
+            <a:off x="4068508" y="2648014"/>
+            <a:ext cx="933995" cy="440127"/>
+          </a:xfrm>
+          <a:prstGeom prst="bentConnector2">
+            <a:avLst/>
+          </a:prstGeom>
+          <a:ln>
+            <a:headEnd type="triangle"/>
+            <a:tailEnd type="triangle"/>
+          </a:ln>
+        </p:spPr>
+        <p:style>
+          <a:lnRef idx="1">
+            <a:schemeClr val="accent1"/>
+          </a:lnRef>
+          <a:fillRef idx="0">
+            <a:schemeClr val="accent1"/>
+          </a:fillRef>
+          <a:effectRef idx="0">
+            <a:schemeClr val="accent1"/>
+          </a:effectRef>
+          <a:fontRef idx="minor">
+            <a:schemeClr val="tx1"/>
+          </a:fontRef>
+        </p:style>
+      </p:cxnSp>
+      <p:cxnSp>
+        <p:nvCxnSpPr>
+          <p:cNvPr id="41" name="연결선: 꺾임 40">
+            <a:extLst>
+              <a:ext uri="{FF2B5EF4-FFF2-40B4-BE49-F238E27FC236}">
+                <a16:creationId xmlns:a16="http://schemas.microsoft.com/office/drawing/2014/main" id="{CAC6C2AB-7919-46D8-870F-4DCB3BD86FD4}"/>
+              </a:ext>
+            </a:extLst>
+          </p:cNvPr>
+          <p:cNvCxnSpPr>
+            <a:stCxn id="21" idx="2"/>
+            <a:endCxn id="22" idx="3"/>
+          </p:cNvCxnSpPr>
+          <p:nvPr/>
+        </p:nvCxnSpPr>
+        <p:spPr>
+          <a:xfrm rot="5400000">
+            <a:off x="2747172" y="3988200"/>
+            <a:ext cx="853748" cy="440126"/>
+          </a:xfrm>
+          <a:prstGeom prst="bentConnector2">
+            <a:avLst/>
+          </a:prstGeom>
+          <a:ln>
+            <a:headEnd type="triangle"/>
+            <a:tailEnd type="triangle"/>
+          </a:ln>
+        </p:spPr>
+        <p:style>
+          <a:lnRef idx="1">
+            <a:schemeClr val="accent1"/>
+          </a:lnRef>
+          <a:fillRef idx="0">
+            <a:schemeClr val="accent1"/>
+          </a:fillRef>
+          <a:effectRef idx="0">
+            <a:schemeClr val="accent1"/>
+          </a:effectRef>
+          <a:fontRef idx="minor">
+            <a:schemeClr val="tx1"/>
+          </a:fontRef>
+        </p:style>
+      </p:cxnSp>
+      <p:cxnSp>
+        <p:nvCxnSpPr>
+          <p:cNvPr id="43" name="연결선: 꺾임 42">
+            <a:extLst>
+              <a:ext uri="{FF2B5EF4-FFF2-40B4-BE49-F238E27FC236}">
+                <a16:creationId xmlns:a16="http://schemas.microsoft.com/office/drawing/2014/main" id="{7AC486AE-8308-4ECF-99D9-0C942D4F6BAB}"/>
+              </a:ext>
+            </a:extLst>
+          </p:cNvPr>
+          <p:cNvCxnSpPr>
+            <a:stCxn id="21" idx="2"/>
+            <a:endCxn id="15" idx="1"/>
+          </p:cNvCxnSpPr>
+          <p:nvPr/>
+        </p:nvCxnSpPr>
+        <p:spPr>
+          <a:xfrm rot="16200000" flipH="1">
+            <a:off x="3182584" y="3992913"/>
+            <a:ext cx="850485" cy="427435"/>
+          </a:xfrm>
+          <a:prstGeom prst="bentConnector2">
+            <a:avLst/>
+          </a:prstGeom>
+          <a:ln>
+            <a:headEnd type="triangle"/>
+            <a:tailEnd type="triangle"/>
+          </a:ln>
+        </p:spPr>
+        <p:style>
+          <a:lnRef idx="1">
+            <a:schemeClr val="accent1"/>
+          </a:lnRef>
+          <a:fillRef idx="0">
+            <a:schemeClr val="accent1"/>
+          </a:fillRef>
+          <a:effectRef idx="0">
+            <a:schemeClr val="accent1"/>
+          </a:effectRef>
+          <a:fontRef idx="minor">
+            <a:schemeClr val="tx1"/>
+          </a:fontRef>
+        </p:style>
+      </p:cxnSp>
+      <p:cxnSp>
+        <p:nvCxnSpPr>
+          <p:cNvPr id="55" name="직선 화살표 연결선 54">
+            <a:extLst>
+              <a:ext uri="{FF2B5EF4-FFF2-40B4-BE49-F238E27FC236}">
+                <a16:creationId xmlns:a16="http://schemas.microsoft.com/office/drawing/2014/main" id="{28A5192D-048C-430F-BF85-305EEACB794A}"/>
+              </a:ext>
+            </a:extLst>
+          </p:cNvPr>
+          <p:cNvCxnSpPr>
+            <a:cxnSpLocks/>
+            <a:stCxn id="15" idx="2"/>
+          </p:cNvCxnSpPr>
+          <p:nvPr/>
+        </p:nvCxnSpPr>
+        <p:spPr>
+          <a:xfrm>
+            <a:off x="4742876" y="5078188"/>
+            <a:ext cx="0" cy="404170"/>
+          </a:xfrm>
+          <a:prstGeom prst="straightConnector1">
+            <a:avLst/>
+          </a:prstGeom>
+          <a:ln>
+            <a:headEnd type="triangle"/>
+            <a:tailEnd type="triangle"/>
+          </a:ln>
+        </p:spPr>
+        <p:style>
+          <a:lnRef idx="1">
+            <a:schemeClr val="accent1"/>
+          </a:lnRef>
+          <a:fillRef idx="0">
+            <a:schemeClr val="accent1"/>
+          </a:fillRef>
+          <a:effectRef idx="0">
+            <a:schemeClr val="accent1"/>
+          </a:effectRef>
+          <a:fontRef idx="minor">
+            <a:schemeClr val="tx1"/>
+          </a:fontRef>
+        </p:style>
+      </p:cxnSp>
     </p:spTree>
     <p:extLst>
       <p:ext uri="{BB962C8B-B14F-4D97-AF65-F5344CB8AC3E}">
-        <p14:creationId xmlns:p14="http://schemas.microsoft.com/office/powerpoint/2010/main" val="437983549"/>
+        <p14:creationId xmlns:p14="http://schemas.microsoft.com/office/powerpoint/2010/main" val="1950822887"/>
       </p:ext>
     </p:extLst>
   </p:cSld>
@@ -6740,30 +8886,48 @@
           </a:bodyPr>
           <a:lstStyle/>
           <a:p>
-            <a:pPr algn="ctr">
+            <a:pPr marL="0" marR="0" lvl="0" indent="0" algn="ctr" defTabSz="914400" rtl="0" eaLnBrk="1" fontAlgn="auto" latinLnBrk="1" hangingPunct="1">
               <a:lnSpc>
                 <a:spcPct val="150000"/>
               </a:lnSpc>
+              <a:spcBef>
+                <a:spcPts val="0"/>
+              </a:spcBef>
+              <a:spcAft>
+                <a:spcPts val="0"/>
+              </a:spcAft>
+              <a:buClrTx/>
+              <a:buSzTx/>
+              <a:buFontTx/>
+              <a:buNone/>
+              <a:tabLst/>
+              <a:defRPr/>
             </a:pPr>
             <a:r>
-              <a:rPr lang="en-US" altLang="ko-KR" sz="2800" b="1" spc="-150" dirty="0">
+              <a:rPr kumimoji="0" lang="en-US" altLang="ko-KR" sz="2800" b="1" i="0" u="none" strike="noStrike" kern="1200" cap="none" spc="-150" normalizeH="0" baseline="0" noProof="0" dirty="0">
+                <a:ln>
+                  <a:noFill/>
+                </a:ln>
                 <a:gradFill>
                   <a:gsLst>
                     <a:gs pos="83000">
-                      <a:schemeClr val="tx1">
-                        <a:lumMod val="75000"/>
-                        <a:lumOff val="25000"/>
-                      </a:schemeClr>
+                      <a:prstClr val="black">
+                        <a:lumMod val="75000"/>
+                        <a:lumOff val="25000"/>
+                      </a:prstClr>
                     </a:gs>
                     <a:gs pos="100000">
-                      <a:schemeClr val="tx1">
-                        <a:lumMod val="75000"/>
-                        <a:lumOff val="25000"/>
-                      </a:schemeClr>
+                      <a:prstClr val="black">
+                        <a:lumMod val="75000"/>
+                        <a:lumOff val="25000"/>
+                      </a:prstClr>
                     </a:gs>
                   </a:gsLst>
                   <a:lin ang="5400000" scaled="1"/>
                 </a:gradFill>
+                <a:effectLst/>
+                <a:uLnTx/>
+                <a:uFillTx/>
                 <a:latin typeface="Malgun Gothic Semilight" panose="020B0502040204020203" pitchFamily="50" charset="-127"/>
                 <a:ea typeface="Malgun Gothic Semilight" panose="020B0502040204020203" pitchFamily="50" charset="-127"/>
                 <a:cs typeface="Malgun Gothic Semilight" panose="020B0502040204020203" pitchFamily="50" charset="-127"/>
@@ -6771,24 +8935,30 @@
               <a:t>JSP</a:t>
             </a:r>
             <a:r>
-              <a:rPr lang="ko-KR" altLang="en-US" sz="2800" b="1" spc="-150" dirty="0">
+              <a:rPr kumimoji="0" lang="ko-KR" altLang="en-US" sz="2800" b="1" i="0" u="none" strike="noStrike" kern="1200" cap="none" spc="-150" normalizeH="0" baseline="0" noProof="0" dirty="0">
+                <a:ln>
+                  <a:noFill/>
+                </a:ln>
                 <a:gradFill>
                   <a:gsLst>
                     <a:gs pos="83000">
-                      <a:schemeClr val="tx1">
-                        <a:lumMod val="75000"/>
-                        <a:lumOff val="25000"/>
-                      </a:schemeClr>
+                      <a:prstClr val="black">
+                        <a:lumMod val="75000"/>
+                        <a:lumOff val="25000"/>
+                      </a:prstClr>
                     </a:gs>
                     <a:gs pos="100000">
-                      <a:schemeClr val="tx1">
-                        <a:lumMod val="75000"/>
-                        <a:lumOff val="25000"/>
-                      </a:schemeClr>
+                      <a:prstClr val="black">
+                        <a:lumMod val="75000"/>
+                        <a:lumOff val="25000"/>
+                      </a:prstClr>
                     </a:gs>
                   </a:gsLst>
                   <a:lin ang="5400000" scaled="1"/>
                 </a:gradFill>
+                <a:effectLst/>
+                <a:uLnTx/>
+                <a:uFillTx/>
                 <a:latin typeface="Malgun Gothic Semilight" panose="020B0502040204020203" pitchFamily="50" charset="-127"/>
                 <a:ea typeface="Malgun Gothic Semilight" panose="020B0502040204020203" pitchFamily="50" charset="-127"/>
                 <a:cs typeface="Malgun Gothic Semilight" panose="020B0502040204020203" pitchFamily="50" charset="-127"/>
@@ -6796,24 +8966,30 @@
               <a:t> </a:t>
             </a:r>
             <a:r>
-              <a:rPr lang="en-US" altLang="ko-KR" sz="2800" b="1" spc="-150" dirty="0">
+              <a:rPr kumimoji="0" lang="en-US" altLang="ko-KR" sz="2800" b="1" i="0" u="none" strike="noStrike" kern="1200" cap="none" spc="-150" normalizeH="0" baseline="0" noProof="0" dirty="0">
+                <a:ln>
+                  <a:noFill/>
+                </a:ln>
                 <a:gradFill>
                   <a:gsLst>
                     <a:gs pos="83000">
-                      <a:schemeClr val="tx1">
-                        <a:lumMod val="75000"/>
-                        <a:lumOff val="25000"/>
-                      </a:schemeClr>
+                      <a:prstClr val="black">
+                        <a:lumMod val="75000"/>
+                        <a:lumOff val="25000"/>
+                      </a:prstClr>
                     </a:gs>
                     <a:gs pos="100000">
-                      <a:schemeClr val="tx1">
-                        <a:lumMod val="75000"/>
-                        <a:lumOff val="25000"/>
-                      </a:schemeClr>
+                      <a:prstClr val="black">
+                        <a:lumMod val="75000"/>
+                        <a:lumOff val="25000"/>
+                      </a:prstClr>
                     </a:gs>
                   </a:gsLst>
                   <a:lin ang="5400000" scaled="1"/>
                 </a:gradFill>
+                <a:effectLst/>
+                <a:uLnTx/>
+                <a:uFillTx/>
                 <a:latin typeface="Malgun Gothic Semilight" panose="020B0502040204020203" pitchFamily="50" charset="-127"/>
                 <a:ea typeface="Malgun Gothic Semilight" panose="020B0502040204020203" pitchFamily="50" charset="-127"/>
                 <a:cs typeface="Malgun Gothic Semilight" panose="020B0502040204020203" pitchFamily="50" charset="-127"/>
@@ -6851,67 +9027,1283 @@
           </a:bodyPr>
           <a:lstStyle/>
           <a:p>
-            <a:pPr algn="ctr">
+            <a:pPr marL="0" marR="0" lvl="0" indent="0" algn="ctr" defTabSz="914400" rtl="0" eaLnBrk="1" fontAlgn="auto" latinLnBrk="1" hangingPunct="1">
               <a:lnSpc>
                 <a:spcPct val="150000"/>
               </a:lnSpc>
+              <a:spcBef>
+                <a:spcPts val="0"/>
+              </a:spcBef>
+              <a:spcAft>
+                <a:spcPts val="0"/>
+              </a:spcAft>
+              <a:buClrTx/>
+              <a:buSzTx/>
+              <a:buFontTx/>
+              <a:buNone/>
+              <a:tabLst/>
+              <a:defRPr/>
             </a:pPr>
             <a:r>
-              <a:rPr lang="en-US" altLang="ko-KR" sz="2000" spc="-150" dirty="0" err="1">
+              <a:rPr kumimoji="0" lang="en-US" altLang="ko-KR" sz="2000" b="0" i="0" u="none" strike="noStrike" kern="1200" cap="none" spc="-150" normalizeH="0" baseline="0" noProof="0" dirty="0">
+                <a:ln>
+                  <a:noFill/>
+                </a:ln>
                 <a:gradFill>
                   <a:gsLst>
                     <a:gs pos="83000">
-                      <a:schemeClr val="tx1">
-                        <a:lumMod val="75000"/>
-                        <a:lumOff val="25000"/>
-                      </a:schemeClr>
+                      <a:prstClr val="black">
+                        <a:lumMod val="75000"/>
+                        <a:lumOff val="25000"/>
+                      </a:prstClr>
                     </a:gs>
                     <a:gs pos="100000">
-                      <a:schemeClr val="tx1">
-                        <a:lumMod val="75000"/>
-                        <a:lumOff val="25000"/>
-                      </a:schemeClr>
+                      <a:prstClr val="black">
+                        <a:lumMod val="75000"/>
+                        <a:lumOff val="25000"/>
+                      </a:prstClr>
                     </a:gs>
                   </a:gsLst>
                   <a:lin ang="5400000" scaled="1"/>
                 </a:gradFill>
+                <a:effectLst/>
+                <a:uLnTx/>
+                <a:uFillTx/>
                 <a:latin typeface="Malgun Gothic Semilight" panose="020B0502040204020203" pitchFamily="50" charset="-127"/>
                 <a:ea typeface="Malgun Gothic Semilight" panose="020B0502040204020203" pitchFamily="50" charset="-127"/>
                 <a:cs typeface="Malgun Gothic Semilight" panose="020B0502040204020203" pitchFamily="50" charset="-127"/>
               </a:rPr>
-              <a:t>Mysql</a:t>
-            </a:r>
-            <a:endParaRPr lang="en-US" altLang="ko-KR" sz="2000" spc="-150" dirty="0">
+              <a:t>ERD</a:t>
+            </a:r>
+          </a:p>
+        </p:txBody>
+      </p:sp>
+      <p:sp>
+        <p:nvSpPr>
+          <p:cNvPr id="5" name="TextBox 4">
+            <a:extLst>
+              <a:ext uri="{FF2B5EF4-FFF2-40B4-BE49-F238E27FC236}">
+                <a16:creationId xmlns:a16="http://schemas.microsoft.com/office/drawing/2014/main" id="{E8579C58-F85E-427E-8A52-3B2AA4899DF7}"/>
+              </a:ext>
+            </a:extLst>
+          </p:cNvPr>
+          <p:cNvSpPr txBox="1"/>
+          <p:nvPr/>
+        </p:nvSpPr>
+        <p:spPr>
+          <a:xfrm>
+            <a:off x="1951520" y="4537335"/>
+            <a:ext cx="3477924" cy="1891352"/>
+          </a:xfrm>
+          <a:prstGeom prst="rect">
+            <a:avLst/>
+          </a:prstGeom>
+          <a:solidFill>
+            <a:schemeClr val="tx2">
+              <a:lumMod val="20000"/>
+              <a:lumOff val="80000"/>
+            </a:schemeClr>
+          </a:solidFill>
+        </p:spPr>
+        <p:txBody>
+          <a:bodyPr wrap="square" rtlCol="0">
+            <a:spAutoFit/>
+          </a:bodyPr>
+          <a:lstStyle/>
+          <a:p>
+            <a:pPr marL="0" marR="0" lvl="0" indent="0" algn="ctr" defTabSz="914400" rtl="0" eaLnBrk="1" fontAlgn="auto" latinLnBrk="1" hangingPunct="1">
+              <a:lnSpc>
+                <a:spcPct val="150000"/>
+              </a:lnSpc>
+              <a:spcBef>
+                <a:spcPts val="0"/>
+              </a:spcBef>
+              <a:spcAft>
+                <a:spcPts val="0"/>
+              </a:spcAft>
+              <a:buClrTx/>
+              <a:buSzTx/>
+              <a:buFontTx/>
+              <a:buNone/>
+              <a:tabLst/>
+              <a:defRPr/>
+            </a:pPr>
+            <a:r>
+              <a:rPr kumimoji="0" lang="en-US" altLang="ko-KR" sz="1600" b="0" i="0" u="none" strike="noStrike" kern="1200" cap="none" spc="-150" normalizeH="0" baseline="0" noProof="0" dirty="0">
+                <a:ln>
+                  <a:noFill/>
+                </a:ln>
+                <a:gradFill>
+                  <a:gsLst>
+                    <a:gs pos="83000">
+                      <a:prstClr val="black">
+                        <a:lumMod val="75000"/>
+                        <a:lumOff val="25000"/>
+                      </a:prstClr>
+                    </a:gs>
+                    <a:gs pos="100000">
+                      <a:prstClr val="black">
+                        <a:lumMod val="75000"/>
+                        <a:lumOff val="25000"/>
+                      </a:prstClr>
+                    </a:gs>
+                  </a:gsLst>
+                  <a:lin ang="5400000" scaled="1"/>
+                </a:gradFill>
+                <a:effectLst/>
+                <a:uLnTx/>
+                <a:uFillTx/>
+                <a:latin typeface="Malgun Gothic Semilight" panose="020B0502040204020203" pitchFamily="50" charset="-127"/>
+                <a:ea typeface="Malgun Gothic Semilight" panose="020B0502040204020203" pitchFamily="50" charset="-127"/>
+                <a:cs typeface="Malgun Gothic Semilight" panose="020B0502040204020203" pitchFamily="50" charset="-127"/>
+              </a:rPr>
+              <a:t>Id = </a:t>
+            </a:r>
+            <a:r>
+              <a:rPr kumimoji="0" lang="ko-KR" altLang="en-US" sz="1600" b="0" i="0" u="none" strike="noStrike" kern="1200" cap="none" spc="-150" normalizeH="0" baseline="0" noProof="0" dirty="0">
+                <a:ln>
+                  <a:noFill/>
+                </a:ln>
+                <a:gradFill>
+                  <a:gsLst>
+                    <a:gs pos="83000">
+                      <a:prstClr val="black">
+                        <a:lumMod val="75000"/>
+                        <a:lumOff val="25000"/>
+                      </a:prstClr>
+                    </a:gs>
+                    <a:gs pos="100000">
+                      <a:prstClr val="black">
+                        <a:lumMod val="75000"/>
+                        <a:lumOff val="25000"/>
+                      </a:prstClr>
+                    </a:gs>
+                  </a:gsLst>
+                  <a:lin ang="5400000" scaled="1"/>
+                </a:gradFill>
+                <a:effectLst/>
+                <a:uLnTx/>
+                <a:uFillTx/>
+                <a:latin typeface="Malgun Gothic Semilight" panose="020B0502040204020203" pitchFamily="50" charset="-127"/>
+                <a:ea typeface="Malgun Gothic Semilight" panose="020B0502040204020203" pitchFamily="50" charset="-127"/>
+                <a:cs typeface="Malgun Gothic Semilight" panose="020B0502040204020203" pitchFamily="50" charset="-127"/>
+              </a:rPr>
+              <a:t>활동번호</a:t>
+            </a:r>
+            <a:endParaRPr kumimoji="0" lang="en-US" altLang="ko-KR" sz="1600" b="0" i="0" u="none" strike="noStrike" kern="1200" cap="none" spc="-150" normalizeH="0" baseline="0" noProof="0" dirty="0">
+              <a:ln>
+                <a:noFill/>
+              </a:ln>
               <a:gradFill>
                 <a:gsLst>
                   <a:gs pos="83000">
-                    <a:schemeClr val="tx1">
+                    <a:prstClr val="black">
                       <a:lumMod val="75000"/>
                       <a:lumOff val="25000"/>
-                    </a:schemeClr>
+                    </a:prstClr>
                   </a:gs>
                   <a:gs pos="100000">
-                    <a:schemeClr val="tx1">
+                    <a:prstClr val="black">
                       <a:lumMod val="75000"/>
                       <a:lumOff val="25000"/>
-                    </a:schemeClr>
+                    </a:prstClr>
                   </a:gs>
                 </a:gsLst>
                 <a:lin ang="5400000" scaled="1"/>
               </a:gradFill>
+              <a:effectLst/>
+              <a:uLnTx/>
+              <a:uFillTx/>
               <a:latin typeface="Malgun Gothic Semilight" panose="020B0502040204020203" pitchFamily="50" charset="-127"/>
               <a:ea typeface="Malgun Gothic Semilight" panose="020B0502040204020203" pitchFamily="50" charset="-127"/>
               <a:cs typeface="Malgun Gothic Semilight" panose="020B0502040204020203" pitchFamily="50" charset="-127"/>
             </a:endParaRPr>
           </a:p>
+          <a:p>
+            <a:pPr marL="0" marR="0" lvl="0" indent="0" algn="ctr" defTabSz="914400" rtl="0" eaLnBrk="1" fontAlgn="auto" latinLnBrk="1" hangingPunct="1">
+              <a:lnSpc>
+                <a:spcPct val="150000"/>
+              </a:lnSpc>
+              <a:spcBef>
+                <a:spcPts val="0"/>
+              </a:spcBef>
+              <a:spcAft>
+                <a:spcPts val="0"/>
+              </a:spcAft>
+              <a:buClrTx/>
+              <a:buSzTx/>
+              <a:buFontTx/>
+              <a:buNone/>
+              <a:tabLst/>
+              <a:defRPr/>
+            </a:pPr>
+            <a:r>
+              <a:rPr kumimoji="0" lang="en-US" altLang="ko-KR" sz="1600" b="0" i="0" u="none" strike="noStrike" kern="1200" cap="none" spc="-150" normalizeH="0" baseline="0" noProof="0" dirty="0">
+                <a:ln>
+                  <a:noFill/>
+                </a:ln>
+                <a:gradFill>
+                  <a:gsLst>
+                    <a:gs pos="83000">
+                      <a:prstClr val="black">
+                        <a:lumMod val="75000"/>
+                        <a:lumOff val="25000"/>
+                      </a:prstClr>
+                    </a:gs>
+                    <a:gs pos="100000">
+                      <a:prstClr val="black">
+                        <a:lumMod val="75000"/>
+                        <a:lumOff val="25000"/>
+                      </a:prstClr>
+                    </a:gs>
+                  </a:gsLst>
+                  <a:lin ang="5400000" scaled="1"/>
+                </a:gradFill>
+                <a:effectLst/>
+                <a:uLnTx/>
+                <a:uFillTx/>
+                <a:latin typeface="Malgun Gothic Semilight" panose="020B0502040204020203" pitchFamily="50" charset="-127"/>
+                <a:ea typeface="Malgun Gothic Semilight" panose="020B0502040204020203" pitchFamily="50" charset="-127"/>
+                <a:cs typeface="Malgun Gothic Semilight" panose="020B0502040204020203" pitchFamily="50" charset="-127"/>
+              </a:rPr>
+              <a:t>Date = </a:t>
+            </a:r>
+            <a:r>
+              <a:rPr kumimoji="0" lang="ko-KR" altLang="en-US" sz="1600" b="0" i="0" u="none" strike="noStrike" kern="1200" cap="none" spc="-150" normalizeH="0" baseline="0" noProof="0" dirty="0">
+                <a:ln>
+                  <a:noFill/>
+                </a:ln>
+                <a:gradFill>
+                  <a:gsLst>
+                    <a:gs pos="83000">
+                      <a:prstClr val="black">
+                        <a:lumMod val="75000"/>
+                        <a:lumOff val="25000"/>
+                      </a:prstClr>
+                    </a:gs>
+                    <a:gs pos="100000">
+                      <a:prstClr val="black">
+                        <a:lumMod val="75000"/>
+                        <a:lumOff val="25000"/>
+                      </a:prstClr>
+                    </a:gs>
+                  </a:gsLst>
+                  <a:lin ang="5400000" scaled="1"/>
+                </a:gradFill>
+                <a:effectLst/>
+                <a:uLnTx/>
+                <a:uFillTx/>
+                <a:latin typeface="Malgun Gothic Semilight" panose="020B0502040204020203" pitchFamily="50" charset="-127"/>
+                <a:ea typeface="Malgun Gothic Semilight" panose="020B0502040204020203" pitchFamily="50" charset="-127"/>
+                <a:cs typeface="Malgun Gothic Semilight" panose="020B0502040204020203" pitchFamily="50" charset="-127"/>
+              </a:rPr>
+              <a:t>활동일</a:t>
+            </a:r>
+            <a:endParaRPr kumimoji="0" lang="en-US" altLang="ko-KR" sz="1600" b="0" i="0" u="none" strike="noStrike" kern="1200" cap="none" spc="-150" normalizeH="0" baseline="0" noProof="0" dirty="0">
+              <a:ln>
+                <a:noFill/>
+              </a:ln>
+              <a:gradFill>
+                <a:gsLst>
+                  <a:gs pos="83000">
+                    <a:prstClr val="black">
+                      <a:lumMod val="75000"/>
+                      <a:lumOff val="25000"/>
+                    </a:prstClr>
+                  </a:gs>
+                  <a:gs pos="100000">
+                    <a:prstClr val="black">
+                      <a:lumMod val="75000"/>
+                      <a:lumOff val="25000"/>
+                    </a:prstClr>
+                  </a:gs>
+                </a:gsLst>
+                <a:lin ang="5400000" scaled="1"/>
+              </a:gradFill>
+              <a:effectLst/>
+              <a:uLnTx/>
+              <a:uFillTx/>
+              <a:latin typeface="Malgun Gothic Semilight" panose="020B0502040204020203" pitchFamily="50" charset="-127"/>
+              <a:ea typeface="Malgun Gothic Semilight" panose="020B0502040204020203" pitchFamily="50" charset="-127"/>
+              <a:cs typeface="Malgun Gothic Semilight" panose="020B0502040204020203" pitchFamily="50" charset="-127"/>
+            </a:endParaRPr>
+          </a:p>
+          <a:p>
+            <a:pPr marL="0" marR="0" lvl="0" indent="0" algn="ctr" defTabSz="914400" rtl="0" eaLnBrk="1" fontAlgn="auto" latinLnBrk="1" hangingPunct="1">
+              <a:lnSpc>
+                <a:spcPct val="150000"/>
+              </a:lnSpc>
+              <a:spcBef>
+                <a:spcPts val="0"/>
+              </a:spcBef>
+              <a:spcAft>
+                <a:spcPts val="0"/>
+              </a:spcAft>
+              <a:buClrTx/>
+              <a:buSzTx/>
+              <a:buFontTx/>
+              <a:buNone/>
+              <a:tabLst/>
+              <a:defRPr/>
+            </a:pPr>
+            <a:r>
+              <a:rPr kumimoji="0" lang="en-US" altLang="ko-KR" sz="1600" b="0" i="0" u="none" strike="noStrike" kern="1200" cap="none" spc="-150" normalizeH="0" baseline="0" noProof="0" dirty="0">
+                <a:ln>
+                  <a:noFill/>
+                </a:ln>
+                <a:gradFill>
+                  <a:gsLst>
+                    <a:gs pos="83000">
+                      <a:prstClr val="black">
+                        <a:lumMod val="75000"/>
+                        <a:lumOff val="25000"/>
+                      </a:prstClr>
+                    </a:gs>
+                    <a:gs pos="100000">
+                      <a:prstClr val="black">
+                        <a:lumMod val="75000"/>
+                        <a:lumOff val="25000"/>
+                      </a:prstClr>
+                    </a:gs>
+                  </a:gsLst>
+                  <a:lin ang="5400000" scaled="1"/>
+                </a:gradFill>
+                <a:effectLst/>
+                <a:uLnTx/>
+                <a:uFillTx/>
+                <a:latin typeface="Malgun Gothic Semilight" panose="020B0502040204020203" pitchFamily="50" charset="-127"/>
+                <a:ea typeface="Malgun Gothic Semilight" panose="020B0502040204020203" pitchFamily="50" charset="-127"/>
+                <a:cs typeface="Malgun Gothic Semilight" panose="020B0502040204020203" pitchFamily="50" charset="-127"/>
+              </a:rPr>
+              <a:t>Title = </a:t>
+            </a:r>
+            <a:r>
+              <a:rPr kumimoji="0" lang="ko-KR" altLang="en-US" sz="1600" b="0" i="0" u="none" strike="noStrike" kern="1200" cap="none" spc="-150" normalizeH="0" baseline="0" noProof="0" dirty="0">
+                <a:ln>
+                  <a:noFill/>
+                </a:ln>
+                <a:gradFill>
+                  <a:gsLst>
+                    <a:gs pos="83000">
+                      <a:prstClr val="black">
+                        <a:lumMod val="75000"/>
+                        <a:lumOff val="25000"/>
+                      </a:prstClr>
+                    </a:gs>
+                    <a:gs pos="100000">
+                      <a:prstClr val="black">
+                        <a:lumMod val="75000"/>
+                        <a:lumOff val="25000"/>
+                      </a:prstClr>
+                    </a:gs>
+                  </a:gsLst>
+                  <a:lin ang="5400000" scaled="1"/>
+                </a:gradFill>
+                <a:effectLst/>
+                <a:uLnTx/>
+                <a:uFillTx/>
+                <a:latin typeface="Malgun Gothic Semilight" panose="020B0502040204020203" pitchFamily="50" charset="-127"/>
+                <a:ea typeface="Malgun Gothic Semilight" panose="020B0502040204020203" pitchFamily="50" charset="-127"/>
+                <a:cs typeface="Malgun Gothic Semilight" panose="020B0502040204020203" pitchFamily="50" charset="-127"/>
+              </a:rPr>
+              <a:t>활동</a:t>
+            </a:r>
+            <a:endParaRPr kumimoji="0" lang="en-US" altLang="ko-KR" sz="1600" b="0" i="0" u="none" strike="noStrike" kern="1200" cap="none" spc="-150" normalizeH="0" baseline="0" noProof="0" dirty="0">
+              <a:ln>
+                <a:noFill/>
+              </a:ln>
+              <a:gradFill>
+                <a:gsLst>
+                  <a:gs pos="83000">
+                    <a:prstClr val="black">
+                      <a:lumMod val="75000"/>
+                      <a:lumOff val="25000"/>
+                    </a:prstClr>
+                  </a:gs>
+                  <a:gs pos="100000">
+                    <a:prstClr val="black">
+                      <a:lumMod val="75000"/>
+                      <a:lumOff val="25000"/>
+                    </a:prstClr>
+                  </a:gs>
+                </a:gsLst>
+                <a:lin ang="5400000" scaled="1"/>
+              </a:gradFill>
+              <a:effectLst/>
+              <a:uLnTx/>
+              <a:uFillTx/>
+              <a:latin typeface="Malgun Gothic Semilight" panose="020B0502040204020203" pitchFamily="50" charset="-127"/>
+              <a:ea typeface="Malgun Gothic Semilight" panose="020B0502040204020203" pitchFamily="50" charset="-127"/>
+              <a:cs typeface="Malgun Gothic Semilight" panose="020B0502040204020203" pitchFamily="50" charset="-127"/>
+            </a:endParaRPr>
+          </a:p>
+          <a:p>
+            <a:pPr marL="0" marR="0" lvl="0" indent="0" algn="ctr" defTabSz="914400" rtl="0" eaLnBrk="1" fontAlgn="auto" latinLnBrk="1" hangingPunct="1">
+              <a:lnSpc>
+                <a:spcPct val="150000"/>
+              </a:lnSpc>
+              <a:spcBef>
+                <a:spcPts val="0"/>
+              </a:spcBef>
+              <a:spcAft>
+                <a:spcPts val="0"/>
+              </a:spcAft>
+              <a:buClrTx/>
+              <a:buSzTx/>
+              <a:buFontTx/>
+              <a:buNone/>
+              <a:tabLst/>
+              <a:defRPr/>
+            </a:pPr>
+            <a:r>
+              <a:rPr kumimoji="0" lang="en-US" altLang="ko-KR" sz="1600" b="0" i="0" u="none" strike="noStrike" kern="1200" cap="none" spc="-150" normalizeH="0" baseline="0" noProof="0" dirty="0">
+                <a:ln>
+                  <a:noFill/>
+                </a:ln>
+                <a:gradFill>
+                  <a:gsLst>
+                    <a:gs pos="83000">
+                      <a:prstClr val="black">
+                        <a:lumMod val="75000"/>
+                        <a:lumOff val="25000"/>
+                      </a:prstClr>
+                    </a:gs>
+                    <a:gs pos="100000">
+                      <a:prstClr val="black">
+                        <a:lumMod val="75000"/>
+                        <a:lumOff val="25000"/>
+                      </a:prstClr>
+                    </a:gs>
+                  </a:gsLst>
+                  <a:lin ang="5400000" scaled="1"/>
+                </a:gradFill>
+                <a:effectLst/>
+                <a:uLnTx/>
+                <a:uFillTx/>
+                <a:latin typeface="Malgun Gothic Semilight" panose="020B0502040204020203" pitchFamily="50" charset="-127"/>
+                <a:ea typeface="Malgun Gothic Semilight" panose="020B0502040204020203" pitchFamily="50" charset="-127"/>
+                <a:cs typeface="Malgun Gothic Semilight" panose="020B0502040204020203" pitchFamily="50" charset="-127"/>
+              </a:rPr>
+              <a:t>Description = </a:t>
+            </a:r>
+            <a:r>
+              <a:rPr kumimoji="0" lang="ko-KR" altLang="en-US" sz="1600" b="0" i="0" u="none" strike="noStrike" kern="1200" cap="none" spc="-150" normalizeH="0" baseline="0" noProof="0" dirty="0">
+                <a:ln>
+                  <a:noFill/>
+                </a:ln>
+                <a:gradFill>
+                  <a:gsLst>
+                    <a:gs pos="83000">
+                      <a:prstClr val="black">
+                        <a:lumMod val="75000"/>
+                        <a:lumOff val="25000"/>
+                      </a:prstClr>
+                    </a:gs>
+                    <a:gs pos="100000">
+                      <a:prstClr val="black">
+                        <a:lumMod val="75000"/>
+                        <a:lumOff val="25000"/>
+                      </a:prstClr>
+                    </a:gs>
+                  </a:gsLst>
+                  <a:lin ang="5400000" scaled="1"/>
+                </a:gradFill>
+                <a:effectLst/>
+                <a:uLnTx/>
+                <a:uFillTx/>
+                <a:latin typeface="Malgun Gothic Semilight" panose="020B0502040204020203" pitchFamily="50" charset="-127"/>
+                <a:ea typeface="Malgun Gothic Semilight" panose="020B0502040204020203" pitchFamily="50" charset="-127"/>
+                <a:cs typeface="Malgun Gothic Semilight" panose="020B0502040204020203" pitchFamily="50" charset="-127"/>
+              </a:rPr>
+              <a:t>설명</a:t>
+            </a:r>
+            <a:endParaRPr kumimoji="0" lang="en-US" altLang="ko-KR" sz="1600" b="0" i="0" u="none" strike="noStrike" kern="1200" cap="none" spc="-150" normalizeH="0" baseline="0" noProof="0" dirty="0">
+              <a:ln>
+                <a:noFill/>
+              </a:ln>
+              <a:gradFill>
+                <a:gsLst>
+                  <a:gs pos="83000">
+                    <a:prstClr val="black">
+                      <a:lumMod val="75000"/>
+                      <a:lumOff val="25000"/>
+                    </a:prstClr>
+                  </a:gs>
+                  <a:gs pos="100000">
+                    <a:prstClr val="black">
+                      <a:lumMod val="75000"/>
+                      <a:lumOff val="25000"/>
+                    </a:prstClr>
+                  </a:gs>
+                </a:gsLst>
+                <a:lin ang="5400000" scaled="1"/>
+              </a:gradFill>
+              <a:effectLst/>
+              <a:uLnTx/>
+              <a:uFillTx/>
+              <a:latin typeface="Malgun Gothic Semilight" panose="020B0502040204020203" pitchFamily="50" charset="-127"/>
+              <a:ea typeface="Malgun Gothic Semilight" panose="020B0502040204020203" pitchFamily="50" charset="-127"/>
+              <a:cs typeface="Malgun Gothic Semilight" panose="020B0502040204020203" pitchFamily="50" charset="-127"/>
+            </a:endParaRPr>
+          </a:p>
+          <a:p>
+            <a:pPr marL="0" marR="0" lvl="0" indent="0" algn="ctr" defTabSz="914400" rtl="0" eaLnBrk="1" fontAlgn="auto" latinLnBrk="1" hangingPunct="1">
+              <a:lnSpc>
+                <a:spcPct val="150000"/>
+              </a:lnSpc>
+              <a:spcBef>
+                <a:spcPts val="0"/>
+              </a:spcBef>
+              <a:spcAft>
+                <a:spcPts val="0"/>
+              </a:spcAft>
+              <a:buClrTx/>
+              <a:buSzTx/>
+              <a:buFontTx/>
+              <a:buNone/>
+              <a:tabLst/>
+              <a:defRPr/>
+            </a:pPr>
+            <a:r>
+              <a:rPr kumimoji="0" lang="en-US" altLang="ko-KR" sz="1600" b="0" i="0" u="none" strike="noStrike" kern="1200" cap="none" spc="-150" normalizeH="0" baseline="0" noProof="0" dirty="0">
+                <a:ln>
+                  <a:noFill/>
+                </a:ln>
+                <a:gradFill>
+                  <a:gsLst>
+                    <a:gs pos="83000">
+                      <a:prstClr val="black">
+                        <a:lumMod val="75000"/>
+                        <a:lumOff val="25000"/>
+                      </a:prstClr>
+                    </a:gs>
+                    <a:gs pos="100000">
+                      <a:prstClr val="black">
+                        <a:lumMod val="75000"/>
+                        <a:lumOff val="25000"/>
+                      </a:prstClr>
+                    </a:gs>
+                  </a:gsLst>
+                  <a:lin ang="5400000" scaled="1"/>
+                </a:gradFill>
+                <a:effectLst/>
+                <a:uLnTx/>
+                <a:uFillTx/>
+                <a:latin typeface="Malgun Gothic Semilight" panose="020B0502040204020203" pitchFamily="50" charset="-127"/>
+                <a:ea typeface="Malgun Gothic Semilight" panose="020B0502040204020203" pitchFamily="50" charset="-127"/>
+                <a:cs typeface="Malgun Gothic Semilight" panose="020B0502040204020203" pitchFamily="50" charset="-127"/>
+              </a:rPr>
+              <a:t>Type = </a:t>
+            </a:r>
+            <a:r>
+              <a:rPr kumimoji="0" lang="ko-KR" altLang="en-US" sz="1600" b="0" i="0" u="none" strike="noStrike" kern="1200" cap="none" spc="-150" normalizeH="0" baseline="0" noProof="0" dirty="0">
+                <a:ln>
+                  <a:noFill/>
+                </a:ln>
+                <a:gradFill>
+                  <a:gsLst>
+                    <a:gs pos="83000">
+                      <a:prstClr val="black">
+                        <a:lumMod val="75000"/>
+                        <a:lumOff val="25000"/>
+                      </a:prstClr>
+                    </a:gs>
+                    <a:gs pos="100000">
+                      <a:prstClr val="black">
+                        <a:lumMod val="75000"/>
+                        <a:lumOff val="25000"/>
+                      </a:prstClr>
+                    </a:gs>
+                  </a:gsLst>
+                  <a:lin ang="5400000" scaled="1"/>
+                </a:gradFill>
+                <a:effectLst/>
+                <a:uLnTx/>
+                <a:uFillTx/>
+                <a:latin typeface="Malgun Gothic Semilight" panose="020B0502040204020203" pitchFamily="50" charset="-127"/>
+                <a:ea typeface="Malgun Gothic Semilight" panose="020B0502040204020203" pitchFamily="50" charset="-127"/>
+                <a:cs typeface="Malgun Gothic Semilight" panose="020B0502040204020203" pitchFamily="50" charset="-127"/>
+              </a:rPr>
+              <a:t>게시물 타입</a:t>
+            </a:r>
+            <a:endParaRPr kumimoji="0" lang="en-US" altLang="ko-KR" sz="1600" b="0" i="0" u="none" strike="noStrike" kern="1200" cap="none" spc="-150" normalizeH="0" baseline="0" noProof="0" dirty="0">
+              <a:ln>
+                <a:noFill/>
+              </a:ln>
+              <a:gradFill>
+                <a:gsLst>
+                  <a:gs pos="83000">
+                    <a:prstClr val="black">
+                      <a:lumMod val="75000"/>
+                      <a:lumOff val="25000"/>
+                    </a:prstClr>
+                  </a:gs>
+                  <a:gs pos="100000">
+                    <a:prstClr val="black">
+                      <a:lumMod val="75000"/>
+                      <a:lumOff val="25000"/>
+                    </a:prstClr>
+                  </a:gs>
+                </a:gsLst>
+                <a:lin ang="5400000" scaled="1"/>
+              </a:gradFill>
+              <a:effectLst/>
+              <a:uLnTx/>
+              <a:uFillTx/>
+              <a:latin typeface="Malgun Gothic Semilight" panose="020B0502040204020203" pitchFamily="50" charset="-127"/>
+              <a:ea typeface="Malgun Gothic Semilight" panose="020B0502040204020203" pitchFamily="50" charset="-127"/>
+              <a:cs typeface="Malgun Gothic Semilight" panose="020B0502040204020203" pitchFamily="50" charset="-127"/>
+            </a:endParaRPr>
+          </a:p>
+        </p:txBody>
+      </p:sp>
+      <p:sp>
+        <p:nvSpPr>
+          <p:cNvPr id="6" name="TextBox 5">
+            <a:extLst>
+              <a:ext uri="{FF2B5EF4-FFF2-40B4-BE49-F238E27FC236}">
+                <a16:creationId xmlns:a16="http://schemas.microsoft.com/office/drawing/2014/main" id="{F728572D-2C17-40CC-9469-62BEE60BE33C}"/>
+              </a:ext>
+            </a:extLst>
+          </p:cNvPr>
+          <p:cNvSpPr txBox="1"/>
+          <p:nvPr/>
+        </p:nvSpPr>
+        <p:spPr>
+          <a:xfrm>
+            <a:off x="6762558" y="4537334"/>
+            <a:ext cx="3477924" cy="1891352"/>
+          </a:xfrm>
+          <a:prstGeom prst="rect">
+            <a:avLst/>
+          </a:prstGeom>
+          <a:solidFill>
+            <a:schemeClr val="tx2">
+              <a:lumMod val="20000"/>
+              <a:lumOff val="80000"/>
+            </a:schemeClr>
+          </a:solidFill>
+        </p:spPr>
+        <p:txBody>
+          <a:bodyPr wrap="square" rtlCol="0">
+            <a:spAutoFit/>
+          </a:bodyPr>
+          <a:lstStyle/>
+          <a:p>
+            <a:pPr marL="0" marR="0" lvl="0" indent="0" algn="ctr" defTabSz="914400" rtl="0" eaLnBrk="1" fontAlgn="auto" latinLnBrk="1" hangingPunct="1">
+              <a:lnSpc>
+                <a:spcPct val="150000"/>
+              </a:lnSpc>
+              <a:spcBef>
+                <a:spcPts val="0"/>
+              </a:spcBef>
+              <a:spcAft>
+                <a:spcPts val="0"/>
+              </a:spcAft>
+              <a:buClrTx/>
+              <a:buSzTx/>
+              <a:buFontTx/>
+              <a:buNone/>
+              <a:tabLst/>
+              <a:defRPr/>
+            </a:pPr>
+            <a:r>
+              <a:rPr kumimoji="0" lang="en-US" altLang="ko-KR" sz="1600" b="0" i="0" u="none" strike="noStrike" kern="1200" cap="none" spc="-150" normalizeH="0" baseline="0" noProof="0" dirty="0" err="1">
+                <a:ln>
+                  <a:noFill/>
+                </a:ln>
+                <a:gradFill>
+                  <a:gsLst>
+                    <a:gs pos="83000">
+                      <a:prstClr val="black">
+                        <a:lumMod val="75000"/>
+                        <a:lumOff val="25000"/>
+                      </a:prstClr>
+                    </a:gs>
+                    <a:gs pos="100000">
+                      <a:prstClr val="black">
+                        <a:lumMod val="75000"/>
+                        <a:lumOff val="25000"/>
+                      </a:prstClr>
+                    </a:gs>
+                  </a:gsLst>
+                  <a:lin ang="5400000" scaled="1"/>
+                </a:gradFill>
+                <a:effectLst/>
+                <a:uLnTx/>
+                <a:uFillTx/>
+                <a:latin typeface="Malgun Gothic Semilight" panose="020B0502040204020203" pitchFamily="50" charset="-127"/>
+                <a:ea typeface="Malgun Gothic Semilight" panose="020B0502040204020203" pitchFamily="50" charset="-127"/>
+                <a:cs typeface="Malgun Gothic Semilight" panose="020B0502040204020203" pitchFamily="50" charset="-127"/>
+              </a:rPr>
+              <a:t>Fno</a:t>
+            </a:r>
+            <a:r>
+              <a:rPr kumimoji="0" lang="en-US" altLang="ko-KR" sz="1600" b="0" i="0" u="none" strike="noStrike" kern="1200" cap="none" spc="-150" normalizeH="0" baseline="0" noProof="0" dirty="0">
+                <a:ln>
+                  <a:noFill/>
+                </a:ln>
+                <a:gradFill>
+                  <a:gsLst>
+                    <a:gs pos="83000">
+                      <a:prstClr val="black">
+                        <a:lumMod val="75000"/>
+                        <a:lumOff val="25000"/>
+                      </a:prstClr>
+                    </a:gs>
+                    <a:gs pos="100000">
+                      <a:prstClr val="black">
+                        <a:lumMod val="75000"/>
+                        <a:lumOff val="25000"/>
+                      </a:prstClr>
+                    </a:gs>
+                  </a:gsLst>
+                  <a:lin ang="5400000" scaled="1"/>
+                </a:gradFill>
+                <a:effectLst/>
+                <a:uLnTx/>
+                <a:uFillTx/>
+                <a:latin typeface="Malgun Gothic Semilight" panose="020B0502040204020203" pitchFamily="50" charset="-127"/>
+                <a:ea typeface="Malgun Gothic Semilight" panose="020B0502040204020203" pitchFamily="50" charset="-127"/>
+                <a:cs typeface="Malgun Gothic Semilight" panose="020B0502040204020203" pitchFamily="50" charset="-127"/>
+              </a:rPr>
+              <a:t> = </a:t>
+            </a:r>
+            <a:r>
+              <a:rPr kumimoji="0" lang="ko-KR" altLang="en-US" sz="1600" b="0" i="0" u="none" strike="noStrike" kern="1200" cap="none" spc="-150" normalizeH="0" baseline="0" noProof="0" dirty="0">
+                <a:ln>
+                  <a:noFill/>
+                </a:ln>
+                <a:gradFill>
+                  <a:gsLst>
+                    <a:gs pos="83000">
+                      <a:prstClr val="black">
+                        <a:lumMod val="75000"/>
+                        <a:lumOff val="25000"/>
+                      </a:prstClr>
+                    </a:gs>
+                    <a:gs pos="100000">
+                      <a:prstClr val="black">
+                        <a:lumMod val="75000"/>
+                        <a:lumOff val="25000"/>
+                      </a:prstClr>
+                    </a:gs>
+                  </a:gsLst>
+                  <a:lin ang="5400000" scaled="1"/>
+                </a:gradFill>
+                <a:effectLst/>
+                <a:uLnTx/>
+                <a:uFillTx/>
+                <a:latin typeface="Malgun Gothic Semilight" panose="020B0502040204020203" pitchFamily="50" charset="-127"/>
+                <a:ea typeface="Malgun Gothic Semilight" panose="020B0502040204020203" pitchFamily="50" charset="-127"/>
+                <a:cs typeface="Malgun Gothic Semilight" panose="020B0502040204020203" pitchFamily="50" charset="-127"/>
+              </a:rPr>
+              <a:t>파일번호</a:t>
+            </a:r>
+            <a:endParaRPr kumimoji="0" lang="en-US" altLang="ko-KR" sz="1600" b="0" i="0" u="none" strike="noStrike" kern="1200" cap="none" spc="-150" normalizeH="0" baseline="0" noProof="0" dirty="0">
+              <a:ln>
+                <a:noFill/>
+              </a:ln>
+              <a:gradFill>
+                <a:gsLst>
+                  <a:gs pos="83000">
+                    <a:prstClr val="black">
+                      <a:lumMod val="75000"/>
+                      <a:lumOff val="25000"/>
+                    </a:prstClr>
+                  </a:gs>
+                  <a:gs pos="100000">
+                    <a:prstClr val="black">
+                      <a:lumMod val="75000"/>
+                      <a:lumOff val="25000"/>
+                    </a:prstClr>
+                  </a:gs>
+                </a:gsLst>
+                <a:lin ang="5400000" scaled="1"/>
+              </a:gradFill>
+              <a:effectLst/>
+              <a:uLnTx/>
+              <a:uFillTx/>
+              <a:latin typeface="Malgun Gothic Semilight" panose="020B0502040204020203" pitchFamily="50" charset="-127"/>
+              <a:ea typeface="Malgun Gothic Semilight" panose="020B0502040204020203" pitchFamily="50" charset="-127"/>
+              <a:cs typeface="Malgun Gothic Semilight" panose="020B0502040204020203" pitchFamily="50" charset="-127"/>
+            </a:endParaRPr>
+          </a:p>
+          <a:p>
+            <a:pPr marL="0" marR="0" lvl="0" indent="0" algn="ctr" defTabSz="914400" rtl="0" eaLnBrk="1" fontAlgn="auto" latinLnBrk="1" hangingPunct="1">
+              <a:lnSpc>
+                <a:spcPct val="150000"/>
+              </a:lnSpc>
+              <a:spcBef>
+                <a:spcPts val="0"/>
+              </a:spcBef>
+              <a:spcAft>
+                <a:spcPts val="0"/>
+              </a:spcAft>
+              <a:buClrTx/>
+              <a:buSzTx/>
+              <a:buFontTx/>
+              <a:buNone/>
+              <a:tabLst/>
+              <a:defRPr/>
+            </a:pPr>
+            <a:r>
+              <a:rPr kumimoji="0" lang="en-US" altLang="ko-KR" sz="1600" b="0" i="0" u="none" strike="noStrike" kern="1200" cap="none" spc="-150" normalizeH="0" baseline="0" noProof="0" dirty="0" err="1">
+                <a:ln>
+                  <a:noFill/>
+                </a:ln>
+                <a:gradFill>
+                  <a:gsLst>
+                    <a:gs pos="83000">
+                      <a:prstClr val="black">
+                        <a:lumMod val="75000"/>
+                        <a:lumOff val="25000"/>
+                      </a:prstClr>
+                    </a:gs>
+                    <a:gs pos="100000">
+                      <a:prstClr val="black">
+                        <a:lumMod val="75000"/>
+                        <a:lumOff val="25000"/>
+                      </a:prstClr>
+                    </a:gs>
+                  </a:gsLst>
+                  <a:lin ang="5400000" scaled="1"/>
+                </a:gradFill>
+                <a:effectLst/>
+                <a:uLnTx/>
+                <a:uFillTx/>
+                <a:latin typeface="Malgun Gothic Semilight" panose="020B0502040204020203" pitchFamily="50" charset="-127"/>
+                <a:ea typeface="Malgun Gothic Semilight" panose="020B0502040204020203" pitchFamily="50" charset="-127"/>
+                <a:cs typeface="Malgun Gothic Semilight" panose="020B0502040204020203" pitchFamily="50" charset="-127"/>
+              </a:rPr>
+              <a:t>Pno</a:t>
+            </a:r>
+            <a:r>
+              <a:rPr kumimoji="0" lang="en-US" altLang="ko-KR" sz="1600" b="0" i="0" u="none" strike="noStrike" kern="1200" cap="none" spc="-150" normalizeH="0" baseline="0" noProof="0" dirty="0">
+                <a:ln>
+                  <a:noFill/>
+                </a:ln>
+                <a:gradFill>
+                  <a:gsLst>
+                    <a:gs pos="83000">
+                      <a:prstClr val="black">
+                        <a:lumMod val="75000"/>
+                        <a:lumOff val="25000"/>
+                      </a:prstClr>
+                    </a:gs>
+                    <a:gs pos="100000">
+                      <a:prstClr val="black">
+                        <a:lumMod val="75000"/>
+                        <a:lumOff val="25000"/>
+                      </a:prstClr>
+                    </a:gs>
+                  </a:gsLst>
+                  <a:lin ang="5400000" scaled="1"/>
+                </a:gradFill>
+                <a:effectLst/>
+                <a:uLnTx/>
+                <a:uFillTx/>
+                <a:latin typeface="Malgun Gothic Semilight" panose="020B0502040204020203" pitchFamily="50" charset="-127"/>
+                <a:ea typeface="Malgun Gothic Semilight" panose="020B0502040204020203" pitchFamily="50" charset="-127"/>
+                <a:cs typeface="Malgun Gothic Semilight" panose="020B0502040204020203" pitchFamily="50" charset="-127"/>
+              </a:rPr>
+              <a:t> = </a:t>
+            </a:r>
+            <a:r>
+              <a:rPr kumimoji="0" lang="ko-KR" altLang="en-US" sz="1600" b="0" i="0" u="none" strike="noStrike" kern="1200" cap="none" spc="-150" normalizeH="0" baseline="0" noProof="0" dirty="0">
+                <a:ln>
+                  <a:noFill/>
+                </a:ln>
+                <a:gradFill>
+                  <a:gsLst>
+                    <a:gs pos="83000">
+                      <a:prstClr val="black">
+                        <a:lumMod val="75000"/>
+                        <a:lumOff val="25000"/>
+                      </a:prstClr>
+                    </a:gs>
+                    <a:gs pos="100000">
+                      <a:prstClr val="black">
+                        <a:lumMod val="75000"/>
+                        <a:lumOff val="25000"/>
+                      </a:prstClr>
+                    </a:gs>
+                  </a:gsLst>
+                  <a:lin ang="5400000" scaled="1"/>
+                </a:gradFill>
+                <a:effectLst/>
+                <a:uLnTx/>
+                <a:uFillTx/>
+                <a:latin typeface="Malgun Gothic Semilight" panose="020B0502040204020203" pitchFamily="50" charset="-127"/>
+                <a:ea typeface="Malgun Gothic Semilight" panose="020B0502040204020203" pitchFamily="50" charset="-127"/>
+                <a:cs typeface="Malgun Gothic Semilight" panose="020B0502040204020203" pitchFamily="50" charset="-127"/>
+              </a:rPr>
+              <a:t>활동번호</a:t>
+            </a:r>
+            <a:endParaRPr kumimoji="0" lang="en-US" altLang="ko-KR" sz="1600" b="0" i="0" u="none" strike="noStrike" kern="1200" cap="none" spc="-150" normalizeH="0" baseline="0" noProof="0" dirty="0">
+              <a:ln>
+                <a:noFill/>
+              </a:ln>
+              <a:gradFill>
+                <a:gsLst>
+                  <a:gs pos="83000">
+                    <a:prstClr val="black">
+                      <a:lumMod val="75000"/>
+                      <a:lumOff val="25000"/>
+                    </a:prstClr>
+                  </a:gs>
+                  <a:gs pos="100000">
+                    <a:prstClr val="black">
+                      <a:lumMod val="75000"/>
+                      <a:lumOff val="25000"/>
+                    </a:prstClr>
+                  </a:gs>
+                </a:gsLst>
+                <a:lin ang="5400000" scaled="1"/>
+              </a:gradFill>
+              <a:effectLst/>
+              <a:uLnTx/>
+              <a:uFillTx/>
+              <a:latin typeface="Malgun Gothic Semilight" panose="020B0502040204020203" pitchFamily="50" charset="-127"/>
+              <a:ea typeface="Malgun Gothic Semilight" panose="020B0502040204020203" pitchFamily="50" charset="-127"/>
+              <a:cs typeface="Malgun Gothic Semilight" panose="020B0502040204020203" pitchFamily="50" charset="-127"/>
+            </a:endParaRPr>
+          </a:p>
+          <a:p>
+            <a:pPr marL="0" marR="0" lvl="0" indent="0" algn="ctr" defTabSz="914400" rtl="0" eaLnBrk="1" fontAlgn="auto" latinLnBrk="1" hangingPunct="1">
+              <a:lnSpc>
+                <a:spcPct val="150000"/>
+              </a:lnSpc>
+              <a:spcBef>
+                <a:spcPts val="0"/>
+              </a:spcBef>
+              <a:spcAft>
+                <a:spcPts val="0"/>
+              </a:spcAft>
+              <a:buClrTx/>
+              <a:buSzTx/>
+              <a:buFontTx/>
+              <a:buNone/>
+              <a:tabLst/>
+              <a:defRPr/>
+            </a:pPr>
+            <a:r>
+              <a:rPr kumimoji="0" lang="en-US" altLang="ko-KR" sz="1600" b="0" i="0" u="none" strike="noStrike" kern="1200" cap="none" spc="-150" normalizeH="0" baseline="0" noProof="0" dirty="0">
+                <a:ln>
+                  <a:noFill/>
+                </a:ln>
+                <a:gradFill>
+                  <a:gsLst>
+                    <a:gs pos="83000">
+                      <a:prstClr val="black">
+                        <a:lumMod val="75000"/>
+                        <a:lumOff val="25000"/>
+                      </a:prstClr>
+                    </a:gs>
+                    <a:gs pos="100000">
+                      <a:prstClr val="black">
+                        <a:lumMod val="75000"/>
+                        <a:lumOff val="25000"/>
+                      </a:prstClr>
+                    </a:gs>
+                  </a:gsLst>
+                  <a:lin ang="5400000" scaled="1"/>
+                </a:gradFill>
+                <a:effectLst/>
+                <a:uLnTx/>
+                <a:uFillTx/>
+                <a:latin typeface="Malgun Gothic Semilight" panose="020B0502040204020203" pitchFamily="50" charset="-127"/>
+                <a:ea typeface="Malgun Gothic Semilight" panose="020B0502040204020203" pitchFamily="50" charset="-127"/>
+                <a:cs typeface="Malgun Gothic Semilight" panose="020B0502040204020203" pitchFamily="50" charset="-127"/>
+              </a:rPr>
+              <a:t>File Name = </a:t>
+            </a:r>
+            <a:r>
+              <a:rPr kumimoji="0" lang="ko-KR" altLang="en-US" sz="1600" b="0" i="0" u="none" strike="noStrike" kern="1200" cap="none" spc="-150" normalizeH="0" baseline="0" noProof="0" dirty="0">
+                <a:ln>
+                  <a:noFill/>
+                </a:ln>
+                <a:gradFill>
+                  <a:gsLst>
+                    <a:gs pos="83000">
+                      <a:prstClr val="black">
+                        <a:lumMod val="75000"/>
+                        <a:lumOff val="25000"/>
+                      </a:prstClr>
+                    </a:gs>
+                    <a:gs pos="100000">
+                      <a:prstClr val="black">
+                        <a:lumMod val="75000"/>
+                        <a:lumOff val="25000"/>
+                      </a:prstClr>
+                    </a:gs>
+                  </a:gsLst>
+                  <a:lin ang="5400000" scaled="1"/>
+                </a:gradFill>
+                <a:effectLst/>
+                <a:uLnTx/>
+                <a:uFillTx/>
+                <a:latin typeface="Malgun Gothic Semilight" panose="020B0502040204020203" pitchFamily="50" charset="-127"/>
+                <a:ea typeface="Malgun Gothic Semilight" panose="020B0502040204020203" pitchFamily="50" charset="-127"/>
+                <a:cs typeface="Malgun Gothic Semilight" panose="020B0502040204020203" pitchFamily="50" charset="-127"/>
+              </a:rPr>
+              <a:t>활동일</a:t>
+            </a:r>
+            <a:endParaRPr kumimoji="0" lang="en-US" altLang="ko-KR" sz="1600" b="0" i="0" u="none" strike="noStrike" kern="1200" cap="none" spc="-150" normalizeH="0" baseline="0" noProof="0" dirty="0">
+              <a:ln>
+                <a:noFill/>
+              </a:ln>
+              <a:gradFill>
+                <a:gsLst>
+                  <a:gs pos="83000">
+                    <a:prstClr val="black">
+                      <a:lumMod val="75000"/>
+                      <a:lumOff val="25000"/>
+                    </a:prstClr>
+                  </a:gs>
+                  <a:gs pos="100000">
+                    <a:prstClr val="black">
+                      <a:lumMod val="75000"/>
+                      <a:lumOff val="25000"/>
+                    </a:prstClr>
+                  </a:gs>
+                </a:gsLst>
+                <a:lin ang="5400000" scaled="1"/>
+              </a:gradFill>
+              <a:effectLst/>
+              <a:uLnTx/>
+              <a:uFillTx/>
+              <a:latin typeface="Malgun Gothic Semilight" panose="020B0502040204020203" pitchFamily="50" charset="-127"/>
+              <a:ea typeface="Malgun Gothic Semilight" panose="020B0502040204020203" pitchFamily="50" charset="-127"/>
+              <a:cs typeface="Malgun Gothic Semilight" panose="020B0502040204020203" pitchFamily="50" charset="-127"/>
+            </a:endParaRPr>
+          </a:p>
+          <a:p>
+            <a:pPr marL="0" marR="0" lvl="0" indent="0" algn="ctr" defTabSz="914400" rtl="0" eaLnBrk="1" fontAlgn="auto" latinLnBrk="1" hangingPunct="1">
+              <a:lnSpc>
+                <a:spcPct val="150000"/>
+              </a:lnSpc>
+              <a:spcBef>
+                <a:spcPts val="0"/>
+              </a:spcBef>
+              <a:spcAft>
+                <a:spcPts val="0"/>
+              </a:spcAft>
+              <a:buClrTx/>
+              <a:buSzTx/>
+              <a:buFontTx/>
+              <a:buNone/>
+              <a:tabLst/>
+              <a:defRPr/>
+            </a:pPr>
+            <a:r>
+              <a:rPr kumimoji="0" lang="en-US" altLang="ko-KR" sz="1600" b="0" i="0" u="none" strike="noStrike" kern="1200" cap="none" spc="-150" normalizeH="0" baseline="0" noProof="0" dirty="0">
+                <a:ln>
+                  <a:noFill/>
+                </a:ln>
+                <a:gradFill>
+                  <a:gsLst>
+                    <a:gs pos="83000">
+                      <a:prstClr val="black">
+                        <a:lumMod val="75000"/>
+                        <a:lumOff val="25000"/>
+                      </a:prstClr>
+                    </a:gs>
+                    <a:gs pos="100000">
+                      <a:prstClr val="black">
+                        <a:lumMod val="75000"/>
+                        <a:lumOff val="25000"/>
+                      </a:prstClr>
+                    </a:gs>
+                  </a:gsLst>
+                  <a:lin ang="5400000" scaled="1"/>
+                </a:gradFill>
+                <a:effectLst/>
+                <a:uLnTx/>
+                <a:uFillTx/>
+                <a:latin typeface="Malgun Gothic Semilight" panose="020B0502040204020203" pitchFamily="50" charset="-127"/>
+                <a:ea typeface="Malgun Gothic Semilight" panose="020B0502040204020203" pitchFamily="50" charset="-127"/>
+                <a:cs typeface="Malgun Gothic Semilight" panose="020B0502040204020203" pitchFamily="50" charset="-127"/>
+              </a:rPr>
+              <a:t>Origin = </a:t>
+            </a:r>
+            <a:r>
+              <a:rPr kumimoji="0" lang="ko-KR" altLang="en-US" sz="1600" b="0" i="0" u="none" strike="noStrike" kern="1200" cap="none" spc="-150" normalizeH="0" baseline="0" noProof="0" dirty="0">
+                <a:ln>
+                  <a:noFill/>
+                </a:ln>
+                <a:gradFill>
+                  <a:gsLst>
+                    <a:gs pos="83000">
+                      <a:prstClr val="black">
+                        <a:lumMod val="75000"/>
+                        <a:lumOff val="25000"/>
+                      </a:prstClr>
+                    </a:gs>
+                    <a:gs pos="100000">
+                      <a:prstClr val="black">
+                        <a:lumMod val="75000"/>
+                        <a:lumOff val="25000"/>
+                      </a:prstClr>
+                    </a:gs>
+                  </a:gsLst>
+                  <a:lin ang="5400000" scaled="1"/>
+                </a:gradFill>
+                <a:effectLst/>
+                <a:uLnTx/>
+                <a:uFillTx/>
+                <a:latin typeface="Malgun Gothic Semilight" panose="020B0502040204020203" pitchFamily="50" charset="-127"/>
+                <a:ea typeface="Malgun Gothic Semilight" panose="020B0502040204020203" pitchFamily="50" charset="-127"/>
+                <a:cs typeface="Malgun Gothic Semilight" panose="020B0502040204020203" pitchFamily="50" charset="-127"/>
+              </a:rPr>
+              <a:t>활동</a:t>
+            </a:r>
+            <a:endParaRPr kumimoji="0" lang="en-US" altLang="ko-KR" sz="1600" b="0" i="0" u="none" strike="noStrike" kern="1200" cap="none" spc="-150" normalizeH="0" baseline="0" noProof="0" dirty="0">
+              <a:ln>
+                <a:noFill/>
+              </a:ln>
+              <a:gradFill>
+                <a:gsLst>
+                  <a:gs pos="83000">
+                    <a:prstClr val="black">
+                      <a:lumMod val="75000"/>
+                      <a:lumOff val="25000"/>
+                    </a:prstClr>
+                  </a:gs>
+                  <a:gs pos="100000">
+                    <a:prstClr val="black">
+                      <a:lumMod val="75000"/>
+                      <a:lumOff val="25000"/>
+                    </a:prstClr>
+                  </a:gs>
+                </a:gsLst>
+                <a:lin ang="5400000" scaled="1"/>
+              </a:gradFill>
+              <a:effectLst/>
+              <a:uLnTx/>
+              <a:uFillTx/>
+              <a:latin typeface="Malgun Gothic Semilight" panose="020B0502040204020203" pitchFamily="50" charset="-127"/>
+              <a:ea typeface="Malgun Gothic Semilight" panose="020B0502040204020203" pitchFamily="50" charset="-127"/>
+              <a:cs typeface="Malgun Gothic Semilight" panose="020B0502040204020203" pitchFamily="50" charset="-127"/>
+            </a:endParaRPr>
+          </a:p>
+          <a:p>
+            <a:pPr marL="0" marR="0" lvl="0" indent="0" algn="ctr" defTabSz="914400" rtl="0" eaLnBrk="1" fontAlgn="auto" latinLnBrk="1" hangingPunct="1">
+              <a:lnSpc>
+                <a:spcPct val="150000"/>
+              </a:lnSpc>
+              <a:spcBef>
+                <a:spcPts val="0"/>
+              </a:spcBef>
+              <a:spcAft>
+                <a:spcPts val="0"/>
+              </a:spcAft>
+              <a:buClrTx/>
+              <a:buSzTx/>
+              <a:buFontTx/>
+              <a:buNone/>
+              <a:tabLst/>
+              <a:defRPr/>
+            </a:pPr>
+            <a:r>
+              <a:rPr kumimoji="0" lang="en-US" altLang="ko-KR" sz="1600" b="0" i="0" u="none" strike="noStrike" kern="1200" cap="none" spc="-150" normalizeH="0" baseline="0" noProof="0" dirty="0">
+                <a:ln>
+                  <a:noFill/>
+                </a:ln>
+                <a:gradFill>
+                  <a:gsLst>
+                    <a:gs pos="83000">
+                      <a:prstClr val="black">
+                        <a:lumMod val="75000"/>
+                        <a:lumOff val="25000"/>
+                      </a:prstClr>
+                    </a:gs>
+                    <a:gs pos="100000">
+                      <a:prstClr val="black">
+                        <a:lumMod val="75000"/>
+                        <a:lumOff val="25000"/>
+                      </a:prstClr>
+                    </a:gs>
+                  </a:gsLst>
+                  <a:lin ang="5400000" scaled="1"/>
+                </a:gradFill>
+                <a:effectLst/>
+                <a:uLnTx/>
+                <a:uFillTx/>
+                <a:latin typeface="Malgun Gothic Semilight" panose="020B0502040204020203" pitchFamily="50" charset="-127"/>
+                <a:ea typeface="Malgun Gothic Semilight" panose="020B0502040204020203" pitchFamily="50" charset="-127"/>
+                <a:cs typeface="Malgun Gothic Semilight" panose="020B0502040204020203" pitchFamily="50" charset="-127"/>
+              </a:rPr>
+              <a:t>File URL = </a:t>
+            </a:r>
+            <a:r>
+              <a:rPr kumimoji="0" lang="ko-KR" altLang="en-US" sz="1600" b="0" i="0" u="none" strike="noStrike" kern="1200" cap="none" spc="-150" normalizeH="0" baseline="0" noProof="0" dirty="0">
+                <a:ln>
+                  <a:noFill/>
+                </a:ln>
+                <a:gradFill>
+                  <a:gsLst>
+                    <a:gs pos="83000">
+                      <a:prstClr val="black">
+                        <a:lumMod val="75000"/>
+                        <a:lumOff val="25000"/>
+                      </a:prstClr>
+                    </a:gs>
+                    <a:gs pos="100000">
+                      <a:prstClr val="black">
+                        <a:lumMod val="75000"/>
+                        <a:lumOff val="25000"/>
+                      </a:prstClr>
+                    </a:gs>
+                  </a:gsLst>
+                  <a:lin ang="5400000" scaled="1"/>
+                </a:gradFill>
+                <a:effectLst/>
+                <a:uLnTx/>
+                <a:uFillTx/>
+                <a:latin typeface="Malgun Gothic Semilight" panose="020B0502040204020203" pitchFamily="50" charset="-127"/>
+                <a:ea typeface="Malgun Gothic Semilight" panose="020B0502040204020203" pitchFamily="50" charset="-127"/>
+                <a:cs typeface="Malgun Gothic Semilight" panose="020B0502040204020203" pitchFamily="50" charset="-127"/>
+              </a:rPr>
+              <a:t>설명</a:t>
+            </a:r>
+            <a:endParaRPr kumimoji="0" lang="en-US" altLang="ko-KR" sz="2000" b="0" i="0" u="none" strike="noStrike" kern="1200" cap="none" spc="-150" normalizeH="0" baseline="0" noProof="0" dirty="0">
+              <a:ln>
+                <a:noFill/>
+              </a:ln>
+              <a:gradFill>
+                <a:gsLst>
+                  <a:gs pos="83000">
+                    <a:prstClr val="black">
+                      <a:lumMod val="75000"/>
+                      <a:lumOff val="25000"/>
+                    </a:prstClr>
+                  </a:gs>
+                  <a:gs pos="100000">
+                    <a:prstClr val="black">
+                      <a:lumMod val="75000"/>
+                      <a:lumOff val="25000"/>
+                    </a:prstClr>
+                  </a:gs>
+                </a:gsLst>
+                <a:lin ang="5400000" scaled="1"/>
+              </a:gradFill>
+              <a:effectLst/>
+              <a:uLnTx/>
+              <a:uFillTx/>
+              <a:latin typeface="Malgun Gothic Semilight" panose="020B0502040204020203" pitchFamily="50" charset="-127"/>
+              <a:ea typeface="Malgun Gothic Semilight" panose="020B0502040204020203" pitchFamily="50" charset="-127"/>
+              <a:cs typeface="Malgun Gothic Semilight" panose="020B0502040204020203" pitchFamily="50" charset="-127"/>
+            </a:endParaRPr>
+          </a:p>
         </p:txBody>
       </p:sp>
       <p:pic>
         <p:nvPicPr>
-          <p:cNvPr id="3" name="그림 2" descr="컴퓨터이(가) 표시된 사진&#10;&#10;자동 생성된 설명">
+          <p:cNvPr id="3" name="그림 2">
             <a:extLst>
               <a:ext uri="{FF2B5EF4-FFF2-40B4-BE49-F238E27FC236}">
-                <a16:creationId xmlns:a16="http://schemas.microsoft.com/office/drawing/2014/main" id="{C5C3EC83-50D4-4A8D-8E53-F73F10ADB18D}"/>
+                <a16:creationId xmlns:a16="http://schemas.microsoft.com/office/drawing/2014/main" id="{3A745851-1DF0-4C91-ADA1-980A35DEE8F5}"/>
               </a:ext>
             </a:extLst>
           </p:cNvPr>
@@ -6921,21 +10313,331 @@
           <p:nvPr/>
         </p:nvPicPr>
         <p:blipFill>
-          <a:blip r:embed="rId2">
-            <a:extLst>
-              <a:ext uri="{28A0092B-C50C-407E-A947-70E740481C1C}">
-                <a14:useLocalDpi xmlns:a14="http://schemas.microsoft.com/office/drawing/2010/main" val="0"/>
-              </a:ext>
-            </a:extLst>
-          </a:blip>
+          <a:blip r:embed="rId2"/>
           <a:stretch>
             <a:fillRect/>
           </a:stretch>
         </p:blipFill>
         <p:spPr>
           <a:xfrm>
-            <a:off x="1737359" y="1619794"/>
-            <a:ext cx="8717280" cy="4206240"/>
+            <a:off x="1951520" y="1555721"/>
+            <a:ext cx="8016935" cy="2522439"/>
+          </a:xfrm>
+          <a:prstGeom prst="rect">
+            <a:avLst/>
+          </a:prstGeom>
+        </p:spPr>
+      </p:pic>
+    </p:spTree>
+    <p:extLst>
+      <p:ext uri="{BB962C8B-B14F-4D97-AF65-F5344CB8AC3E}">
+        <p14:creationId xmlns:p14="http://schemas.microsoft.com/office/powerpoint/2010/main" val="437983549"/>
+      </p:ext>
+    </p:extLst>
+  </p:cSld>
+  <p:clrMapOvr>
+    <a:masterClrMapping/>
+  </p:clrMapOvr>
+</p:sld>
+</file>
+
+<file path=ppt/slides/slide8.xml><?xml version="1.0" encoding="utf-8"?>
+<p:sld xmlns:a="http://schemas.openxmlformats.org/drawingml/2006/main" xmlns:r="http://schemas.openxmlformats.org/officeDocument/2006/relationships" xmlns:p="http://schemas.openxmlformats.org/presentationml/2006/main">
+  <p:cSld>
+    <p:bg>
+      <p:bgPr>
+        <a:solidFill>
+          <a:schemeClr val="bg1"/>
+        </a:solidFill>
+        <a:effectLst/>
+      </p:bgPr>
+    </p:bg>
+    <p:spTree>
+      <p:nvGrpSpPr>
+        <p:cNvPr id="1" name=""/>
+        <p:cNvGrpSpPr/>
+        <p:nvPr/>
+      </p:nvGrpSpPr>
+      <p:grpSpPr>
+        <a:xfrm>
+          <a:off x="0" y="0"/>
+          <a:ext cx="0" cy="0"/>
+          <a:chOff x="0" y="0"/>
+          <a:chExt cx="0" cy="0"/>
+        </a:xfrm>
+      </p:grpSpPr>
+      <p:sp>
+        <p:nvSpPr>
+          <p:cNvPr id="12" name="TextBox 11">
+            <a:extLst>
+              <a:ext uri="{FF2B5EF4-FFF2-40B4-BE49-F238E27FC236}">
+                <a16:creationId xmlns:a16="http://schemas.microsoft.com/office/drawing/2014/main" id="{72C1CBAC-EF92-40FE-A9AB-F06B1C7F436D}"/>
+              </a:ext>
+            </a:extLst>
+          </p:cNvPr>
+          <p:cNvSpPr txBox="1"/>
+          <p:nvPr/>
+        </p:nvSpPr>
+        <p:spPr>
+          <a:xfrm>
+            <a:off x="435427" y="360737"/>
+            <a:ext cx="1842664" cy="655372"/>
+          </a:xfrm>
+          <a:prstGeom prst="rect">
+            <a:avLst/>
+          </a:prstGeom>
+          <a:noFill/>
+        </p:spPr>
+        <p:txBody>
+          <a:bodyPr wrap="square" rtlCol="0">
+            <a:spAutoFit/>
+          </a:bodyPr>
+          <a:lstStyle/>
+          <a:p>
+            <a:pPr marL="0" marR="0" lvl="0" indent="0" algn="ctr" defTabSz="914400" rtl="0" eaLnBrk="1" fontAlgn="auto" latinLnBrk="1" hangingPunct="1">
+              <a:lnSpc>
+                <a:spcPct val="150000"/>
+              </a:lnSpc>
+              <a:spcBef>
+                <a:spcPts val="0"/>
+              </a:spcBef>
+              <a:spcAft>
+                <a:spcPts val="0"/>
+              </a:spcAft>
+              <a:buClrTx/>
+              <a:buSzTx/>
+              <a:buFontTx/>
+              <a:buNone/>
+              <a:tabLst/>
+              <a:defRPr/>
+            </a:pPr>
+            <a:r>
+              <a:rPr kumimoji="0" lang="en-US" altLang="ko-KR" sz="2800" b="1" i="0" u="none" strike="noStrike" kern="1200" cap="none" spc="-150" normalizeH="0" baseline="0" noProof="0" dirty="0">
+                <a:ln>
+                  <a:noFill/>
+                </a:ln>
+                <a:gradFill>
+                  <a:gsLst>
+                    <a:gs pos="83000">
+                      <a:prstClr val="black">
+                        <a:lumMod val="75000"/>
+                        <a:lumOff val="25000"/>
+                      </a:prstClr>
+                    </a:gs>
+                    <a:gs pos="100000">
+                      <a:prstClr val="black">
+                        <a:lumMod val="75000"/>
+                        <a:lumOff val="25000"/>
+                      </a:prstClr>
+                    </a:gs>
+                  </a:gsLst>
+                  <a:lin ang="5400000" scaled="1"/>
+                </a:gradFill>
+                <a:effectLst/>
+                <a:uLnTx/>
+                <a:uFillTx/>
+                <a:latin typeface="Malgun Gothic Semilight" panose="020B0502040204020203" pitchFamily="50" charset="-127"/>
+                <a:ea typeface="Malgun Gothic Semilight" panose="020B0502040204020203" pitchFamily="50" charset="-127"/>
+                <a:cs typeface="Malgun Gothic Semilight" panose="020B0502040204020203" pitchFamily="50" charset="-127"/>
+              </a:rPr>
+              <a:t>JSP</a:t>
+            </a:r>
+            <a:r>
+              <a:rPr kumimoji="0" lang="ko-KR" altLang="en-US" sz="2800" b="1" i="0" u="none" strike="noStrike" kern="1200" cap="none" spc="-150" normalizeH="0" baseline="0" noProof="0" dirty="0">
+                <a:ln>
+                  <a:noFill/>
+                </a:ln>
+                <a:gradFill>
+                  <a:gsLst>
+                    <a:gs pos="83000">
+                      <a:prstClr val="black">
+                        <a:lumMod val="75000"/>
+                        <a:lumOff val="25000"/>
+                      </a:prstClr>
+                    </a:gs>
+                    <a:gs pos="100000">
+                      <a:prstClr val="black">
+                        <a:lumMod val="75000"/>
+                        <a:lumOff val="25000"/>
+                      </a:prstClr>
+                    </a:gs>
+                  </a:gsLst>
+                  <a:lin ang="5400000" scaled="1"/>
+                </a:gradFill>
+                <a:effectLst/>
+                <a:uLnTx/>
+                <a:uFillTx/>
+                <a:latin typeface="Malgun Gothic Semilight" panose="020B0502040204020203" pitchFamily="50" charset="-127"/>
+                <a:ea typeface="Malgun Gothic Semilight" panose="020B0502040204020203" pitchFamily="50" charset="-127"/>
+                <a:cs typeface="Malgun Gothic Semilight" panose="020B0502040204020203" pitchFamily="50" charset="-127"/>
+              </a:rPr>
+              <a:t> </a:t>
+            </a:r>
+            <a:r>
+              <a:rPr kumimoji="0" lang="en-US" altLang="ko-KR" sz="2800" b="1" i="0" u="none" strike="noStrike" kern="1200" cap="none" spc="-150" normalizeH="0" baseline="0" noProof="0" dirty="0">
+                <a:ln>
+                  <a:noFill/>
+                </a:ln>
+                <a:gradFill>
+                  <a:gsLst>
+                    <a:gs pos="83000">
+                      <a:prstClr val="black">
+                        <a:lumMod val="75000"/>
+                        <a:lumOff val="25000"/>
+                      </a:prstClr>
+                    </a:gs>
+                    <a:gs pos="100000">
+                      <a:prstClr val="black">
+                        <a:lumMod val="75000"/>
+                        <a:lumOff val="25000"/>
+                      </a:prstClr>
+                    </a:gs>
+                  </a:gsLst>
+                  <a:lin ang="5400000" scaled="1"/>
+                </a:gradFill>
+                <a:effectLst/>
+                <a:uLnTx/>
+                <a:uFillTx/>
+                <a:latin typeface="Malgun Gothic Semilight" panose="020B0502040204020203" pitchFamily="50" charset="-127"/>
+                <a:ea typeface="Malgun Gothic Semilight" panose="020B0502040204020203" pitchFamily="50" charset="-127"/>
+                <a:cs typeface="Malgun Gothic Semilight" panose="020B0502040204020203" pitchFamily="50" charset="-127"/>
+              </a:rPr>
+              <a:t>Project</a:t>
+            </a:r>
+          </a:p>
+        </p:txBody>
+      </p:sp>
+      <p:sp>
+        <p:nvSpPr>
+          <p:cNvPr id="13" name="TextBox 12">
+            <a:extLst>
+              <a:ext uri="{FF2B5EF4-FFF2-40B4-BE49-F238E27FC236}">
+                <a16:creationId xmlns:a16="http://schemas.microsoft.com/office/drawing/2014/main" id="{4EC86F03-8472-4595-A2F7-14C357D690FD}"/>
+              </a:ext>
+            </a:extLst>
+          </p:cNvPr>
+          <p:cNvSpPr txBox="1"/>
+          <p:nvPr/>
+        </p:nvSpPr>
+        <p:spPr>
+          <a:xfrm>
+            <a:off x="4357037" y="441176"/>
+            <a:ext cx="3477924" cy="494494"/>
+          </a:xfrm>
+          <a:prstGeom prst="rect">
+            <a:avLst/>
+          </a:prstGeom>
+          <a:noFill/>
+        </p:spPr>
+        <p:txBody>
+          <a:bodyPr wrap="square" rtlCol="0">
+            <a:spAutoFit/>
+          </a:bodyPr>
+          <a:lstStyle/>
+          <a:p>
+            <a:pPr marL="0" marR="0" lvl="0" indent="0" algn="ctr" defTabSz="914400" rtl="0" eaLnBrk="1" fontAlgn="auto" latinLnBrk="1" hangingPunct="1">
+              <a:lnSpc>
+                <a:spcPct val="150000"/>
+              </a:lnSpc>
+              <a:spcBef>
+                <a:spcPts val="0"/>
+              </a:spcBef>
+              <a:spcAft>
+                <a:spcPts val="0"/>
+              </a:spcAft>
+              <a:buClrTx/>
+              <a:buSzTx/>
+              <a:buFontTx/>
+              <a:buNone/>
+              <a:tabLst/>
+              <a:defRPr/>
+            </a:pPr>
+            <a:r>
+              <a:rPr kumimoji="0" lang="en-US" altLang="ko-KR" sz="2000" b="0" i="0" u="none" strike="noStrike" kern="1200" cap="none" spc="-150" normalizeH="0" baseline="0" noProof="0" dirty="0" err="1">
+                <a:ln>
+                  <a:noFill/>
+                </a:ln>
+                <a:gradFill>
+                  <a:gsLst>
+                    <a:gs pos="83000">
+                      <a:prstClr val="black">
+                        <a:lumMod val="75000"/>
+                        <a:lumOff val="25000"/>
+                      </a:prstClr>
+                    </a:gs>
+                    <a:gs pos="100000">
+                      <a:prstClr val="black">
+                        <a:lumMod val="75000"/>
+                        <a:lumOff val="25000"/>
+                      </a:prstClr>
+                    </a:gs>
+                  </a:gsLst>
+                  <a:lin ang="5400000" scaled="1"/>
+                </a:gradFill>
+                <a:effectLst/>
+                <a:uLnTx/>
+                <a:uFillTx/>
+                <a:latin typeface="Malgun Gothic Semilight" panose="020B0502040204020203" pitchFamily="50" charset="-127"/>
+                <a:ea typeface="Malgun Gothic Semilight" panose="020B0502040204020203" pitchFamily="50" charset="-127"/>
+                <a:cs typeface="Malgun Gothic Semilight" panose="020B0502040204020203" pitchFamily="50" charset="-127"/>
+              </a:rPr>
+              <a:t>Mysql</a:t>
+            </a:r>
+            <a:endParaRPr kumimoji="0" lang="en-US" altLang="ko-KR" sz="2000" b="0" i="0" u="none" strike="noStrike" kern="1200" cap="none" spc="-150" normalizeH="0" baseline="0" noProof="0" dirty="0">
+              <a:ln>
+                <a:noFill/>
+              </a:ln>
+              <a:gradFill>
+                <a:gsLst>
+                  <a:gs pos="83000">
+                    <a:prstClr val="black">
+                      <a:lumMod val="75000"/>
+                      <a:lumOff val="25000"/>
+                    </a:prstClr>
+                  </a:gs>
+                  <a:gs pos="100000">
+                    <a:prstClr val="black">
+                      <a:lumMod val="75000"/>
+                      <a:lumOff val="25000"/>
+                    </a:prstClr>
+                  </a:gs>
+                </a:gsLst>
+                <a:lin ang="5400000" scaled="1"/>
+              </a:gradFill>
+              <a:effectLst/>
+              <a:uLnTx/>
+              <a:uFillTx/>
+              <a:latin typeface="Malgun Gothic Semilight" panose="020B0502040204020203" pitchFamily="50" charset="-127"/>
+              <a:ea typeface="Malgun Gothic Semilight" panose="020B0502040204020203" pitchFamily="50" charset="-127"/>
+              <a:cs typeface="Malgun Gothic Semilight" panose="020B0502040204020203" pitchFamily="50" charset="-127"/>
+            </a:endParaRPr>
+          </a:p>
+        </p:txBody>
+      </p:sp>
+      <p:pic>
+        <p:nvPicPr>
+          <p:cNvPr id="2" name="그림 1">
+            <a:extLst>
+              <a:ext uri="{FF2B5EF4-FFF2-40B4-BE49-F238E27FC236}">
+                <a16:creationId xmlns:a16="http://schemas.microsoft.com/office/drawing/2014/main" id="{B1CCAC4F-9433-424B-929A-25540438DB73}"/>
+              </a:ext>
+            </a:extLst>
+          </p:cNvPr>
+          <p:cNvPicPr>
+            <a:picLocks noChangeAspect="1"/>
+          </p:cNvPicPr>
+          <p:nvPr/>
+        </p:nvPicPr>
+        <p:blipFill>
+          <a:blip r:embed="rId2"/>
+          <a:stretch>
+            <a:fillRect/>
+          </a:stretch>
+        </p:blipFill>
+        <p:spPr>
+          <a:xfrm>
+            <a:off x="1432155" y="1753506"/>
+            <a:ext cx="9327688" cy="4221846"/>
           </a:xfrm>
           <a:prstGeom prst="rect">
             <a:avLst/>
@@ -6955,9 +10657,17 @@
 </p:sld>
 </file>
 
-<file path=ppt/slides/slide8.xml><?xml version="1.0" encoding="utf-8"?>
+<file path=ppt/slides/slide9.xml><?xml version="1.0" encoding="utf-8"?>
 <p:sld xmlns:a="http://schemas.openxmlformats.org/drawingml/2006/main" xmlns:r="http://schemas.openxmlformats.org/officeDocument/2006/relationships" xmlns:p="http://schemas.openxmlformats.org/presentationml/2006/main">
   <p:cSld>
+    <p:bg>
+      <p:bgPr>
+        <a:solidFill>
+          <a:schemeClr val="bg1"/>
+        </a:solidFill>
+        <a:effectLst/>
+      </p:bgPr>
+    </p:bg>
     <p:spTree>
       <p:nvGrpSpPr>
         <p:cNvPr id="1" name=""/>
@@ -6974,14 +10684,20 @@
       </p:grpSpPr>
       <p:sp>
         <p:nvSpPr>
-          <p:cNvPr id="3" name="TextBox 2"/>
+          <p:cNvPr id="12" name="TextBox 11">
+            <a:extLst>
+              <a:ext uri="{FF2B5EF4-FFF2-40B4-BE49-F238E27FC236}">
+                <a16:creationId xmlns:a16="http://schemas.microsoft.com/office/drawing/2014/main" id="{72C1CBAC-EF92-40FE-A9AB-F06B1C7F436D}"/>
+              </a:ext>
+            </a:extLst>
+          </p:cNvPr>
           <p:cNvSpPr txBox="1"/>
           <p:nvPr/>
         </p:nvSpPr>
         <p:spPr>
           <a:xfrm>
-            <a:off x="4424414" y="2367171"/>
-            <a:ext cx="3343170" cy="2123658"/>
+            <a:off x="435427" y="360737"/>
+            <a:ext cx="1842664" cy="655372"/>
           </a:xfrm>
           <a:prstGeom prst="rect">
             <a:avLst/>
@@ -6994,39 +10710,232 @@
           </a:bodyPr>
           <a:lstStyle/>
           <a:p>
-            <a:pPr algn="dist"/>
-            <a:r>
-              <a:rPr lang="en-US" altLang="ko-KR" sz="6600" dirty="0">
+            <a:pPr marL="0" marR="0" lvl="0" indent="0" algn="ctr" defTabSz="914400" rtl="0" eaLnBrk="1" fontAlgn="auto" latinLnBrk="1" hangingPunct="1">
+              <a:lnSpc>
+                <a:spcPct val="150000"/>
+              </a:lnSpc>
+              <a:spcBef>
+                <a:spcPts val="0"/>
+              </a:spcBef>
+              <a:spcAft>
+                <a:spcPts val="0"/>
+              </a:spcAft>
+              <a:buClrTx/>
+              <a:buSzTx/>
+              <a:buFontTx/>
+              <a:buNone/>
+              <a:tabLst/>
+              <a:defRPr/>
+            </a:pPr>
+            <a:r>
+              <a:rPr kumimoji="0" lang="en-US" altLang="ko-KR" sz="2800" b="1" i="0" u="none" strike="noStrike" kern="1200" cap="none" spc="-150" normalizeH="0" baseline="0" noProof="0" dirty="0">
+                <a:ln>
+                  <a:noFill/>
+                </a:ln>
                 <a:gradFill>
                   <a:gsLst>
                     <a:gs pos="83000">
-                      <a:schemeClr val="tx1">
-                        <a:lumMod val="75000"/>
-                        <a:lumOff val="25000"/>
-                      </a:schemeClr>
+                      <a:prstClr val="black">
+                        <a:lumMod val="75000"/>
+                        <a:lumOff val="25000"/>
+                      </a:prstClr>
                     </a:gs>
                     <a:gs pos="100000">
-                      <a:schemeClr val="tx1">
-                        <a:lumMod val="75000"/>
-                        <a:lumOff val="25000"/>
-                      </a:schemeClr>
+                      <a:prstClr val="black">
+                        <a:lumMod val="75000"/>
+                        <a:lumOff val="25000"/>
+                      </a:prstClr>
                     </a:gs>
                   </a:gsLst>
                   <a:lin ang="5400000" scaled="1"/>
                 </a:gradFill>
-                <a:latin typeface="+mj-lt"/>
+                <a:effectLst/>
+                <a:uLnTx/>
+                <a:uFillTx/>
+                <a:latin typeface="Malgun Gothic Semilight" panose="020B0502040204020203" pitchFamily="50" charset="-127"/>
                 <a:ea typeface="Malgun Gothic Semilight" panose="020B0502040204020203" pitchFamily="50" charset="-127"/>
                 <a:cs typeface="Malgun Gothic Semilight" panose="020B0502040204020203" pitchFamily="50" charset="-127"/>
               </a:rPr>
-              <a:t>THANK YOU</a:t>
+              <a:t>JSP</a:t>
+            </a:r>
+            <a:r>
+              <a:rPr kumimoji="0" lang="ko-KR" altLang="en-US" sz="2800" b="1" i="0" u="none" strike="noStrike" kern="1200" cap="none" spc="-150" normalizeH="0" baseline="0" noProof="0" dirty="0">
+                <a:ln>
+                  <a:noFill/>
+                </a:ln>
+                <a:gradFill>
+                  <a:gsLst>
+                    <a:gs pos="83000">
+                      <a:prstClr val="black">
+                        <a:lumMod val="75000"/>
+                        <a:lumOff val="25000"/>
+                      </a:prstClr>
+                    </a:gs>
+                    <a:gs pos="100000">
+                      <a:prstClr val="black">
+                        <a:lumMod val="75000"/>
+                        <a:lumOff val="25000"/>
+                      </a:prstClr>
+                    </a:gs>
+                  </a:gsLst>
+                  <a:lin ang="5400000" scaled="1"/>
+                </a:gradFill>
+                <a:effectLst/>
+                <a:uLnTx/>
+                <a:uFillTx/>
+                <a:latin typeface="Malgun Gothic Semilight" panose="020B0502040204020203" pitchFamily="50" charset="-127"/>
+                <a:ea typeface="Malgun Gothic Semilight" panose="020B0502040204020203" pitchFamily="50" charset="-127"/>
+                <a:cs typeface="Malgun Gothic Semilight" panose="020B0502040204020203" pitchFamily="50" charset="-127"/>
+              </a:rPr>
+              <a:t> </a:t>
+            </a:r>
+            <a:r>
+              <a:rPr kumimoji="0" lang="en-US" altLang="ko-KR" sz="2800" b="1" i="0" u="none" strike="noStrike" kern="1200" cap="none" spc="-150" normalizeH="0" baseline="0" noProof="0" dirty="0">
+                <a:ln>
+                  <a:noFill/>
+                </a:ln>
+                <a:gradFill>
+                  <a:gsLst>
+                    <a:gs pos="83000">
+                      <a:prstClr val="black">
+                        <a:lumMod val="75000"/>
+                        <a:lumOff val="25000"/>
+                      </a:prstClr>
+                    </a:gs>
+                    <a:gs pos="100000">
+                      <a:prstClr val="black">
+                        <a:lumMod val="75000"/>
+                        <a:lumOff val="25000"/>
+                      </a:prstClr>
+                    </a:gs>
+                  </a:gsLst>
+                  <a:lin ang="5400000" scaled="1"/>
+                </a:gradFill>
+                <a:effectLst/>
+                <a:uLnTx/>
+                <a:uFillTx/>
+                <a:latin typeface="Malgun Gothic Semilight" panose="020B0502040204020203" pitchFamily="50" charset="-127"/>
+                <a:ea typeface="Malgun Gothic Semilight" panose="020B0502040204020203" pitchFamily="50" charset="-127"/>
+                <a:cs typeface="Malgun Gothic Semilight" panose="020B0502040204020203" pitchFamily="50" charset="-127"/>
+              </a:rPr>
+              <a:t>Project</a:t>
             </a:r>
           </a:p>
         </p:txBody>
       </p:sp>
+      <p:sp>
+        <p:nvSpPr>
+          <p:cNvPr id="13" name="TextBox 12">
+            <a:extLst>
+              <a:ext uri="{FF2B5EF4-FFF2-40B4-BE49-F238E27FC236}">
+                <a16:creationId xmlns:a16="http://schemas.microsoft.com/office/drawing/2014/main" id="{4EC86F03-8472-4595-A2F7-14C357D690FD}"/>
+              </a:ext>
+            </a:extLst>
+          </p:cNvPr>
+          <p:cNvSpPr txBox="1"/>
+          <p:nvPr/>
+        </p:nvSpPr>
+        <p:spPr>
+          <a:xfrm>
+            <a:off x="3402472" y="441176"/>
+            <a:ext cx="5387053" cy="494494"/>
+          </a:xfrm>
+          <a:prstGeom prst="rect">
+            <a:avLst/>
+          </a:prstGeom>
+          <a:noFill/>
+        </p:spPr>
+        <p:txBody>
+          <a:bodyPr wrap="square" rtlCol="0">
+            <a:spAutoFit/>
+          </a:bodyPr>
+          <a:lstStyle/>
+          <a:p>
+            <a:pPr marL="0" marR="0" lvl="0" indent="0" algn="ctr" defTabSz="914400" rtl="0" eaLnBrk="1" fontAlgn="auto" latinLnBrk="1" hangingPunct="1">
+              <a:lnSpc>
+                <a:spcPct val="150000"/>
+              </a:lnSpc>
+              <a:spcBef>
+                <a:spcPts val="0"/>
+              </a:spcBef>
+              <a:spcAft>
+                <a:spcPts val="0"/>
+              </a:spcAft>
+              <a:buClrTx/>
+              <a:buSzTx/>
+              <a:buFontTx/>
+              <a:buNone/>
+              <a:tabLst/>
+              <a:defRPr/>
+            </a:pPr>
+            <a:r>
+              <a:rPr kumimoji="0" lang="en-US" altLang="ko-KR" sz="2000" b="0" i="0" u="none" strike="noStrike" kern="1200" cap="none" spc="-150" normalizeH="0" baseline="0" noProof="0" dirty="0">
+                <a:ln>
+                  <a:noFill/>
+                </a:ln>
+                <a:gradFill>
+                  <a:gsLst>
+                    <a:gs pos="83000">
+                      <a:prstClr val="black">
+                        <a:lumMod val="75000"/>
+                        <a:lumOff val="25000"/>
+                      </a:prstClr>
+                    </a:gs>
+                    <a:gs pos="100000">
+                      <a:prstClr val="black">
+                        <a:lumMod val="75000"/>
+                        <a:lumOff val="25000"/>
+                      </a:prstClr>
+                    </a:gs>
+                  </a:gsLst>
+                  <a:lin ang="5400000" scaled="1"/>
+                </a:gradFill>
+                <a:effectLst/>
+                <a:uLnTx/>
+                <a:uFillTx/>
+                <a:latin typeface="Malgun Gothic Semilight" panose="020B0502040204020203" pitchFamily="50" charset="-127"/>
+                <a:ea typeface="Malgun Gothic Semilight" panose="020B0502040204020203" pitchFamily="50" charset="-127"/>
+                <a:cs typeface="Malgun Gothic Semilight" panose="020B0502040204020203" pitchFamily="50" charset="-127"/>
+              </a:rPr>
+              <a:t>Design</a:t>
+            </a:r>
+          </a:p>
+        </p:txBody>
+      </p:sp>
+      <p:pic>
+        <p:nvPicPr>
+          <p:cNvPr id="2" name="그림 1">
+            <a:extLst>
+              <a:ext uri="{FF2B5EF4-FFF2-40B4-BE49-F238E27FC236}">
+                <a16:creationId xmlns:a16="http://schemas.microsoft.com/office/drawing/2014/main" id="{0BFF4CE4-428F-4957-85CA-B031CFC2F059}"/>
+              </a:ext>
+            </a:extLst>
+          </p:cNvPr>
+          <p:cNvPicPr>
+            <a:picLocks noChangeAspect="1"/>
+          </p:cNvPicPr>
+          <p:nvPr/>
+        </p:nvPicPr>
+        <p:blipFill>
+          <a:blip r:embed="rId2"/>
+          <a:stretch>
+            <a:fillRect/>
+          </a:stretch>
+        </p:blipFill>
+        <p:spPr>
+          <a:xfrm>
+            <a:off x="1504572" y="1146737"/>
+            <a:ext cx="9182854" cy="5491451"/>
+          </a:xfrm>
+          <a:prstGeom prst="rect">
+            <a:avLst/>
+          </a:prstGeom>
+        </p:spPr>
+      </p:pic>
     </p:spTree>
     <p:extLst>
       <p:ext uri="{BB962C8B-B14F-4D97-AF65-F5344CB8AC3E}">
-        <p14:creationId xmlns:p14="http://schemas.microsoft.com/office/powerpoint/2010/main" val="2216989599"/>
+        <p14:creationId xmlns:p14="http://schemas.microsoft.com/office/powerpoint/2010/main" val="1985427462"/>
       </p:ext>
     </p:extLst>
   </p:cSld>
